--- a/Learning Environment/Virtual Environment/01-VMandDocker.pptx
+++ b/Learning Environment/Virtual Environment/01-VMandDocker.pptx
@@ -125,6 +125,6336 @@
     </a:lvl9pPr>
   </p:defaultTextStyle>
 </p:presentation>
+</file>
+
+<file path=ppt/diagrams/colors1.xml><?xml version="1.0" encoding="utf-8"?>
+<dgm:colorsDef xmlns:dgm="http://schemas.openxmlformats.org/drawingml/2006/diagram" xmlns:a="http://schemas.openxmlformats.org/drawingml/2006/main" uniqueId="urn:microsoft.com/office/officeart/2005/8/colors/colorful2">
+  <dgm:title val=""/>
+  <dgm:desc val=""/>
+  <dgm:catLst>
+    <dgm:cat type="colorful" pri="10200"/>
+  </dgm:catLst>
+  <dgm:styleLbl name="node0">
+    <dgm:fillClrLst meth="repeat">
+      <a:schemeClr val="accent1"/>
+    </dgm:fillClrLst>
+    <dgm:linClrLst meth="repeat">
+      <a:schemeClr val="lt1"/>
+    </dgm:linClrLst>
+    <dgm:effectClrLst/>
+    <dgm:txLinClrLst/>
+    <dgm:txFillClrLst/>
+    <dgm:txEffectClrLst/>
+  </dgm:styleLbl>
+  <dgm:styleLbl name="node1">
+    <dgm:fillClrLst>
+      <a:schemeClr val="accent2"/>
+      <a:schemeClr val="accent3"/>
+    </dgm:fillClrLst>
+    <dgm:linClrLst meth="repeat">
+      <a:schemeClr val="lt1"/>
+    </dgm:linClrLst>
+    <dgm:effectClrLst/>
+    <dgm:txLinClrLst/>
+    <dgm:txFillClrLst/>
+    <dgm:txEffectClrLst/>
+  </dgm:styleLbl>
+  <dgm:styleLbl name="alignNode1">
+    <dgm:fillClrLst>
+      <a:schemeClr val="accent2"/>
+      <a:schemeClr val="accent3"/>
+    </dgm:fillClrLst>
+    <dgm:linClrLst>
+      <a:schemeClr val="accent2"/>
+      <a:schemeClr val="accent3"/>
+    </dgm:linClrLst>
+    <dgm:effectClrLst/>
+    <dgm:txLinClrLst/>
+    <dgm:txFillClrLst/>
+    <dgm:txEffectClrLst/>
+  </dgm:styleLbl>
+  <dgm:styleLbl name="lnNode1">
+    <dgm:fillClrLst>
+      <a:schemeClr val="accent2"/>
+      <a:schemeClr val="accent3"/>
+    </dgm:fillClrLst>
+    <dgm:linClrLst meth="repeat">
+      <a:schemeClr val="lt1"/>
+    </dgm:linClrLst>
+    <dgm:effectClrLst/>
+    <dgm:txLinClrLst/>
+    <dgm:txFillClrLst/>
+    <dgm:txEffectClrLst/>
+  </dgm:styleLbl>
+  <dgm:styleLbl name="vennNode1">
+    <dgm:fillClrLst>
+      <a:schemeClr val="accent2">
+        <a:alpha val="50000"/>
+      </a:schemeClr>
+      <a:schemeClr val="accent3">
+        <a:alpha val="50000"/>
+      </a:schemeClr>
+    </dgm:fillClrLst>
+    <dgm:linClrLst meth="repeat">
+      <a:schemeClr val="lt1"/>
+    </dgm:linClrLst>
+    <dgm:effectClrLst/>
+    <dgm:txLinClrLst/>
+    <dgm:txFillClrLst/>
+    <dgm:txEffectClrLst/>
+  </dgm:styleLbl>
+  <dgm:styleLbl name="node2">
+    <dgm:fillClrLst>
+      <a:schemeClr val="accent3"/>
+    </dgm:fillClrLst>
+    <dgm:linClrLst meth="repeat">
+      <a:schemeClr val="lt1"/>
+    </dgm:linClrLst>
+    <dgm:effectClrLst/>
+    <dgm:txLinClrLst/>
+    <dgm:txFillClrLst/>
+    <dgm:txEffectClrLst/>
+  </dgm:styleLbl>
+  <dgm:styleLbl name="node3">
+    <dgm:fillClrLst>
+      <a:schemeClr val="accent4"/>
+    </dgm:fillClrLst>
+    <dgm:linClrLst meth="repeat">
+      <a:schemeClr val="lt1"/>
+    </dgm:linClrLst>
+    <dgm:effectClrLst/>
+    <dgm:txLinClrLst/>
+    <dgm:txFillClrLst/>
+    <dgm:txEffectClrLst/>
+  </dgm:styleLbl>
+  <dgm:styleLbl name="node4">
+    <dgm:fillClrLst>
+      <a:schemeClr val="accent5"/>
+    </dgm:fillClrLst>
+    <dgm:linClrLst meth="repeat">
+      <a:schemeClr val="lt1"/>
+    </dgm:linClrLst>
+    <dgm:effectClrLst/>
+    <dgm:txLinClrLst/>
+    <dgm:txFillClrLst/>
+    <dgm:txEffectClrLst/>
+  </dgm:styleLbl>
+  <dgm:styleLbl name="fgImgPlace1">
+    <dgm:fillClrLst>
+      <a:schemeClr val="accent2">
+        <a:tint val="50000"/>
+      </a:schemeClr>
+      <a:schemeClr val="accent3">
+        <a:tint val="50000"/>
+      </a:schemeClr>
+    </dgm:fillClrLst>
+    <dgm:linClrLst meth="repeat">
+      <a:schemeClr val="lt1"/>
+    </dgm:linClrLst>
+    <dgm:effectClrLst/>
+    <dgm:txLinClrLst/>
+    <dgm:txFillClrLst meth="repeat">
+      <a:schemeClr val="lt1"/>
+    </dgm:txFillClrLst>
+    <dgm:txEffectClrLst/>
+  </dgm:styleLbl>
+  <dgm:styleLbl name="alignImgPlace1">
+    <dgm:fillClrLst>
+      <a:schemeClr val="accent2">
+        <a:tint val="50000"/>
+      </a:schemeClr>
+      <a:schemeClr val="accent3">
+        <a:tint val="20000"/>
+      </a:schemeClr>
+    </dgm:fillClrLst>
+    <dgm:linClrLst meth="repeat">
+      <a:schemeClr val="lt1"/>
+    </dgm:linClrLst>
+    <dgm:effectClrLst/>
+    <dgm:txLinClrLst/>
+    <dgm:txFillClrLst meth="repeat">
+      <a:schemeClr val="lt1"/>
+    </dgm:txFillClrLst>
+    <dgm:txEffectClrLst/>
+  </dgm:styleLbl>
+  <dgm:styleLbl name="bgImgPlace1">
+    <dgm:fillClrLst>
+      <a:schemeClr val="accent2">
+        <a:tint val="50000"/>
+      </a:schemeClr>
+      <a:schemeClr val="accent3">
+        <a:tint val="20000"/>
+      </a:schemeClr>
+    </dgm:fillClrLst>
+    <dgm:linClrLst meth="repeat">
+      <a:schemeClr val="lt1"/>
+    </dgm:linClrLst>
+    <dgm:effectClrLst/>
+    <dgm:txLinClrLst/>
+    <dgm:txFillClrLst meth="repeat">
+      <a:schemeClr val="lt1"/>
+    </dgm:txFillClrLst>
+    <dgm:txEffectClrLst/>
+  </dgm:styleLbl>
+  <dgm:styleLbl name="sibTrans2D1">
+    <dgm:fillClrLst>
+      <a:schemeClr val="accent2"/>
+      <a:schemeClr val="accent3"/>
+    </dgm:fillClrLst>
+    <dgm:linClrLst meth="repeat">
+      <a:schemeClr val="lt1"/>
+    </dgm:linClrLst>
+    <dgm:effectClrLst/>
+    <dgm:txLinClrLst/>
+    <dgm:txFillClrLst/>
+    <dgm:txEffectClrLst/>
+  </dgm:styleLbl>
+  <dgm:styleLbl name="fgSibTrans2D1">
+    <dgm:fillClrLst>
+      <a:schemeClr val="accent2"/>
+      <a:schemeClr val="accent3"/>
+    </dgm:fillClrLst>
+    <dgm:linClrLst meth="repeat">
+      <a:schemeClr val="lt1"/>
+    </dgm:linClrLst>
+    <dgm:effectClrLst/>
+    <dgm:txLinClrLst/>
+    <dgm:txFillClrLst meth="repeat">
+      <a:schemeClr val="lt1"/>
+    </dgm:txFillClrLst>
+    <dgm:txEffectClrLst/>
+  </dgm:styleLbl>
+  <dgm:styleLbl name="bgSibTrans2D1">
+    <dgm:fillClrLst>
+      <a:schemeClr val="accent2"/>
+      <a:schemeClr val="accent3"/>
+    </dgm:fillClrLst>
+    <dgm:linClrLst meth="repeat">
+      <a:schemeClr val="lt1"/>
+    </dgm:linClrLst>
+    <dgm:effectClrLst/>
+    <dgm:txLinClrLst/>
+    <dgm:txFillClrLst meth="repeat">
+      <a:schemeClr val="lt1"/>
+    </dgm:txFillClrLst>
+    <dgm:txEffectClrLst/>
+  </dgm:styleLbl>
+  <dgm:styleLbl name="sibTrans1D1">
+    <dgm:fillClrLst/>
+    <dgm:linClrLst>
+      <a:schemeClr val="accent2"/>
+      <a:schemeClr val="accent3"/>
+    </dgm:linClrLst>
+    <dgm:effectClrLst/>
+    <dgm:txLinClrLst/>
+    <dgm:txFillClrLst meth="repeat">
+      <a:schemeClr val="tx1"/>
+    </dgm:txFillClrLst>
+    <dgm:txEffectClrLst/>
+  </dgm:styleLbl>
+  <dgm:styleLbl name="callout">
+    <dgm:fillClrLst meth="repeat">
+      <a:schemeClr val="accent2"/>
+    </dgm:fillClrLst>
+    <dgm:linClrLst meth="repeat">
+      <a:schemeClr val="accent2">
+        <a:tint val="50000"/>
+      </a:schemeClr>
+    </dgm:linClrLst>
+    <dgm:effectClrLst/>
+    <dgm:txLinClrLst/>
+    <dgm:txFillClrLst meth="repeat">
+      <a:schemeClr val="tx1"/>
+    </dgm:txFillClrLst>
+    <dgm:txEffectClrLst/>
+  </dgm:styleLbl>
+  <dgm:styleLbl name="asst0">
+    <dgm:fillClrLst meth="repeat">
+      <a:schemeClr val="accent2"/>
+    </dgm:fillClrLst>
+    <dgm:linClrLst meth="repeat">
+      <a:schemeClr val="lt1">
+        <a:shade val="80000"/>
+      </a:schemeClr>
+    </dgm:linClrLst>
+    <dgm:effectClrLst/>
+    <dgm:txLinClrLst/>
+    <dgm:txFillClrLst/>
+    <dgm:txEffectClrLst/>
+  </dgm:styleLbl>
+  <dgm:styleLbl name="asst1">
+    <dgm:fillClrLst meth="repeat">
+      <a:schemeClr val="accent3"/>
+    </dgm:fillClrLst>
+    <dgm:linClrLst meth="repeat">
+      <a:schemeClr val="lt1">
+        <a:shade val="80000"/>
+      </a:schemeClr>
+    </dgm:linClrLst>
+    <dgm:effectClrLst/>
+    <dgm:txLinClrLst/>
+    <dgm:txFillClrLst/>
+    <dgm:txEffectClrLst/>
+  </dgm:styleLbl>
+  <dgm:styleLbl name="asst2">
+    <dgm:fillClrLst>
+      <a:schemeClr val="accent4"/>
+    </dgm:fillClrLst>
+    <dgm:linClrLst meth="repeat">
+      <a:schemeClr val="lt1"/>
+    </dgm:linClrLst>
+    <dgm:effectClrLst/>
+    <dgm:txLinClrLst/>
+    <dgm:txFillClrLst/>
+    <dgm:txEffectClrLst/>
+  </dgm:styleLbl>
+  <dgm:styleLbl name="asst3">
+    <dgm:fillClrLst>
+      <a:schemeClr val="accent5"/>
+    </dgm:fillClrLst>
+    <dgm:linClrLst meth="repeat">
+      <a:schemeClr val="lt1"/>
+    </dgm:linClrLst>
+    <dgm:effectClrLst/>
+    <dgm:txLinClrLst/>
+    <dgm:txFillClrLst/>
+    <dgm:txEffectClrLst/>
+  </dgm:styleLbl>
+  <dgm:styleLbl name="asst4">
+    <dgm:fillClrLst>
+      <a:schemeClr val="accent6"/>
+    </dgm:fillClrLst>
+    <dgm:linClrLst meth="repeat">
+      <a:schemeClr val="lt1"/>
+    </dgm:linClrLst>
+    <dgm:effectClrLst/>
+    <dgm:txLinClrLst/>
+    <dgm:txFillClrLst/>
+    <dgm:txEffectClrLst/>
+  </dgm:styleLbl>
+  <dgm:styleLbl name="parChTrans2D1">
+    <dgm:fillClrLst meth="repeat">
+      <a:schemeClr val="accent2"/>
+    </dgm:fillClrLst>
+    <dgm:linClrLst meth="repeat">
+      <a:schemeClr val="lt1"/>
+    </dgm:linClrLst>
+    <dgm:effectClrLst/>
+    <dgm:txLinClrLst/>
+    <dgm:txFillClrLst meth="repeat">
+      <a:schemeClr val="lt1"/>
+    </dgm:txFillClrLst>
+    <dgm:txEffectClrLst/>
+  </dgm:styleLbl>
+  <dgm:styleLbl name="parChTrans2D2">
+    <dgm:fillClrLst meth="repeat">
+      <a:schemeClr val="accent3"/>
+    </dgm:fillClrLst>
+    <dgm:linClrLst meth="repeat">
+      <a:schemeClr val="lt1"/>
+    </dgm:linClrLst>
+    <dgm:effectClrLst/>
+    <dgm:txLinClrLst/>
+    <dgm:txFillClrLst/>
+    <dgm:txEffectClrLst/>
+  </dgm:styleLbl>
+  <dgm:styleLbl name="parChTrans2D3">
+    <dgm:fillClrLst meth="repeat">
+      <a:schemeClr val="accent4"/>
+    </dgm:fillClrLst>
+    <dgm:linClrLst meth="repeat">
+      <a:schemeClr val="lt1"/>
+    </dgm:linClrLst>
+    <dgm:effectClrLst/>
+    <dgm:txLinClrLst/>
+    <dgm:txFillClrLst/>
+    <dgm:txEffectClrLst/>
+  </dgm:styleLbl>
+  <dgm:styleLbl name="parChTrans2D4">
+    <dgm:fillClrLst meth="repeat">
+      <a:schemeClr val="accent5"/>
+    </dgm:fillClrLst>
+    <dgm:linClrLst meth="repeat">
+      <a:schemeClr val="lt1"/>
+    </dgm:linClrLst>
+    <dgm:effectClrLst/>
+    <dgm:txLinClrLst/>
+    <dgm:txFillClrLst meth="repeat">
+      <a:schemeClr val="lt1"/>
+    </dgm:txFillClrLst>
+    <dgm:txEffectClrLst/>
+  </dgm:styleLbl>
+  <dgm:styleLbl name="parChTrans1D1">
+    <dgm:fillClrLst meth="repeat">
+      <a:schemeClr val="accent2"/>
+    </dgm:fillClrLst>
+    <dgm:linClrLst meth="repeat">
+      <a:schemeClr val="accent2"/>
+    </dgm:linClrLst>
+    <dgm:effectClrLst/>
+    <dgm:txLinClrLst/>
+    <dgm:txFillClrLst meth="repeat">
+      <a:schemeClr val="tx1"/>
+    </dgm:txFillClrLst>
+    <dgm:txEffectClrLst/>
+  </dgm:styleLbl>
+  <dgm:styleLbl name="parChTrans1D2">
+    <dgm:fillClrLst meth="repeat">
+      <a:schemeClr val="accent2">
+        <a:tint val="90000"/>
+      </a:schemeClr>
+    </dgm:fillClrLst>
+    <dgm:linClrLst meth="repeat">
+      <a:schemeClr val="accent3"/>
+    </dgm:linClrLst>
+    <dgm:effectClrLst/>
+    <dgm:txLinClrLst/>
+    <dgm:txFillClrLst meth="repeat">
+      <a:schemeClr val="tx1"/>
+    </dgm:txFillClrLst>
+    <dgm:txEffectClrLst/>
+  </dgm:styleLbl>
+  <dgm:styleLbl name="parChTrans1D3">
+    <dgm:fillClrLst meth="repeat">
+      <a:schemeClr val="accent2">
+        <a:tint val="70000"/>
+      </a:schemeClr>
+    </dgm:fillClrLst>
+    <dgm:linClrLst meth="repeat">
+      <a:schemeClr val="accent4"/>
+    </dgm:linClrLst>
+    <dgm:effectClrLst/>
+    <dgm:txLinClrLst/>
+    <dgm:txFillClrLst meth="repeat">
+      <a:schemeClr val="tx1"/>
+    </dgm:txFillClrLst>
+    <dgm:txEffectClrLst/>
+  </dgm:styleLbl>
+  <dgm:styleLbl name="parChTrans1D4">
+    <dgm:fillClrLst meth="repeat">
+      <a:schemeClr val="accent2">
+        <a:tint val="50000"/>
+      </a:schemeClr>
+    </dgm:fillClrLst>
+    <dgm:linClrLst meth="repeat">
+      <a:schemeClr val="accent5"/>
+    </dgm:linClrLst>
+    <dgm:effectClrLst/>
+    <dgm:txLinClrLst/>
+    <dgm:txFillClrLst meth="repeat">
+      <a:schemeClr val="tx1"/>
+    </dgm:txFillClrLst>
+    <dgm:txEffectClrLst/>
+  </dgm:styleLbl>
+  <dgm:styleLbl name="fgAcc1">
+    <dgm:fillClrLst meth="repeat">
+      <a:schemeClr val="lt1">
+        <a:alpha val="90000"/>
+      </a:schemeClr>
+    </dgm:fillClrLst>
+    <dgm:linClrLst>
+      <a:schemeClr val="accent2"/>
+      <a:schemeClr val="accent3"/>
+    </dgm:linClrLst>
+    <dgm:effectClrLst/>
+    <dgm:txLinClrLst/>
+    <dgm:txFillClrLst meth="repeat">
+      <a:schemeClr val="dk1"/>
+    </dgm:txFillClrLst>
+    <dgm:txEffectClrLst/>
+  </dgm:styleLbl>
+  <dgm:styleLbl name="conFgAcc1">
+    <dgm:fillClrLst meth="repeat">
+      <a:schemeClr val="lt1">
+        <a:alpha val="90000"/>
+      </a:schemeClr>
+    </dgm:fillClrLst>
+    <dgm:linClrLst>
+      <a:schemeClr val="accent2"/>
+      <a:schemeClr val="accent3"/>
+    </dgm:linClrLst>
+    <dgm:effectClrLst/>
+    <dgm:txLinClrLst/>
+    <dgm:txFillClrLst meth="repeat">
+      <a:schemeClr val="dk1"/>
+    </dgm:txFillClrLst>
+    <dgm:txEffectClrLst/>
+  </dgm:styleLbl>
+  <dgm:styleLbl name="alignAcc1">
+    <dgm:fillClrLst meth="repeat">
+      <a:schemeClr val="lt1">
+        <a:alpha val="90000"/>
+      </a:schemeClr>
+    </dgm:fillClrLst>
+    <dgm:linClrLst>
+      <a:schemeClr val="accent2"/>
+      <a:schemeClr val="accent3"/>
+    </dgm:linClrLst>
+    <dgm:effectClrLst/>
+    <dgm:txLinClrLst/>
+    <dgm:txFillClrLst meth="repeat">
+      <a:schemeClr val="dk1"/>
+    </dgm:txFillClrLst>
+    <dgm:txEffectClrLst/>
+  </dgm:styleLbl>
+  <dgm:styleLbl name="trAlignAcc1">
+    <dgm:fillClrLst meth="repeat">
+      <a:schemeClr val="lt1">
+        <a:alpha val="40000"/>
+      </a:schemeClr>
+    </dgm:fillClrLst>
+    <dgm:linClrLst meth="repeat">
+      <a:schemeClr val="accent2"/>
+    </dgm:linClrLst>
+    <dgm:effectClrLst/>
+    <dgm:txLinClrLst/>
+    <dgm:txFillClrLst meth="repeat">
+      <a:schemeClr val="dk1"/>
+    </dgm:txFillClrLst>
+    <dgm:txEffectClrLst/>
+  </dgm:styleLbl>
+  <dgm:styleLbl name="bgAcc1">
+    <dgm:fillClrLst meth="repeat">
+      <a:schemeClr val="lt1">
+        <a:alpha val="90000"/>
+      </a:schemeClr>
+    </dgm:fillClrLst>
+    <dgm:linClrLst>
+      <a:schemeClr val="accent2"/>
+      <a:schemeClr val="accent3"/>
+    </dgm:linClrLst>
+    <dgm:effectClrLst/>
+    <dgm:txLinClrLst/>
+    <dgm:txFillClrLst meth="repeat">
+      <a:schemeClr val="dk1"/>
+    </dgm:txFillClrLst>
+    <dgm:txEffectClrLst/>
+  </dgm:styleLbl>
+  <dgm:styleLbl name="solidFgAcc1">
+    <dgm:fillClrLst meth="repeat">
+      <a:schemeClr val="lt1"/>
+    </dgm:fillClrLst>
+    <dgm:linClrLst>
+      <a:schemeClr val="accent2"/>
+      <a:schemeClr val="accent3"/>
+    </dgm:linClrLst>
+    <dgm:effectClrLst/>
+    <dgm:txLinClrLst/>
+    <dgm:txFillClrLst meth="repeat">
+      <a:schemeClr val="dk1"/>
+    </dgm:txFillClrLst>
+    <dgm:txEffectClrLst/>
+  </dgm:styleLbl>
+  <dgm:styleLbl name="solidAlignAcc1">
+    <dgm:fillClrLst meth="repeat">
+      <a:schemeClr val="lt1"/>
+    </dgm:fillClrLst>
+    <dgm:linClrLst>
+      <a:schemeClr val="accent2"/>
+      <a:schemeClr val="accent3"/>
+    </dgm:linClrLst>
+    <dgm:effectClrLst/>
+    <dgm:txLinClrLst/>
+    <dgm:txFillClrLst meth="repeat">
+      <a:schemeClr val="dk1"/>
+    </dgm:txFillClrLst>
+    <dgm:txEffectClrLst/>
+  </dgm:styleLbl>
+  <dgm:styleLbl name="solidBgAcc1">
+    <dgm:fillClrLst meth="repeat">
+      <a:schemeClr val="lt1"/>
+    </dgm:fillClrLst>
+    <dgm:linClrLst>
+      <a:schemeClr val="accent2"/>
+      <a:schemeClr val="accent3"/>
+    </dgm:linClrLst>
+    <dgm:effectClrLst/>
+    <dgm:txLinClrLst/>
+    <dgm:txFillClrLst meth="repeat">
+      <a:schemeClr val="dk1"/>
+    </dgm:txFillClrLst>
+    <dgm:txEffectClrLst/>
+  </dgm:styleLbl>
+  <dgm:styleLbl name="fgAccFollowNode1">
+    <dgm:fillClrLst>
+      <a:schemeClr val="accent2">
+        <a:tint val="40000"/>
+        <a:alpha val="90000"/>
+      </a:schemeClr>
+      <a:schemeClr val="accent3">
+        <a:tint val="40000"/>
+        <a:alpha val="90000"/>
+      </a:schemeClr>
+    </dgm:fillClrLst>
+    <dgm:linClrLst>
+      <a:schemeClr val="accent2">
+        <a:tint val="40000"/>
+        <a:alpha val="90000"/>
+      </a:schemeClr>
+      <a:schemeClr val="accent3">
+        <a:tint val="40000"/>
+        <a:alpha val="90000"/>
+      </a:schemeClr>
+    </dgm:linClrLst>
+    <dgm:effectClrLst/>
+    <dgm:txLinClrLst/>
+    <dgm:txFillClrLst meth="repeat">
+      <a:schemeClr val="dk1"/>
+    </dgm:txFillClrLst>
+    <dgm:txEffectClrLst/>
+  </dgm:styleLbl>
+  <dgm:styleLbl name="alignAccFollowNode1">
+    <dgm:fillClrLst>
+      <a:schemeClr val="accent2">
+        <a:tint val="40000"/>
+        <a:alpha val="90000"/>
+      </a:schemeClr>
+      <a:schemeClr val="accent3">
+        <a:tint val="40000"/>
+        <a:alpha val="90000"/>
+      </a:schemeClr>
+    </dgm:fillClrLst>
+    <dgm:linClrLst>
+      <a:schemeClr val="accent2">
+        <a:tint val="40000"/>
+        <a:alpha val="90000"/>
+      </a:schemeClr>
+      <a:schemeClr val="accent3">
+        <a:tint val="40000"/>
+        <a:alpha val="90000"/>
+      </a:schemeClr>
+    </dgm:linClrLst>
+    <dgm:effectClrLst/>
+    <dgm:txLinClrLst/>
+    <dgm:txFillClrLst meth="repeat">
+      <a:schemeClr val="dk1"/>
+    </dgm:txFillClrLst>
+    <dgm:txEffectClrLst/>
+  </dgm:styleLbl>
+  <dgm:styleLbl name="bgAccFollowNode1">
+    <dgm:fillClrLst>
+      <a:schemeClr val="accent2">
+        <a:tint val="40000"/>
+        <a:alpha val="90000"/>
+      </a:schemeClr>
+      <a:schemeClr val="accent3">
+        <a:tint val="40000"/>
+        <a:alpha val="90000"/>
+      </a:schemeClr>
+    </dgm:fillClrLst>
+    <dgm:linClrLst>
+      <a:schemeClr val="accent2">
+        <a:tint val="40000"/>
+        <a:alpha val="90000"/>
+      </a:schemeClr>
+      <a:schemeClr val="accent3">
+        <a:tint val="40000"/>
+        <a:alpha val="90000"/>
+      </a:schemeClr>
+    </dgm:linClrLst>
+    <dgm:effectClrLst/>
+    <dgm:txLinClrLst/>
+    <dgm:txFillClrLst meth="repeat">
+      <a:schemeClr val="dk1"/>
+    </dgm:txFillClrLst>
+    <dgm:txEffectClrLst/>
+  </dgm:styleLbl>
+  <dgm:styleLbl name="fgAcc0">
+    <dgm:fillClrLst meth="repeat">
+      <a:schemeClr val="lt1">
+        <a:alpha val="90000"/>
+      </a:schemeClr>
+    </dgm:fillClrLst>
+    <dgm:linClrLst>
+      <a:schemeClr val="accent1"/>
+    </dgm:linClrLst>
+    <dgm:effectClrLst/>
+    <dgm:txLinClrLst/>
+    <dgm:txFillClrLst meth="repeat">
+      <a:schemeClr val="dk1"/>
+    </dgm:txFillClrLst>
+    <dgm:txEffectClrLst/>
+  </dgm:styleLbl>
+  <dgm:styleLbl name="fgAcc2">
+    <dgm:fillClrLst meth="repeat">
+      <a:schemeClr val="lt1">
+        <a:alpha val="90000"/>
+      </a:schemeClr>
+    </dgm:fillClrLst>
+    <dgm:linClrLst>
+      <a:schemeClr val="accent3"/>
+    </dgm:linClrLst>
+    <dgm:effectClrLst/>
+    <dgm:txLinClrLst/>
+    <dgm:txFillClrLst meth="repeat">
+      <a:schemeClr val="dk1"/>
+    </dgm:txFillClrLst>
+    <dgm:txEffectClrLst/>
+  </dgm:styleLbl>
+  <dgm:styleLbl name="fgAcc3">
+    <dgm:fillClrLst meth="repeat">
+      <a:schemeClr val="lt1">
+        <a:alpha val="90000"/>
+      </a:schemeClr>
+    </dgm:fillClrLst>
+    <dgm:linClrLst>
+      <a:schemeClr val="accent4"/>
+    </dgm:linClrLst>
+    <dgm:effectClrLst/>
+    <dgm:txLinClrLst/>
+    <dgm:txFillClrLst meth="repeat">
+      <a:schemeClr val="dk1"/>
+    </dgm:txFillClrLst>
+    <dgm:txEffectClrLst/>
+  </dgm:styleLbl>
+  <dgm:styleLbl name="fgAcc4">
+    <dgm:fillClrLst meth="repeat">
+      <a:schemeClr val="lt1">
+        <a:alpha val="90000"/>
+      </a:schemeClr>
+    </dgm:fillClrLst>
+    <dgm:linClrLst>
+      <a:schemeClr val="accent5"/>
+    </dgm:linClrLst>
+    <dgm:effectClrLst/>
+    <dgm:txLinClrLst/>
+    <dgm:txFillClrLst meth="repeat">
+      <a:schemeClr val="dk1"/>
+    </dgm:txFillClrLst>
+    <dgm:txEffectClrLst/>
+  </dgm:styleLbl>
+  <dgm:styleLbl name="bgShp">
+    <dgm:fillClrLst meth="repeat">
+      <a:schemeClr val="accent2">
+        <a:tint val="40000"/>
+      </a:schemeClr>
+    </dgm:fillClrLst>
+    <dgm:linClrLst meth="repeat">
+      <a:schemeClr val="dk1"/>
+    </dgm:linClrLst>
+    <dgm:effectClrLst/>
+    <dgm:txLinClrLst/>
+    <dgm:txFillClrLst meth="repeat">
+      <a:schemeClr val="dk1"/>
+    </dgm:txFillClrLst>
+    <dgm:txEffectClrLst/>
+  </dgm:styleLbl>
+  <dgm:styleLbl name="dkBgShp">
+    <dgm:fillClrLst meth="repeat">
+      <a:schemeClr val="accent2">
+        <a:shade val="90000"/>
+      </a:schemeClr>
+    </dgm:fillClrLst>
+    <dgm:linClrLst meth="repeat">
+      <a:schemeClr val="dk1"/>
+    </dgm:linClrLst>
+    <dgm:effectClrLst/>
+    <dgm:txLinClrLst/>
+    <dgm:txFillClrLst meth="repeat">
+      <a:schemeClr val="lt1"/>
+    </dgm:txFillClrLst>
+    <dgm:txEffectClrLst/>
+  </dgm:styleLbl>
+  <dgm:styleLbl name="trBgShp">
+    <dgm:fillClrLst meth="repeat">
+      <a:schemeClr val="accent2">
+        <a:tint val="50000"/>
+        <a:alpha val="40000"/>
+      </a:schemeClr>
+    </dgm:fillClrLst>
+    <dgm:linClrLst meth="repeat">
+      <a:schemeClr val="accent2"/>
+    </dgm:linClrLst>
+    <dgm:effectClrLst/>
+    <dgm:txLinClrLst/>
+    <dgm:txFillClrLst meth="repeat">
+      <a:schemeClr val="lt1"/>
+    </dgm:txFillClrLst>
+    <dgm:txEffectClrLst/>
+  </dgm:styleLbl>
+  <dgm:styleLbl name="fgShp">
+    <dgm:fillClrLst meth="repeat">
+      <a:schemeClr val="accent2">
+        <a:tint val="40000"/>
+      </a:schemeClr>
+    </dgm:fillClrLst>
+    <dgm:linClrLst meth="repeat">
+      <a:schemeClr val="lt1"/>
+    </dgm:linClrLst>
+    <dgm:effectClrLst/>
+    <dgm:txLinClrLst/>
+    <dgm:txFillClrLst meth="repeat">
+      <a:schemeClr val="dk1"/>
+    </dgm:txFillClrLst>
+    <dgm:txEffectClrLst/>
+  </dgm:styleLbl>
+  <dgm:styleLbl name="revTx">
+    <dgm:fillClrLst meth="repeat">
+      <a:schemeClr val="lt1">
+        <a:alpha val="0"/>
+      </a:schemeClr>
+    </dgm:fillClrLst>
+    <dgm:linClrLst meth="repeat">
+      <a:schemeClr val="dk1">
+        <a:alpha val="0"/>
+      </a:schemeClr>
+    </dgm:linClrLst>
+    <dgm:effectClrLst/>
+    <dgm:txLinClrLst/>
+    <dgm:txFillClrLst meth="repeat">
+      <a:schemeClr val="tx1"/>
+    </dgm:txFillClrLst>
+    <dgm:txEffectClrLst/>
+  </dgm:styleLbl>
+</dgm:colorsDef>
+</file>
+
+<file path=ppt/diagrams/colors2.xml><?xml version="1.0" encoding="utf-8"?>
+<dgm:colorsDef xmlns:dgm="http://schemas.openxmlformats.org/drawingml/2006/diagram" xmlns:a="http://schemas.openxmlformats.org/drawingml/2006/main" uniqueId="urn:microsoft.com/office/officeart/2005/8/colors/colorful2">
+  <dgm:title val=""/>
+  <dgm:desc val=""/>
+  <dgm:catLst>
+    <dgm:cat type="colorful" pri="10200"/>
+  </dgm:catLst>
+  <dgm:styleLbl name="node0">
+    <dgm:fillClrLst meth="repeat">
+      <a:schemeClr val="accent1"/>
+    </dgm:fillClrLst>
+    <dgm:linClrLst meth="repeat">
+      <a:schemeClr val="lt1"/>
+    </dgm:linClrLst>
+    <dgm:effectClrLst/>
+    <dgm:txLinClrLst/>
+    <dgm:txFillClrLst/>
+    <dgm:txEffectClrLst/>
+  </dgm:styleLbl>
+  <dgm:styleLbl name="node1">
+    <dgm:fillClrLst>
+      <a:schemeClr val="accent2"/>
+      <a:schemeClr val="accent3"/>
+    </dgm:fillClrLst>
+    <dgm:linClrLst meth="repeat">
+      <a:schemeClr val="lt1"/>
+    </dgm:linClrLst>
+    <dgm:effectClrLst/>
+    <dgm:txLinClrLst/>
+    <dgm:txFillClrLst/>
+    <dgm:txEffectClrLst/>
+  </dgm:styleLbl>
+  <dgm:styleLbl name="alignNode1">
+    <dgm:fillClrLst>
+      <a:schemeClr val="accent2"/>
+      <a:schemeClr val="accent3"/>
+    </dgm:fillClrLst>
+    <dgm:linClrLst>
+      <a:schemeClr val="accent2"/>
+      <a:schemeClr val="accent3"/>
+    </dgm:linClrLst>
+    <dgm:effectClrLst/>
+    <dgm:txLinClrLst/>
+    <dgm:txFillClrLst/>
+    <dgm:txEffectClrLst/>
+  </dgm:styleLbl>
+  <dgm:styleLbl name="lnNode1">
+    <dgm:fillClrLst>
+      <a:schemeClr val="accent2"/>
+      <a:schemeClr val="accent3"/>
+    </dgm:fillClrLst>
+    <dgm:linClrLst meth="repeat">
+      <a:schemeClr val="lt1"/>
+    </dgm:linClrLst>
+    <dgm:effectClrLst/>
+    <dgm:txLinClrLst/>
+    <dgm:txFillClrLst/>
+    <dgm:txEffectClrLst/>
+  </dgm:styleLbl>
+  <dgm:styleLbl name="vennNode1">
+    <dgm:fillClrLst>
+      <a:schemeClr val="accent2">
+        <a:alpha val="50000"/>
+      </a:schemeClr>
+      <a:schemeClr val="accent3">
+        <a:alpha val="50000"/>
+      </a:schemeClr>
+    </dgm:fillClrLst>
+    <dgm:linClrLst meth="repeat">
+      <a:schemeClr val="lt1"/>
+    </dgm:linClrLst>
+    <dgm:effectClrLst/>
+    <dgm:txLinClrLst/>
+    <dgm:txFillClrLst/>
+    <dgm:txEffectClrLst/>
+  </dgm:styleLbl>
+  <dgm:styleLbl name="node2">
+    <dgm:fillClrLst>
+      <a:schemeClr val="accent3"/>
+    </dgm:fillClrLst>
+    <dgm:linClrLst meth="repeat">
+      <a:schemeClr val="lt1"/>
+    </dgm:linClrLst>
+    <dgm:effectClrLst/>
+    <dgm:txLinClrLst/>
+    <dgm:txFillClrLst/>
+    <dgm:txEffectClrLst/>
+  </dgm:styleLbl>
+  <dgm:styleLbl name="node3">
+    <dgm:fillClrLst>
+      <a:schemeClr val="accent4"/>
+    </dgm:fillClrLst>
+    <dgm:linClrLst meth="repeat">
+      <a:schemeClr val="lt1"/>
+    </dgm:linClrLst>
+    <dgm:effectClrLst/>
+    <dgm:txLinClrLst/>
+    <dgm:txFillClrLst/>
+    <dgm:txEffectClrLst/>
+  </dgm:styleLbl>
+  <dgm:styleLbl name="node4">
+    <dgm:fillClrLst>
+      <a:schemeClr val="accent5"/>
+    </dgm:fillClrLst>
+    <dgm:linClrLst meth="repeat">
+      <a:schemeClr val="lt1"/>
+    </dgm:linClrLst>
+    <dgm:effectClrLst/>
+    <dgm:txLinClrLst/>
+    <dgm:txFillClrLst/>
+    <dgm:txEffectClrLst/>
+  </dgm:styleLbl>
+  <dgm:styleLbl name="fgImgPlace1">
+    <dgm:fillClrLst>
+      <a:schemeClr val="accent2">
+        <a:tint val="50000"/>
+      </a:schemeClr>
+      <a:schemeClr val="accent3">
+        <a:tint val="50000"/>
+      </a:schemeClr>
+    </dgm:fillClrLst>
+    <dgm:linClrLst meth="repeat">
+      <a:schemeClr val="lt1"/>
+    </dgm:linClrLst>
+    <dgm:effectClrLst/>
+    <dgm:txLinClrLst/>
+    <dgm:txFillClrLst meth="repeat">
+      <a:schemeClr val="lt1"/>
+    </dgm:txFillClrLst>
+    <dgm:txEffectClrLst/>
+  </dgm:styleLbl>
+  <dgm:styleLbl name="alignImgPlace1">
+    <dgm:fillClrLst>
+      <a:schemeClr val="accent2">
+        <a:tint val="50000"/>
+      </a:schemeClr>
+      <a:schemeClr val="accent3">
+        <a:tint val="20000"/>
+      </a:schemeClr>
+    </dgm:fillClrLst>
+    <dgm:linClrLst meth="repeat">
+      <a:schemeClr val="lt1"/>
+    </dgm:linClrLst>
+    <dgm:effectClrLst/>
+    <dgm:txLinClrLst/>
+    <dgm:txFillClrLst meth="repeat">
+      <a:schemeClr val="lt1"/>
+    </dgm:txFillClrLst>
+    <dgm:txEffectClrLst/>
+  </dgm:styleLbl>
+  <dgm:styleLbl name="bgImgPlace1">
+    <dgm:fillClrLst>
+      <a:schemeClr val="accent2">
+        <a:tint val="50000"/>
+      </a:schemeClr>
+      <a:schemeClr val="accent3">
+        <a:tint val="20000"/>
+      </a:schemeClr>
+    </dgm:fillClrLst>
+    <dgm:linClrLst meth="repeat">
+      <a:schemeClr val="lt1"/>
+    </dgm:linClrLst>
+    <dgm:effectClrLst/>
+    <dgm:txLinClrLst/>
+    <dgm:txFillClrLst meth="repeat">
+      <a:schemeClr val="lt1"/>
+    </dgm:txFillClrLst>
+    <dgm:txEffectClrLst/>
+  </dgm:styleLbl>
+  <dgm:styleLbl name="sibTrans2D1">
+    <dgm:fillClrLst>
+      <a:schemeClr val="accent2"/>
+      <a:schemeClr val="accent3"/>
+    </dgm:fillClrLst>
+    <dgm:linClrLst meth="repeat">
+      <a:schemeClr val="lt1"/>
+    </dgm:linClrLst>
+    <dgm:effectClrLst/>
+    <dgm:txLinClrLst/>
+    <dgm:txFillClrLst/>
+    <dgm:txEffectClrLst/>
+  </dgm:styleLbl>
+  <dgm:styleLbl name="fgSibTrans2D1">
+    <dgm:fillClrLst>
+      <a:schemeClr val="accent2"/>
+      <a:schemeClr val="accent3"/>
+    </dgm:fillClrLst>
+    <dgm:linClrLst meth="repeat">
+      <a:schemeClr val="lt1"/>
+    </dgm:linClrLst>
+    <dgm:effectClrLst/>
+    <dgm:txLinClrLst/>
+    <dgm:txFillClrLst meth="repeat">
+      <a:schemeClr val="lt1"/>
+    </dgm:txFillClrLst>
+    <dgm:txEffectClrLst/>
+  </dgm:styleLbl>
+  <dgm:styleLbl name="bgSibTrans2D1">
+    <dgm:fillClrLst>
+      <a:schemeClr val="accent2"/>
+      <a:schemeClr val="accent3"/>
+    </dgm:fillClrLst>
+    <dgm:linClrLst meth="repeat">
+      <a:schemeClr val="lt1"/>
+    </dgm:linClrLst>
+    <dgm:effectClrLst/>
+    <dgm:txLinClrLst/>
+    <dgm:txFillClrLst meth="repeat">
+      <a:schemeClr val="lt1"/>
+    </dgm:txFillClrLst>
+    <dgm:txEffectClrLst/>
+  </dgm:styleLbl>
+  <dgm:styleLbl name="sibTrans1D1">
+    <dgm:fillClrLst/>
+    <dgm:linClrLst>
+      <a:schemeClr val="accent2"/>
+      <a:schemeClr val="accent3"/>
+    </dgm:linClrLst>
+    <dgm:effectClrLst/>
+    <dgm:txLinClrLst/>
+    <dgm:txFillClrLst meth="repeat">
+      <a:schemeClr val="tx1"/>
+    </dgm:txFillClrLst>
+    <dgm:txEffectClrLst/>
+  </dgm:styleLbl>
+  <dgm:styleLbl name="callout">
+    <dgm:fillClrLst meth="repeat">
+      <a:schemeClr val="accent2"/>
+    </dgm:fillClrLst>
+    <dgm:linClrLst meth="repeat">
+      <a:schemeClr val="accent2">
+        <a:tint val="50000"/>
+      </a:schemeClr>
+    </dgm:linClrLst>
+    <dgm:effectClrLst/>
+    <dgm:txLinClrLst/>
+    <dgm:txFillClrLst meth="repeat">
+      <a:schemeClr val="tx1"/>
+    </dgm:txFillClrLst>
+    <dgm:txEffectClrLst/>
+  </dgm:styleLbl>
+  <dgm:styleLbl name="asst0">
+    <dgm:fillClrLst meth="repeat">
+      <a:schemeClr val="accent2"/>
+    </dgm:fillClrLst>
+    <dgm:linClrLst meth="repeat">
+      <a:schemeClr val="lt1">
+        <a:shade val="80000"/>
+      </a:schemeClr>
+    </dgm:linClrLst>
+    <dgm:effectClrLst/>
+    <dgm:txLinClrLst/>
+    <dgm:txFillClrLst/>
+    <dgm:txEffectClrLst/>
+  </dgm:styleLbl>
+  <dgm:styleLbl name="asst1">
+    <dgm:fillClrLst meth="repeat">
+      <a:schemeClr val="accent3"/>
+    </dgm:fillClrLst>
+    <dgm:linClrLst meth="repeat">
+      <a:schemeClr val="lt1">
+        <a:shade val="80000"/>
+      </a:schemeClr>
+    </dgm:linClrLst>
+    <dgm:effectClrLst/>
+    <dgm:txLinClrLst/>
+    <dgm:txFillClrLst/>
+    <dgm:txEffectClrLst/>
+  </dgm:styleLbl>
+  <dgm:styleLbl name="asst2">
+    <dgm:fillClrLst>
+      <a:schemeClr val="accent4"/>
+    </dgm:fillClrLst>
+    <dgm:linClrLst meth="repeat">
+      <a:schemeClr val="lt1"/>
+    </dgm:linClrLst>
+    <dgm:effectClrLst/>
+    <dgm:txLinClrLst/>
+    <dgm:txFillClrLst/>
+    <dgm:txEffectClrLst/>
+  </dgm:styleLbl>
+  <dgm:styleLbl name="asst3">
+    <dgm:fillClrLst>
+      <a:schemeClr val="accent5"/>
+    </dgm:fillClrLst>
+    <dgm:linClrLst meth="repeat">
+      <a:schemeClr val="lt1"/>
+    </dgm:linClrLst>
+    <dgm:effectClrLst/>
+    <dgm:txLinClrLst/>
+    <dgm:txFillClrLst/>
+    <dgm:txEffectClrLst/>
+  </dgm:styleLbl>
+  <dgm:styleLbl name="asst4">
+    <dgm:fillClrLst>
+      <a:schemeClr val="accent6"/>
+    </dgm:fillClrLst>
+    <dgm:linClrLst meth="repeat">
+      <a:schemeClr val="lt1"/>
+    </dgm:linClrLst>
+    <dgm:effectClrLst/>
+    <dgm:txLinClrLst/>
+    <dgm:txFillClrLst/>
+    <dgm:txEffectClrLst/>
+  </dgm:styleLbl>
+  <dgm:styleLbl name="parChTrans2D1">
+    <dgm:fillClrLst meth="repeat">
+      <a:schemeClr val="accent2"/>
+    </dgm:fillClrLst>
+    <dgm:linClrLst meth="repeat">
+      <a:schemeClr val="lt1"/>
+    </dgm:linClrLst>
+    <dgm:effectClrLst/>
+    <dgm:txLinClrLst/>
+    <dgm:txFillClrLst meth="repeat">
+      <a:schemeClr val="lt1"/>
+    </dgm:txFillClrLst>
+    <dgm:txEffectClrLst/>
+  </dgm:styleLbl>
+  <dgm:styleLbl name="parChTrans2D2">
+    <dgm:fillClrLst meth="repeat">
+      <a:schemeClr val="accent3"/>
+    </dgm:fillClrLst>
+    <dgm:linClrLst meth="repeat">
+      <a:schemeClr val="lt1"/>
+    </dgm:linClrLst>
+    <dgm:effectClrLst/>
+    <dgm:txLinClrLst/>
+    <dgm:txFillClrLst/>
+    <dgm:txEffectClrLst/>
+  </dgm:styleLbl>
+  <dgm:styleLbl name="parChTrans2D3">
+    <dgm:fillClrLst meth="repeat">
+      <a:schemeClr val="accent4"/>
+    </dgm:fillClrLst>
+    <dgm:linClrLst meth="repeat">
+      <a:schemeClr val="lt1"/>
+    </dgm:linClrLst>
+    <dgm:effectClrLst/>
+    <dgm:txLinClrLst/>
+    <dgm:txFillClrLst/>
+    <dgm:txEffectClrLst/>
+  </dgm:styleLbl>
+  <dgm:styleLbl name="parChTrans2D4">
+    <dgm:fillClrLst meth="repeat">
+      <a:schemeClr val="accent5"/>
+    </dgm:fillClrLst>
+    <dgm:linClrLst meth="repeat">
+      <a:schemeClr val="lt1"/>
+    </dgm:linClrLst>
+    <dgm:effectClrLst/>
+    <dgm:txLinClrLst/>
+    <dgm:txFillClrLst meth="repeat">
+      <a:schemeClr val="lt1"/>
+    </dgm:txFillClrLst>
+    <dgm:txEffectClrLst/>
+  </dgm:styleLbl>
+  <dgm:styleLbl name="parChTrans1D1">
+    <dgm:fillClrLst meth="repeat">
+      <a:schemeClr val="accent2"/>
+    </dgm:fillClrLst>
+    <dgm:linClrLst meth="repeat">
+      <a:schemeClr val="accent2"/>
+    </dgm:linClrLst>
+    <dgm:effectClrLst/>
+    <dgm:txLinClrLst/>
+    <dgm:txFillClrLst meth="repeat">
+      <a:schemeClr val="tx1"/>
+    </dgm:txFillClrLst>
+    <dgm:txEffectClrLst/>
+  </dgm:styleLbl>
+  <dgm:styleLbl name="parChTrans1D2">
+    <dgm:fillClrLst meth="repeat">
+      <a:schemeClr val="accent2">
+        <a:tint val="90000"/>
+      </a:schemeClr>
+    </dgm:fillClrLst>
+    <dgm:linClrLst meth="repeat">
+      <a:schemeClr val="accent3"/>
+    </dgm:linClrLst>
+    <dgm:effectClrLst/>
+    <dgm:txLinClrLst/>
+    <dgm:txFillClrLst meth="repeat">
+      <a:schemeClr val="tx1"/>
+    </dgm:txFillClrLst>
+    <dgm:txEffectClrLst/>
+  </dgm:styleLbl>
+  <dgm:styleLbl name="parChTrans1D3">
+    <dgm:fillClrLst meth="repeat">
+      <a:schemeClr val="accent2">
+        <a:tint val="70000"/>
+      </a:schemeClr>
+    </dgm:fillClrLst>
+    <dgm:linClrLst meth="repeat">
+      <a:schemeClr val="accent4"/>
+    </dgm:linClrLst>
+    <dgm:effectClrLst/>
+    <dgm:txLinClrLst/>
+    <dgm:txFillClrLst meth="repeat">
+      <a:schemeClr val="tx1"/>
+    </dgm:txFillClrLst>
+    <dgm:txEffectClrLst/>
+  </dgm:styleLbl>
+  <dgm:styleLbl name="parChTrans1D4">
+    <dgm:fillClrLst meth="repeat">
+      <a:schemeClr val="accent2">
+        <a:tint val="50000"/>
+      </a:schemeClr>
+    </dgm:fillClrLst>
+    <dgm:linClrLst meth="repeat">
+      <a:schemeClr val="accent5"/>
+    </dgm:linClrLst>
+    <dgm:effectClrLst/>
+    <dgm:txLinClrLst/>
+    <dgm:txFillClrLst meth="repeat">
+      <a:schemeClr val="tx1"/>
+    </dgm:txFillClrLst>
+    <dgm:txEffectClrLst/>
+  </dgm:styleLbl>
+  <dgm:styleLbl name="fgAcc1">
+    <dgm:fillClrLst meth="repeat">
+      <a:schemeClr val="lt1">
+        <a:alpha val="90000"/>
+      </a:schemeClr>
+    </dgm:fillClrLst>
+    <dgm:linClrLst>
+      <a:schemeClr val="accent2"/>
+      <a:schemeClr val="accent3"/>
+    </dgm:linClrLst>
+    <dgm:effectClrLst/>
+    <dgm:txLinClrLst/>
+    <dgm:txFillClrLst meth="repeat">
+      <a:schemeClr val="dk1"/>
+    </dgm:txFillClrLst>
+    <dgm:txEffectClrLst/>
+  </dgm:styleLbl>
+  <dgm:styleLbl name="conFgAcc1">
+    <dgm:fillClrLst meth="repeat">
+      <a:schemeClr val="lt1">
+        <a:alpha val="90000"/>
+      </a:schemeClr>
+    </dgm:fillClrLst>
+    <dgm:linClrLst>
+      <a:schemeClr val="accent2"/>
+      <a:schemeClr val="accent3"/>
+    </dgm:linClrLst>
+    <dgm:effectClrLst/>
+    <dgm:txLinClrLst/>
+    <dgm:txFillClrLst meth="repeat">
+      <a:schemeClr val="dk1"/>
+    </dgm:txFillClrLst>
+    <dgm:txEffectClrLst/>
+  </dgm:styleLbl>
+  <dgm:styleLbl name="alignAcc1">
+    <dgm:fillClrLst meth="repeat">
+      <a:schemeClr val="lt1">
+        <a:alpha val="90000"/>
+      </a:schemeClr>
+    </dgm:fillClrLst>
+    <dgm:linClrLst>
+      <a:schemeClr val="accent2"/>
+      <a:schemeClr val="accent3"/>
+    </dgm:linClrLst>
+    <dgm:effectClrLst/>
+    <dgm:txLinClrLst/>
+    <dgm:txFillClrLst meth="repeat">
+      <a:schemeClr val="dk1"/>
+    </dgm:txFillClrLst>
+    <dgm:txEffectClrLst/>
+  </dgm:styleLbl>
+  <dgm:styleLbl name="trAlignAcc1">
+    <dgm:fillClrLst meth="repeat">
+      <a:schemeClr val="lt1">
+        <a:alpha val="40000"/>
+      </a:schemeClr>
+    </dgm:fillClrLst>
+    <dgm:linClrLst meth="repeat">
+      <a:schemeClr val="accent2"/>
+    </dgm:linClrLst>
+    <dgm:effectClrLst/>
+    <dgm:txLinClrLst/>
+    <dgm:txFillClrLst meth="repeat">
+      <a:schemeClr val="dk1"/>
+    </dgm:txFillClrLst>
+    <dgm:txEffectClrLst/>
+  </dgm:styleLbl>
+  <dgm:styleLbl name="bgAcc1">
+    <dgm:fillClrLst meth="repeat">
+      <a:schemeClr val="lt1">
+        <a:alpha val="90000"/>
+      </a:schemeClr>
+    </dgm:fillClrLst>
+    <dgm:linClrLst>
+      <a:schemeClr val="accent2"/>
+      <a:schemeClr val="accent3"/>
+    </dgm:linClrLst>
+    <dgm:effectClrLst/>
+    <dgm:txLinClrLst/>
+    <dgm:txFillClrLst meth="repeat">
+      <a:schemeClr val="dk1"/>
+    </dgm:txFillClrLst>
+    <dgm:txEffectClrLst/>
+  </dgm:styleLbl>
+  <dgm:styleLbl name="solidFgAcc1">
+    <dgm:fillClrLst meth="repeat">
+      <a:schemeClr val="lt1"/>
+    </dgm:fillClrLst>
+    <dgm:linClrLst>
+      <a:schemeClr val="accent2"/>
+      <a:schemeClr val="accent3"/>
+    </dgm:linClrLst>
+    <dgm:effectClrLst/>
+    <dgm:txLinClrLst/>
+    <dgm:txFillClrLst meth="repeat">
+      <a:schemeClr val="dk1"/>
+    </dgm:txFillClrLst>
+    <dgm:txEffectClrLst/>
+  </dgm:styleLbl>
+  <dgm:styleLbl name="solidAlignAcc1">
+    <dgm:fillClrLst meth="repeat">
+      <a:schemeClr val="lt1"/>
+    </dgm:fillClrLst>
+    <dgm:linClrLst>
+      <a:schemeClr val="accent2"/>
+      <a:schemeClr val="accent3"/>
+    </dgm:linClrLst>
+    <dgm:effectClrLst/>
+    <dgm:txLinClrLst/>
+    <dgm:txFillClrLst meth="repeat">
+      <a:schemeClr val="dk1"/>
+    </dgm:txFillClrLst>
+    <dgm:txEffectClrLst/>
+  </dgm:styleLbl>
+  <dgm:styleLbl name="solidBgAcc1">
+    <dgm:fillClrLst meth="repeat">
+      <a:schemeClr val="lt1"/>
+    </dgm:fillClrLst>
+    <dgm:linClrLst>
+      <a:schemeClr val="accent2"/>
+      <a:schemeClr val="accent3"/>
+    </dgm:linClrLst>
+    <dgm:effectClrLst/>
+    <dgm:txLinClrLst/>
+    <dgm:txFillClrLst meth="repeat">
+      <a:schemeClr val="dk1"/>
+    </dgm:txFillClrLst>
+    <dgm:txEffectClrLst/>
+  </dgm:styleLbl>
+  <dgm:styleLbl name="fgAccFollowNode1">
+    <dgm:fillClrLst>
+      <a:schemeClr val="accent2">
+        <a:tint val="40000"/>
+        <a:alpha val="90000"/>
+      </a:schemeClr>
+      <a:schemeClr val="accent3">
+        <a:tint val="40000"/>
+        <a:alpha val="90000"/>
+      </a:schemeClr>
+    </dgm:fillClrLst>
+    <dgm:linClrLst>
+      <a:schemeClr val="accent2">
+        <a:tint val="40000"/>
+        <a:alpha val="90000"/>
+      </a:schemeClr>
+      <a:schemeClr val="accent3">
+        <a:tint val="40000"/>
+        <a:alpha val="90000"/>
+      </a:schemeClr>
+    </dgm:linClrLst>
+    <dgm:effectClrLst/>
+    <dgm:txLinClrLst/>
+    <dgm:txFillClrLst meth="repeat">
+      <a:schemeClr val="dk1"/>
+    </dgm:txFillClrLst>
+    <dgm:txEffectClrLst/>
+  </dgm:styleLbl>
+  <dgm:styleLbl name="alignAccFollowNode1">
+    <dgm:fillClrLst>
+      <a:schemeClr val="accent2">
+        <a:tint val="40000"/>
+        <a:alpha val="90000"/>
+      </a:schemeClr>
+      <a:schemeClr val="accent3">
+        <a:tint val="40000"/>
+        <a:alpha val="90000"/>
+      </a:schemeClr>
+    </dgm:fillClrLst>
+    <dgm:linClrLst>
+      <a:schemeClr val="accent2">
+        <a:tint val="40000"/>
+        <a:alpha val="90000"/>
+      </a:schemeClr>
+      <a:schemeClr val="accent3">
+        <a:tint val="40000"/>
+        <a:alpha val="90000"/>
+      </a:schemeClr>
+    </dgm:linClrLst>
+    <dgm:effectClrLst/>
+    <dgm:txLinClrLst/>
+    <dgm:txFillClrLst meth="repeat">
+      <a:schemeClr val="dk1"/>
+    </dgm:txFillClrLst>
+    <dgm:txEffectClrLst/>
+  </dgm:styleLbl>
+  <dgm:styleLbl name="bgAccFollowNode1">
+    <dgm:fillClrLst>
+      <a:schemeClr val="accent2">
+        <a:tint val="40000"/>
+        <a:alpha val="90000"/>
+      </a:schemeClr>
+      <a:schemeClr val="accent3">
+        <a:tint val="40000"/>
+        <a:alpha val="90000"/>
+      </a:schemeClr>
+    </dgm:fillClrLst>
+    <dgm:linClrLst>
+      <a:schemeClr val="accent2">
+        <a:tint val="40000"/>
+        <a:alpha val="90000"/>
+      </a:schemeClr>
+      <a:schemeClr val="accent3">
+        <a:tint val="40000"/>
+        <a:alpha val="90000"/>
+      </a:schemeClr>
+    </dgm:linClrLst>
+    <dgm:effectClrLst/>
+    <dgm:txLinClrLst/>
+    <dgm:txFillClrLst meth="repeat">
+      <a:schemeClr val="dk1"/>
+    </dgm:txFillClrLst>
+    <dgm:txEffectClrLst/>
+  </dgm:styleLbl>
+  <dgm:styleLbl name="fgAcc0">
+    <dgm:fillClrLst meth="repeat">
+      <a:schemeClr val="lt1">
+        <a:alpha val="90000"/>
+      </a:schemeClr>
+    </dgm:fillClrLst>
+    <dgm:linClrLst>
+      <a:schemeClr val="accent1"/>
+    </dgm:linClrLst>
+    <dgm:effectClrLst/>
+    <dgm:txLinClrLst/>
+    <dgm:txFillClrLst meth="repeat">
+      <a:schemeClr val="dk1"/>
+    </dgm:txFillClrLst>
+    <dgm:txEffectClrLst/>
+  </dgm:styleLbl>
+  <dgm:styleLbl name="fgAcc2">
+    <dgm:fillClrLst meth="repeat">
+      <a:schemeClr val="lt1">
+        <a:alpha val="90000"/>
+      </a:schemeClr>
+    </dgm:fillClrLst>
+    <dgm:linClrLst>
+      <a:schemeClr val="accent3"/>
+    </dgm:linClrLst>
+    <dgm:effectClrLst/>
+    <dgm:txLinClrLst/>
+    <dgm:txFillClrLst meth="repeat">
+      <a:schemeClr val="dk1"/>
+    </dgm:txFillClrLst>
+    <dgm:txEffectClrLst/>
+  </dgm:styleLbl>
+  <dgm:styleLbl name="fgAcc3">
+    <dgm:fillClrLst meth="repeat">
+      <a:schemeClr val="lt1">
+        <a:alpha val="90000"/>
+      </a:schemeClr>
+    </dgm:fillClrLst>
+    <dgm:linClrLst>
+      <a:schemeClr val="accent4"/>
+    </dgm:linClrLst>
+    <dgm:effectClrLst/>
+    <dgm:txLinClrLst/>
+    <dgm:txFillClrLst meth="repeat">
+      <a:schemeClr val="dk1"/>
+    </dgm:txFillClrLst>
+    <dgm:txEffectClrLst/>
+  </dgm:styleLbl>
+  <dgm:styleLbl name="fgAcc4">
+    <dgm:fillClrLst meth="repeat">
+      <a:schemeClr val="lt1">
+        <a:alpha val="90000"/>
+      </a:schemeClr>
+    </dgm:fillClrLst>
+    <dgm:linClrLst>
+      <a:schemeClr val="accent5"/>
+    </dgm:linClrLst>
+    <dgm:effectClrLst/>
+    <dgm:txLinClrLst/>
+    <dgm:txFillClrLst meth="repeat">
+      <a:schemeClr val="dk1"/>
+    </dgm:txFillClrLst>
+    <dgm:txEffectClrLst/>
+  </dgm:styleLbl>
+  <dgm:styleLbl name="bgShp">
+    <dgm:fillClrLst meth="repeat">
+      <a:schemeClr val="accent2">
+        <a:tint val="40000"/>
+      </a:schemeClr>
+    </dgm:fillClrLst>
+    <dgm:linClrLst meth="repeat">
+      <a:schemeClr val="dk1"/>
+    </dgm:linClrLst>
+    <dgm:effectClrLst/>
+    <dgm:txLinClrLst/>
+    <dgm:txFillClrLst meth="repeat">
+      <a:schemeClr val="dk1"/>
+    </dgm:txFillClrLst>
+    <dgm:txEffectClrLst/>
+  </dgm:styleLbl>
+  <dgm:styleLbl name="dkBgShp">
+    <dgm:fillClrLst meth="repeat">
+      <a:schemeClr val="accent2">
+        <a:shade val="90000"/>
+      </a:schemeClr>
+    </dgm:fillClrLst>
+    <dgm:linClrLst meth="repeat">
+      <a:schemeClr val="dk1"/>
+    </dgm:linClrLst>
+    <dgm:effectClrLst/>
+    <dgm:txLinClrLst/>
+    <dgm:txFillClrLst meth="repeat">
+      <a:schemeClr val="lt1"/>
+    </dgm:txFillClrLst>
+    <dgm:txEffectClrLst/>
+  </dgm:styleLbl>
+  <dgm:styleLbl name="trBgShp">
+    <dgm:fillClrLst meth="repeat">
+      <a:schemeClr val="accent2">
+        <a:tint val="50000"/>
+        <a:alpha val="40000"/>
+      </a:schemeClr>
+    </dgm:fillClrLst>
+    <dgm:linClrLst meth="repeat">
+      <a:schemeClr val="accent2"/>
+    </dgm:linClrLst>
+    <dgm:effectClrLst/>
+    <dgm:txLinClrLst/>
+    <dgm:txFillClrLst meth="repeat">
+      <a:schemeClr val="lt1"/>
+    </dgm:txFillClrLst>
+    <dgm:txEffectClrLst/>
+  </dgm:styleLbl>
+  <dgm:styleLbl name="fgShp">
+    <dgm:fillClrLst meth="repeat">
+      <a:schemeClr val="accent2">
+        <a:tint val="40000"/>
+      </a:schemeClr>
+    </dgm:fillClrLst>
+    <dgm:linClrLst meth="repeat">
+      <a:schemeClr val="lt1"/>
+    </dgm:linClrLst>
+    <dgm:effectClrLst/>
+    <dgm:txLinClrLst/>
+    <dgm:txFillClrLst meth="repeat">
+      <a:schemeClr val="dk1"/>
+    </dgm:txFillClrLst>
+    <dgm:txEffectClrLst/>
+  </dgm:styleLbl>
+  <dgm:styleLbl name="revTx">
+    <dgm:fillClrLst meth="repeat">
+      <a:schemeClr val="lt1">
+        <a:alpha val="0"/>
+      </a:schemeClr>
+    </dgm:fillClrLst>
+    <dgm:linClrLst meth="repeat">
+      <a:schemeClr val="dk1">
+        <a:alpha val="0"/>
+      </a:schemeClr>
+    </dgm:linClrLst>
+    <dgm:effectClrLst/>
+    <dgm:txLinClrLst/>
+    <dgm:txFillClrLst meth="repeat">
+      <a:schemeClr val="tx1"/>
+    </dgm:txFillClrLst>
+    <dgm:txEffectClrLst/>
+  </dgm:styleLbl>
+</dgm:colorsDef>
+</file>
+
+<file path=ppt/diagrams/data1.xml><?xml version="1.0" encoding="utf-8"?>
+<dgm:dataModel xmlns:dgm="http://schemas.openxmlformats.org/drawingml/2006/diagram" xmlns:a="http://schemas.openxmlformats.org/drawingml/2006/main">
+  <dgm:ptLst>
+    <dgm:pt modelId="{E9524B90-3E6F-4AD4-9E62-AA456C9F0BF0}" type="doc">
+      <dgm:prSet loTypeId="urn:microsoft.com/office/officeart/2016/7/layout/RepeatingBendingProcessNew" loCatId="process" qsTypeId="urn:microsoft.com/office/officeart/2005/8/quickstyle/simple5" qsCatId="simple" csTypeId="urn:microsoft.com/office/officeart/2005/8/colors/colorful2" csCatId="colorful"/>
+      <dgm:spPr/>
+      <dgm:t>
+        <a:bodyPr/>
+        <a:lstStyle/>
+        <a:p>
+          <a:endParaRPr lang="en-US"/>
+        </a:p>
+      </dgm:t>
+    </dgm:pt>
+    <dgm:pt modelId="{7F10E127-97E4-4E02-AC8C-924333D0C030}">
+      <dgm:prSet/>
+      <dgm:spPr/>
+      <dgm:t>
+        <a:bodyPr/>
+        <a:lstStyle/>
+        <a:p>
+          <a:r>
+            <a:rPr lang="en-US"/>
+            <a:t>Familiar Interface</a:t>
+          </a:r>
+        </a:p>
+      </dgm:t>
+    </dgm:pt>
+    <dgm:pt modelId="{832F5710-445A-42BB-BB8A-34AD8AAEB806}" type="parTrans" cxnId="{052C47DC-5035-46C7-93E2-E1B96128D7BB}">
+      <dgm:prSet/>
+      <dgm:spPr/>
+      <dgm:t>
+        <a:bodyPr/>
+        <a:lstStyle/>
+        <a:p>
+          <a:endParaRPr lang="en-US"/>
+        </a:p>
+      </dgm:t>
+    </dgm:pt>
+    <dgm:pt modelId="{8077620B-2B62-4775-9611-3404A992392F}" type="sibTrans" cxnId="{052C47DC-5035-46C7-93E2-E1B96128D7BB}">
+      <dgm:prSet/>
+      <dgm:spPr/>
+      <dgm:t>
+        <a:bodyPr/>
+        <a:lstStyle/>
+        <a:p>
+          <a:endParaRPr lang="en-US"/>
+        </a:p>
+      </dgm:t>
+    </dgm:pt>
+    <dgm:pt modelId="{A4AC2FA8-90CD-497F-8DDA-1D8A471F680C}">
+      <dgm:prSet/>
+      <dgm:spPr/>
+      <dgm:t>
+        <a:bodyPr/>
+        <a:lstStyle/>
+        <a:p>
+          <a:r>
+            <a:rPr lang="en-US"/>
+            <a:t>Isolation – each machine runs on its own resources</a:t>
+          </a:r>
+        </a:p>
+      </dgm:t>
+    </dgm:pt>
+    <dgm:pt modelId="{9E17F507-BF8D-4DD8-BF46-B9091EE045FD}" type="parTrans" cxnId="{42617832-4A34-4144-AD35-C22A30CE4102}">
+      <dgm:prSet/>
+      <dgm:spPr/>
+      <dgm:t>
+        <a:bodyPr/>
+        <a:lstStyle/>
+        <a:p>
+          <a:endParaRPr lang="en-US"/>
+        </a:p>
+      </dgm:t>
+    </dgm:pt>
+    <dgm:pt modelId="{07992A6C-ADA3-4F09-AE77-92F02ED560B9}" type="sibTrans" cxnId="{42617832-4A34-4144-AD35-C22A30CE4102}">
+      <dgm:prSet/>
+      <dgm:spPr/>
+      <dgm:t>
+        <a:bodyPr/>
+        <a:lstStyle/>
+        <a:p>
+          <a:endParaRPr lang="en-US"/>
+        </a:p>
+      </dgm:t>
+    </dgm:pt>
+    <dgm:pt modelId="{7F5CCAD4-A90A-4AE4-862A-37A173CE3E7C}">
+      <dgm:prSet/>
+      <dgm:spPr/>
+      <dgm:t>
+        <a:bodyPr/>
+        <a:lstStyle/>
+        <a:p>
+          <a:r>
+            <a:rPr lang="en-US"/>
+            <a:t>High Availability – if one machine fails, spin up another</a:t>
+          </a:r>
+        </a:p>
+      </dgm:t>
+    </dgm:pt>
+    <dgm:pt modelId="{6EF01C8C-3983-4995-B036-5C91298E24EA}" type="parTrans" cxnId="{AC66575D-4B7A-42D3-968F-E372FEF98CDD}">
+      <dgm:prSet/>
+      <dgm:spPr/>
+      <dgm:t>
+        <a:bodyPr/>
+        <a:lstStyle/>
+        <a:p>
+          <a:endParaRPr lang="en-US"/>
+        </a:p>
+      </dgm:t>
+    </dgm:pt>
+    <dgm:pt modelId="{90BBFD62-B4E7-4ECD-A28D-567B77DAF3CD}" type="sibTrans" cxnId="{AC66575D-4B7A-42D3-968F-E372FEF98CDD}">
+      <dgm:prSet/>
+      <dgm:spPr/>
+      <dgm:t>
+        <a:bodyPr/>
+        <a:lstStyle/>
+        <a:p>
+          <a:endParaRPr lang="en-US"/>
+        </a:p>
+      </dgm:t>
+    </dgm:pt>
+    <dgm:pt modelId="{7E71F450-D077-49BD-B839-18FE199494A0}">
+      <dgm:prSet/>
+      <dgm:spPr/>
+      <dgm:t>
+        <a:bodyPr/>
+        <a:lstStyle/>
+        <a:p>
+          <a:r>
+            <a:rPr lang="en-US"/>
+            <a:t>Scalablity – add or remove machines as needed</a:t>
+          </a:r>
+        </a:p>
+      </dgm:t>
+    </dgm:pt>
+    <dgm:pt modelId="{9555554F-4388-4AE3-B8AB-6165B086D23F}" type="parTrans" cxnId="{C2D12B95-1E38-4BCC-8B18-D5E26D99B8D3}">
+      <dgm:prSet/>
+      <dgm:spPr/>
+      <dgm:t>
+        <a:bodyPr/>
+        <a:lstStyle/>
+        <a:p>
+          <a:endParaRPr lang="en-US"/>
+        </a:p>
+      </dgm:t>
+    </dgm:pt>
+    <dgm:pt modelId="{85B59026-7C89-4DB1-A129-22425AC1054E}" type="sibTrans" cxnId="{C2D12B95-1E38-4BCC-8B18-D5E26D99B8D3}">
+      <dgm:prSet/>
+      <dgm:spPr/>
+      <dgm:t>
+        <a:bodyPr/>
+        <a:lstStyle/>
+        <a:p>
+          <a:endParaRPr lang="en-US"/>
+        </a:p>
+      </dgm:t>
+    </dgm:pt>
+    <dgm:pt modelId="{29C14B87-07CA-4575-A9DD-6956BDF09456}">
+      <dgm:prSet/>
+      <dgm:spPr/>
+      <dgm:t>
+        <a:bodyPr/>
+        <a:lstStyle/>
+        <a:p>
+          <a:r>
+            <a:rPr lang="en-US"/>
+            <a:t>Backup and fast recovery</a:t>
+          </a:r>
+        </a:p>
+      </dgm:t>
+    </dgm:pt>
+    <dgm:pt modelId="{53C0F60E-5187-481A-80FB-C3CA2BA7AD81}" type="parTrans" cxnId="{AFA309B5-7D99-41B5-9645-2984C84660AC}">
+      <dgm:prSet/>
+      <dgm:spPr/>
+      <dgm:t>
+        <a:bodyPr/>
+        <a:lstStyle/>
+        <a:p>
+          <a:endParaRPr lang="en-US"/>
+        </a:p>
+      </dgm:t>
+    </dgm:pt>
+    <dgm:pt modelId="{234A6B9A-50E9-4AFD-8B1F-C4DBF77236A3}" type="sibTrans" cxnId="{AFA309B5-7D99-41B5-9645-2984C84660AC}">
+      <dgm:prSet/>
+      <dgm:spPr/>
+      <dgm:t>
+        <a:bodyPr/>
+        <a:lstStyle/>
+        <a:p>
+          <a:endParaRPr lang="en-US"/>
+        </a:p>
+      </dgm:t>
+    </dgm:pt>
+    <dgm:pt modelId="{FAAB0C08-D035-4234-A16B-96637DC36149}">
+      <dgm:prSet/>
+      <dgm:spPr/>
+      <dgm:t>
+        <a:bodyPr/>
+        <a:lstStyle/>
+        <a:p>
+          <a:r>
+            <a:rPr lang="en-US"/>
+            <a:t>Cost Reduction – share resources</a:t>
+          </a:r>
+        </a:p>
+      </dgm:t>
+    </dgm:pt>
+    <dgm:pt modelId="{44EB86F9-A418-4988-A075-9C78E80DF501}" type="parTrans" cxnId="{517B7DA0-F7DF-4A0F-9CD3-33BFF12BC7FB}">
+      <dgm:prSet/>
+      <dgm:spPr/>
+      <dgm:t>
+        <a:bodyPr/>
+        <a:lstStyle/>
+        <a:p>
+          <a:endParaRPr lang="en-US"/>
+        </a:p>
+      </dgm:t>
+    </dgm:pt>
+    <dgm:pt modelId="{B39D18D8-E4DE-4C25-8FA7-79481E13B0CF}" type="sibTrans" cxnId="{517B7DA0-F7DF-4A0F-9CD3-33BFF12BC7FB}">
+      <dgm:prSet/>
+      <dgm:spPr/>
+      <dgm:t>
+        <a:bodyPr/>
+        <a:lstStyle/>
+        <a:p>
+          <a:endParaRPr lang="en-US"/>
+        </a:p>
+      </dgm:t>
+    </dgm:pt>
+    <dgm:pt modelId="{63FF8356-1E7D-654B-9B05-05B3DCFB1444}" type="pres">
+      <dgm:prSet presAssocID="{E9524B90-3E6F-4AD4-9E62-AA456C9F0BF0}" presName="Name0" presStyleCnt="0">
+        <dgm:presLayoutVars>
+          <dgm:dir/>
+          <dgm:resizeHandles val="exact"/>
+        </dgm:presLayoutVars>
+      </dgm:prSet>
+      <dgm:spPr/>
+    </dgm:pt>
+    <dgm:pt modelId="{8503FEBC-0561-224A-829F-666EEA10CAE2}" type="pres">
+      <dgm:prSet presAssocID="{7F10E127-97E4-4E02-AC8C-924333D0C030}" presName="node" presStyleLbl="node1" presStyleIdx="0" presStyleCnt="6">
+        <dgm:presLayoutVars>
+          <dgm:bulletEnabled val="1"/>
+        </dgm:presLayoutVars>
+      </dgm:prSet>
+      <dgm:spPr/>
+    </dgm:pt>
+    <dgm:pt modelId="{CF32DE68-7948-7B46-ABFF-9A959F41B3E2}" type="pres">
+      <dgm:prSet presAssocID="{8077620B-2B62-4775-9611-3404A992392F}" presName="sibTrans" presStyleLbl="sibTrans1D1" presStyleIdx="0" presStyleCnt="5"/>
+      <dgm:spPr/>
+    </dgm:pt>
+    <dgm:pt modelId="{9C0BCF1A-D7C6-E749-8C78-7E1C217D9060}" type="pres">
+      <dgm:prSet presAssocID="{8077620B-2B62-4775-9611-3404A992392F}" presName="connectorText" presStyleLbl="sibTrans1D1" presStyleIdx="0" presStyleCnt="5"/>
+      <dgm:spPr/>
+    </dgm:pt>
+    <dgm:pt modelId="{43D4991E-48C7-B149-A551-A34FD42B301D}" type="pres">
+      <dgm:prSet presAssocID="{A4AC2FA8-90CD-497F-8DDA-1D8A471F680C}" presName="node" presStyleLbl="node1" presStyleIdx="1" presStyleCnt="6">
+        <dgm:presLayoutVars>
+          <dgm:bulletEnabled val="1"/>
+        </dgm:presLayoutVars>
+      </dgm:prSet>
+      <dgm:spPr/>
+    </dgm:pt>
+    <dgm:pt modelId="{52069AC5-A38A-5B43-9704-A26F79658E9F}" type="pres">
+      <dgm:prSet presAssocID="{07992A6C-ADA3-4F09-AE77-92F02ED560B9}" presName="sibTrans" presStyleLbl="sibTrans1D1" presStyleIdx="1" presStyleCnt="5"/>
+      <dgm:spPr/>
+    </dgm:pt>
+    <dgm:pt modelId="{18A83EED-1B6E-254A-A12C-675E7C59D41A}" type="pres">
+      <dgm:prSet presAssocID="{07992A6C-ADA3-4F09-AE77-92F02ED560B9}" presName="connectorText" presStyleLbl="sibTrans1D1" presStyleIdx="1" presStyleCnt="5"/>
+      <dgm:spPr/>
+    </dgm:pt>
+    <dgm:pt modelId="{C18E0287-49DC-424C-B1ED-B12C615F1EDF}" type="pres">
+      <dgm:prSet presAssocID="{7F5CCAD4-A90A-4AE4-862A-37A173CE3E7C}" presName="node" presStyleLbl="node1" presStyleIdx="2" presStyleCnt="6">
+        <dgm:presLayoutVars>
+          <dgm:bulletEnabled val="1"/>
+        </dgm:presLayoutVars>
+      </dgm:prSet>
+      <dgm:spPr/>
+    </dgm:pt>
+    <dgm:pt modelId="{DE9992EA-BDA7-9844-A50D-CBC98403A8AB}" type="pres">
+      <dgm:prSet presAssocID="{90BBFD62-B4E7-4ECD-A28D-567B77DAF3CD}" presName="sibTrans" presStyleLbl="sibTrans1D1" presStyleIdx="2" presStyleCnt="5"/>
+      <dgm:spPr/>
+    </dgm:pt>
+    <dgm:pt modelId="{F65EBF68-DC83-E347-9EB6-57A867860582}" type="pres">
+      <dgm:prSet presAssocID="{90BBFD62-B4E7-4ECD-A28D-567B77DAF3CD}" presName="connectorText" presStyleLbl="sibTrans1D1" presStyleIdx="2" presStyleCnt="5"/>
+      <dgm:spPr/>
+    </dgm:pt>
+    <dgm:pt modelId="{8EC1A4EC-F231-974E-B16E-03CB9C179849}" type="pres">
+      <dgm:prSet presAssocID="{7E71F450-D077-49BD-B839-18FE199494A0}" presName="node" presStyleLbl="node1" presStyleIdx="3" presStyleCnt="6">
+        <dgm:presLayoutVars>
+          <dgm:bulletEnabled val="1"/>
+        </dgm:presLayoutVars>
+      </dgm:prSet>
+      <dgm:spPr/>
+    </dgm:pt>
+    <dgm:pt modelId="{3FEA33DD-04D1-164D-B63C-4F0C928A3A25}" type="pres">
+      <dgm:prSet presAssocID="{85B59026-7C89-4DB1-A129-22425AC1054E}" presName="sibTrans" presStyleLbl="sibTrans1D1" presStyleIdx="3" presStyleCnt="5"/>
+      <dgm:spPr/>
+    </dgm:pt>
+    <dgm:pt modelId="{76B1A2D8-2B7C-1D46-840C-F3B1651D03A3}" type="pres">
+      <dgm:prSet presAssocID="{85B59026-7C89-4DB1-A129-22425AC1054E}" presName="connectorText" presStyleLbl="sibTrans1D1" presStyleIdx="3" presStyleCnt="5"/>
+      <dgm:spPr/>
+    </dgm:pt>
+    <dgm:pt modelId="{C237261F-5820-F642-9193-FFF8A6A4E76D}" type="pres">
+      <dgm:prSet presAssocID="{29C14B87-07CA-4575-A9DD-6956BDF09456}" presName="node" presStyleLbl="node1" presStyleIdx="4" presStyleCnt="6">
+        <dgm:presLayoutVars>
+          <dgm:bulletEnabled val="1"/>
+        </dgm:presLayoutVars>
+      </dgm:prSet>
+      <dgm:spPr/>
+    </dgm:pt>
+    <dgm:pt modelId="{B642D821-BE3C-434E-9729-10B29DA7C3DB}" type="pres">
+      <dgm:prSet presAssocID="{234A6B9A-50E9-4AFD-8B1F-C4DBF77236A3}" presName="sibTrans" presStyleLbl="sibTrans1D1" presStyleIdx="4" presStyleCnt="5"/>
+      <dgm:spPr/>
+    </dgm:pt>
+    <dgm:pt modelId="{FF72E8C1-969C-9040-B074-D7B5142B0DD2}" type="pres">
+      <dgm:prSet presAssocID="{234A6B9A-50E9-4AFD-8B1F-C4DBF77236A3}" presName="connectorText" presStyleLbl="sibTrans1D1" presStyleIdx="4" presStyleCnt="5"/>
+      <dgm:spPr/>
+    </dgm:pt>
+    <dgm:pt modelId="{9C28D313-97A8-1948-8581-D18811D7DA89}" type="pres">
+      <dgm:prSet presAssocID="{FAAB0C08-D035-4234-A16B-96637DC36149}" presName="node" presStyleLbl="node1" presStyleIdx="5" presStyleCnt="6">
+        <dgm:presLayoutVars>
+          <dgm:bulletEnabled val="1"/>
+        </dgm:presLayoutVars>
+      </dgm:prSet>
+      <dgm:spPr/>
+    </dgm:pt>
+  </dgm:ptLst>
+  <dgm:cxnLst>
+    <dgm:cxn modelId="{31FAE800-E128-2141-BC94-E6AB109D813C}" type="presOf" srcId="{8077620B-2B62-4775-9611-3404A992392F}" destId="{9C0BCF1A-D7C6-E749-8C78-7E1C217D9060}" srcOrd="1" destOrd="0" presId="urn:microsoft.com/office/officeart/2016/7/layout/RepeatingBendingProcessNew"/>
+    <dgm:cxn modelId="{6BCF7504-726B-834E-ADEA-538921D78A99}" type="presOf" srcId="{A4AC2FA8-90CD-497F-8DDA-1D8A471F680C}" destId="{43D4991E-48C7-B149-A551-A34FD42B301D}" srcOrd="0" destOrd="0" presId="urn:microsoft.com/office/officeart/2016/7/layout/RepeatingBendingProcessNew"/>
+    <dgm:cxn modelId="{48D16706-E10C-FD45-922D-F68D94F1F098}" type="presOf" srcId="{8077620B-2B62-4775-9611-3404A992392F}" destId="{CF32DE68-7948-7B46-ABFF-9A959F41B3E2}" srcOrd="0" destOrd="0" presId="urn:microsoft.com/office/officeart/2016/7/layout/RepeatingBendingProcessNew"/>
+    <dgm:cxn modelId="{876E121A-B462-E547-860A-CB33D275C144}" type="presOf" srcId="{29C14B87-07CA-4575-A9DD-6956BDF09456}" destId="{C237261F-5820-F642-9193-FFF8A6A4E76D}" srcOrd="0" destOrd="0" presId="urn:microsoft.com/office/officeart/2016/7/layout/RepeatingBendingProcessNew"/>
+    <dgm:cxn modelId="{6C96B224-F6A3-3048-8633-0AFE603D2FB6}" type="presOf" srcId="{85B59026-7C89-4DB1-A129-22425AC1054E}" destId="{76B1A2D8-2B7C-1D46-840C-F3B1651D03A3}" srcOrd="1" destOrd="0" presId="urn:microsoft.com/office/officeart/2016/7/layout/RepeatingBendingProcessNew"/>
+    <dgm:cxn modelId="{4E81F22F-CBD6-D04B-B6BE-076E3DAD53C1}" type="presOf" srcId="{7F10E127-97E4-4E02-AC8C-924333D0C030}" destId="{8503FEBC-0561-224A-829F-666EEA10CAE2}" srcOrd="0" destOrd="0" presId="urn:microsoft.com/office/officeart/2016/7/layout/RepeatingBendingProcessNew"/>
+    <dgm:cxn modelId="{42617832-4A34-4144-AD35-C22A30CE4102}" srcId="{E9524B90-3E6F-4AD4-9E62-AA456C9F0BF0}" destId="{A4AC2FA8-90CD-497F-8DDA-1D8A471F680C}" srcOrd="1" destOrd="0" parTransId="{9E17F507-BF8D-4DD8-BF46-B9091EE045FD}" sibTransId="{07992A6C-ADA3-4F09-AE77-92F02ED560B9}"/>
+    <dgm:cxn modelId="{FD042636-A434-064C-973C-22A16830C189}" type="presOf" srcId="{7E71F450-D077-49BD-B839-18FE199494A0}" destId="{8EC1A4EC-F231-974E-B16E-03CB9C179849}" srcOrd="0" destOrd="0" presId="urn:microsoft.com/office/officeart/2016/7/layout/RepeatingBendingProcessNew"/>
+    <dgm:cxn modelId="{7B3AE84A-9CDE-1248-BFCE-B55218C124B2}" type="presOf" srcId="{07992A6C-ADA3-4F09-AE77-92F02ED560B9}" destId="{18A83EED-1B6E-254A-A12C-675E7C59D41A}" srcOrd="1" destOrd="0" presId="urn:microsoft.com/office/officeart/2016/7/layout/RepeatingBendingProcessNew"/>
+    <dgm:cxn modelId="{BA6E2259-33E3-634D-A665-811A8115F413}" type="presOf" srcId="{07992A6C-ADA3-4F09-AE77-92F02ED560B9}" destId="{52069AC5-A38A-5B43-9704-A26F79658E9F}" srcOrd="0" destOrd="0" presId="urn:microsoft.com/office/officeart/2016/7/layout/RepeatingBendingProcessNew"/>
+    <dgm:cxn modelId="{AC66575D-4B7A-42D3-968F-E372FEF98CDD}" srcId="{E9524B90-3E6F-4AD4-9E62-AA456C9F0BF0}" destId="{7F5CCAD4-A90A-4AE4-862A-37A173CE3E7C}" srcOrd="2" destOrd="0" parTransId="{6EF01C8C-3983-4995-B036-5C91298E24EA}" sibTransId="{90BBFD62-B4E7-4ECD-A28D-567B77DAF3CD}"/>
+    <dgm:cxn modelId="{9F274169-6828-E84B-B37C-6D9F26711AAD}" type="presOf" srcId="{234A6B9A-50E9-4AFD-8B1F-C4DBF77236A3}" destId="{FF72E8C1-969C-9040-B074-D7B5142B0DD2}" srcOrd="1" destOrd="0" presId="urn:microsoft.com/office/officeart/2016/7/layout/RepeatingBendingProcessNew"/>
+    <dgm:cxn modelId="{8F73A67F-81CA-AE4B-BC73-70925DA16B66}" type="presOf" srcId="{90BBFD62-B4E7-4ECD-A28D-567B77DAF3CD}" destId="{DE9992EA-BDA7-9844-A50D-CBC98403A8AB}" srcOrd="0" destOrd="0" presId="urn:microsoft.com/office/officeart/2016/7/layout/RepeatingBendingProcessNew"/>
+    <dgm:cxn modelId="{C2D12B95-1E38-4BCC-8B18-D5E26D99B8D3}" srcId="{E9524B90-3E6F-4AD4-9E62-AA456C9F0BF0}" destId="{7E71F450-D077-49BD-B839-18FE199494A0}" srcOrd="3" destOrd="0" parTransId="{9555554F-4388-4AE3-B8AB-6165B086D23F}" sibTransId="{85B59026-7C89-4DB1-A129-22425AC1054E}"/>
+    <dgm:cxn modelId="{517B7DA0-F7DF-4A0F-9CD3-33BFF12BC7FB}" srcId="{E9524B90-3E6F-4AD4-9E62-AA456C9F0BF0}" destId="{FAAB0C08-D035-4234-A16B-96637DC36149}" srcOrd="5" destOrd="0" parTransId="{44EB86F9-A418-4988-A075-9C78E80DF501}" sibTransId="{B39D18D8-E4DE-4C25-8FA7-79481E13B0CF}"/>
+    <dgm:cxn modelId="{F4ACE2A7-3FF6-A442-9B40-442395A2B9F4}" type="presOf" srcId="{85B59026-7C89-4DB1-A129-22425AC1054E}" destId="{3FEA33DD-04D1-164D-B63C-4F0C928A3A25}" srcOrd="0" destOrd="0" presId="urn:microsoft.com/office/officeart/2016/7/layout/RepeatingBendingProcessNew"/>
+    <dgm:cxn modelId="{4CF7ADB2-D697-7140-BA87-F7BD46005976}" type="presOf" srcId="{90BBFD62-B4E7-4ECD-A28D-567B77DAF3CD}" destId="{F65EBF68-DC83-E347-9EB6-57A867860582}" srcOrd="1" destOrd="0" presId="urn:microsoft.com/office/officeart/2016/7/layout/RepeatingBendingProcessNew"/>
+    <dgm:cxn modelId="{AFA309B5-7D99-41B5-9645-2984C84660AC}" srcId="{E9524B90-3E6F-4AD4-9E62-AA456C9F0BF0}" destId="{29C14B87-07CA-4575-A9DD-6956BDF09456}" srcOrd="4" destOrd="0" parTransId="{53C0F60E-5187-481A-80FB-C3CA2BA7AD81}" sibTransId="{234A6B9A-50E9-4AFD-8B1F-C4DBF77236A3}"/>
+    <dgm:cxn modelId="{7320AFBD-AB8B-8641-81DF-158C00152B2D}" type="presOf" srcId="{234A6B9A-50E9-4AFD-8B1F-C4DBF77236A3}" destId="{B642D821-BE3C-434E-9729-10B29DA7C3DB}" srcOrd="0" destOrd="0" presId="urn:microsoft.com/office/officeart/2016/7/layout/RepeatingBendingProcessNew"/>
+    <dgm:cxn modelId="{052C47DC-5035-46C7-93E2-E1B96128D7BB}" srcId="{E9524B90-3E6F-4AD4-9E62-AA456C9F0BF0}" destId="{7F10E127-97E4-4E02-AC8C-924333D0C030}" srcOrd="0" destOrd="0" parTransId="{832F5710-445A-42BB-BB8A-34AD8AAEB806}" sibTransId="{8077620B-2B62-4775-9611-3404A992392F}"/>
+    <dgm:cxn modelId="{79B854DD-3323-C844-92D9-DDD8811DD632}" type="presOf" srcId="{FAAB0C08-D035-4234-A16B-96637DC36149}" destId="{9C28D313-97A8-1948-8581-D18811D7DA89}" srcOrd="0" destOrd="0" presId="urn:microsoft.com/office/officeart/2016/7/layout/RepeatingBendingProcessNew"/>
+    <dgm:cxn modelId="{77AF9FEF-603B-9445-94FB-15B84017249B}" type="presOf" srcId="{7F5CCAD4-A90A-4AE4-862A-37A173CE3E7C}" destId="{C18E0287-49DC-424C-B1ED-B12C615F1EDF}" srcOrd="0" destOrd="0" presId="urn:microsoft.com/office/officeart/2016/7/layout/RepeatingBendingProcessNew"/>
+    <dgm:cxn modelId="{9AB892F1-9AC7-6D42-9F76-76BEC60A2A8C}" type="presOf" srcId="{E9524B90-3E6F-4AD4-9E62-AA456C9F0BF0}" destId="{63FF8356-1E7D-654B-9B05-05B3DCFB1444}" srcOrd="0" destOrd="0" presId="urn:microsoft.com/office/officeart/2016/7/layout/RepeatingBendingProcessNew"/>
+    <dgm:cxn modelId="{2D5471DA-EEF7-564D-8444-2453E6BAE039}" type="presParOf" srcId="{63FF8356-1E7D-654B-9B05-05B3DCFB1444}" destId="{8503FEBC-0561-224A-829F-666EEA10CAE2}" srcOrd="0" destOrd="0" presId="urn:microsoft.com/office/officeart/2016/7/layout/RepeatingBendingProcessNew"/>
+    <dgm:cxn modelId="{733A6DEF-0E82-274E-92BE-25B2CDF325FF}" type="presParOf" srcId="{63FF8356-1E7D-654B-9B05-05B3DCFB1444}" destId="{CF32DE68-7948-7B46-ABFF-9A959F41B3E2}" srcOrd="1" destOrd="0" presId="urn:microsoft.com/office/officeart/2016/7/layout/RepeatingBendingProcessNew"/>
+    <dgm:cxn modelId="{9B7C5F70-3146-DF4E-9CEE-0320CB4E1BDD}" type="presParOf" srcId="{CF32DE68-7948-7B46-ABFF-9A959F41B3E2}" destId="{9C0BCF1A-D7C6-E749-8C78-7E1C217D9060}" srcOrd="0" destOrd="0" presId="urn:microsoft.com/office/officeart/2016/7/layout/RepeatingBendingProcessNew"/>
+    <dgm:cxn modelId="{FBA0CFC0-61A6-5643-9E21-29E9ACFAC54C}" type="presParOf" srcId="{63FF8356-1E7D-654B-9B05-05B3DCFB1444}" destId="{43D4991E-48C7-B149-A551-A34FD42B301D}" srcOrd="2" destOrd="0" presId="urn:microsoft.com/office/officeart/2016/7/layout/RepeatingBendingProcessNew"/>
+    <dgm:cxn modelId="{5AC526AF-8C37-C641-85D5-EBBD229D803B}" type="presParOf" srcId="{63FF8356-1E7D-654B-9B05-05B3DCFB1444}" destId="{52069AC5-A38A-5B43-9704-A26F79658E9F}" srcOrd="3" destOrd="0" presId="urn:microsoft.com/office/officeart/2016/7/layout/RepeatingBendingProcessNew"/>
+    <dgm:cxn modelId="{152FF0FA-802F-2440-8439-195EDB4F68EC}" type="presParOf" srcId="{52069AC5-A38A-5B43-9704-A26F79658E9F}" destId="{18A83EED-1B6E-254A-A12C-675E7C59D41A}" srcOrd="0" destOrd="0" presId="urn:microsoft.com/office/officeart/2016/7/layout/RepeatingBendingProcessNew"/>
+    <dgm:cxn modelId="{C1F78FAD-204F-3D47-BA7E-F7DF09D921FA}" type="presParOf" srcId="{63FF8356-1E7D-654B-9B05-05B3DCFB1444}" destId="{C18E0287-49DC-424C-B1ED-B12C615F1EDF}" srcOrd="4" destOrd="0" presId="urn:microsoft.com/office/officeart/2016/7/layout/RepeatingBendingProcessNew"/>
+    <dgm:cxn modelId="{C5664F4B-4DB3-864E-A91E-7EE33AEA83BC}" type="presParOf" srcId="{63FF8356-1E7D-654B-9B05-05B3DCFB1444}" destId="{DE9992EA-BDA7-9844-A50D-CBC98403A8AB}" srcOrd="5" destOrd="0" presId="urn:microsoft.com/office/officeart/2016/7/layout/RepeatingBendingProcessNew"/>
+    <dgm:cxn modelId="{26BDA71C-C2F2-1341-998C-AFEC8C99825F}" type="presParOf" srcId="{DE9992EA-BDA7-9844-A50D-CBC98403A8AB}" destId="{F65EBF68-DC83-E347-9EB6-57A867860582}" srcOrd="0" destOrd="0" presId="urn:microsoft.com/office/officeart/2016/7/layout/RepeatingBendingProcessNew"/>
+    <dgm:cxn modelId="{4DB74B86-2E3D-334C-9ED6-99A0C5375066}" type="presParOf" srcId="{63FF8356-1E7D-654B-9B05-05B3DCFB1444}" destId="{8EC1A4EC-F231-974E-B16E-03CB9C179849}" srcOrd="6" destOrd="0" presId="urn:microsoft.com/office/officeart/2016/7/layout/RepeatingBendingProcessNew"/>
+    <dgm:cxn modelId="{074EC56B-4474-CE4D-A96D-DD185EFEEBEF}" type="presParOf" srcId="{63FF8356-1E7D-654B-9B05-05B3DCFB1444}" destId="{3FEA33DD-04D1-164D-B63C-4F0C928A3A25}" srcOrd="7" destOrd="0" presId="urn:microsoft.com/office/officeart/2016/7/layout/RepeatingBendingProcessNew"/>
+    <dgm:cxn modelId="{2CDFF83A-F3D0-824D-B994-25A7D5358467}" type="presParOf" srcId="{3FEA33DD-04D1-164D-B63C-4F0C928A3A25}" destId="{76B1A2D8-2B7C-1D46-840C-F3B1651D03A3}" srcOrd="0" destOrd="0" presId="urn:microsoft.com/office/officeart/2016/7/layout/RepeatingBendingProcessNew"/>
+    <dgm:cxn modelId="{FA9FFD19-86C0-B142-8F4C-09EE5719235F}" type="presParOf" srcId="{63FF8356-1E7D-654B-9B05-05B3DCFB1444}" destId="{C237261F-5820-F642-9193-FFF8A6A4E76D}" srcOrd="8" destOrd="0" presId="urn:microsoft.com/office/officeart/2016/7/layout/RepeatingBendingProcessNew"/>
+    <dgm:cxn modelId="{F291ECE5-B1B3-4142-9AA0-BFAC78EA6586}" type="presParOf" srcId="{63FF8356-1E7D-654B-9B05-05B3DCFB1444}" destId="{B642D821-BE3C-434E-9729-10B29DA7C3DB}" srcOrd="9" destOrd="0" presId="urn:microsoft.com/office/officeart/2016/7/layout/RepeatingBendingProcessNew"/>
+    <dgm:cxn modelId="{826CBA96-CA25-7D4A-AFAF-FBE66FB06E0F}" type="presParOf" srcId="{B642D821-BE3C-434E-9729-10B29DA7C3DB}" destId="{FF72E8C1-969C-9040-B074-D7B5142B0DD2}" srcOrd="0" destOrd="0" presId="urn:microsoft.com/office/officeart/2016/7/layout/RepeatingBendingProcessNew"/>
+    <dgm:cxn modelId="{D4F191CB-7120-8842-BE02-9E5448A1A95C}" type="presParOf" srcId="{63FF8356-1E7D-654B-9B05-05B3DCFB1444}" destId="{9C28D313-97A8-1948-8581-D18811D7DA89}" srcOrd="10" destOrd="0" presId="urn:microsoft.com/office/officeart/2016/7/layout/RepeatingBendingProcessNew"/>
+  </dgm:cxnLst>
+  <dgm:bg/>
+  <dgm:whole/>
+  <dgm:extLst>
+    <a:ext uri="http://schemas.microsoft.com/office/drawing/2008/diagram">
+      <dsp:dataModelExt xmlns:dsp="http://schemas.microsoft.com/office/drawing/2008/diagram" relId="rId7" minVer="http://schemas.openxmlformats.org/drawingml/2006/diagram"/>
+    </a:ext>
+  </dgm:extLst>
+</dgm:dataModel>
+</file>
+
+<file path=ppt/diagrams/data2.xml><?xml version="1.0" encoding="utf-8"?>
+<dgm:dataModel xmlns:dgm="http://schemas.openxmlformats.org/drawingml/2006/diagram" xmlns:a="http://schemas.openxmlformats.org/drawingml/2006/main">
+  <dgm:ptLst>
+    <dgm:pt modelId="{18139098-5108-4A0C-B337-A93199E1708B}" type="doc">
+      <dgm:prSet loTypeId="urn:microsoft.com/office/officeart/2016/7/layout/RepeatingBendingProcessNew" loCatId="process" qsTypeId="urn:microsoft.com/office/officeart/2005/8/quickstyle/simple2" qsCatId="simple" csTypeId="urn:microsoft.com/office/officeart/2005/8/colors/colorful2" csCatId="colorful"/>
+      <dgm:spPr/>
+      <dgm:t>
+        <a:bodyPr/>
+        <a:lstStyle/>
+        <a:p>
+          <a:endParaRPr lang="en-US"/>
+        </a:p>
+      </dgm:t>
+    </dgm:pt>
+    <dgm:pt modelId="{B4271689-D2EC-41BA-886B-7B33DBFB511D}">
+      <dgm:prSet/>
+      <dgm:spPr/>
+      <dgm:t>
+        <a:bodyPr/>
+        <a:lstStyle/>
+        <a:p>
+          <a:r>
+            <a:rPr lang="en-US"/>
+            <a:t>Difficult to directly access hardware</a:t>
+          </a:r>
+        </a:p>
+      </dgm:t>
+    </dgm:pt>
+    <dgm:pt modelId="{C5C30E50-A389-4EC9-B934-0431B5AE8490}" type="parTrans" cxnId="{044BF11A-5E91-45D1-8F16-278B93185CBD}">
+      <dgm:prSet/>
+      <dgm:spPr/>
+      <dgm:t>
+        <a:bodyPr/>
+        <a:lstStyle/>
+        <a:p>
+          <a:endParaRPr lang="en-US"/>
+        </a:p>
+      </dgm:t>
+    </dgm:pt>
+    <dgm:pt modelId="{09F434F9-F130-4F21-A649-79540F3E64E4}" type="sibTrans" cxnId="{044BF11A-5E91-45D1-8F16-278B93185CBD}">
+      <dgm:prSet/>
+      <dgm:spPr/>
+      <dgm:t>
+        <a:bodyPr/>
+        <a:lstStyle/>
+        <a:p>
+          <a:endParaRPr lang="en-US"/>
+        </a:p>
+      </dgm:t>
+    </dgm:pt>
+    <dgm:pt modelId="{21F4556E-9AF5-43E7-B655-DE74F44CFDD7}">
+      <dgm:prSet/>
+      <dgm:spPr/>
+      <dgm:t>
+        <a:bodyPr/>
+        <a:lstStyle/>
+        <a:p>
+          <a:r>
+            <a:rPr lang="en-US"/>
+            <a:t>Uses a lot of RAM or memory – each machine allocated its own memory stack</a:t>
+          </a:r>
+        </a:p>
+      </dgm:t>
+    </dgm:pt>
+    <dgm:pt modelId="{9FF1EC6D-4C4D-400B-8E54-60E03F78C960}" type="parTrans" cxnId="{1821113F-B80D-41E4-BCD0-EC32F8AAE895}">
+      <dgm:prSet/>
+      <dgm:spPr/>
+      <dgm:t>
+        <a:bodyPr/>
+        <a:lstStyle/>
+        <a:p>
+          <a:endParaRPr lang="en-US"/>
+        </a:p>
+      </dgm:t>
+    </dgm:pt>
+    <dgm:pt modelId="{65CF4194-8FB7-433F-835B-23D265EC03DB}" type="sibTrans" cxnId="{1821113F-B80D-41E4-BCD0-EC32F8AAE895}">
+      <dgm:prSet/>
+      <dgm:spPr/>
+      <dgm:t>
+        <a:bodyPr/>
+        <a:lstStyle/>
+        <a:p>
+          <a:endParaRPr lang="en-US"/>
+        </a:p>
+      </dgm:t>
+    </dgm:pt>
+    <dgm:pt modelId="{D7A1CF32-A8FB-42BA-B674-FDEFD469B94A}">
+      <dgm:prSet/>
+      <dgm:spPr/>
+      <dgm:t>
+        <a:bodyPr/>
+        <a:lstStyle/>
+        <a:p>
+          <a:r>
+            <a:rPr lang="en-US"/>
+            <a:t>Uses a lot of disk space – again each machine allocated its own space</a:t>
+          </a:r>
+        </a:p>
+      </dgm:t>
+    </dgm:pt>
+    <dgm:pt modelId="{83DE5D3A-FAE2-4A4E-AFF6-5D7B9B09CB8E}" type="parTrans" cxnId="{E1F6D82F-95EB-40C6-BF48-4C6C7AD09109}">
+      <dgm:prSet/>
+      <dgm:spPr/>
+      <dgm:t>
+        <a:bodyPr/>
+        <a:lstStyle/>
+        <a:p>
+          <a:endParaRPr lang="en-US"/>
+        </a:p>
+      </dgm:t>
+    </dgm:pt>
+    <dgm:pt modelId="{18D20768-8ACF-4E34-8A7C-F13DC28B5050}" type="sibTrans" cxnId="{E1F6D82F-95EB-40C6-BF48-4C6C7AD09109}">
+      <dgm:prSet/>
+      <dgm:spPr/>
+      <dgm:t>
+        <a:bodyPr/>
+        <a:lstStyle/>
+        <a:p>
+          <a:endParaRPr lang="en-US"/>
+        </a:p>
+      </dgm:t>
+    </dgm:pt>
+    <dgm:pt modelId="{9C8D81DE-C75B-4E60-9A56-20E080A06E55}">
+      <dgm:prSet/>
+      <dgm:spPr/>
+      <dgm:t>
+        <a:bodyPr/>
+        <a:lstStyle/>
+        <a:p>
+          <a:r>
+            <a:rPr lang="en-US"/>
+            <a:t>Machine is less efficient than actual machine – has to go through the hypervisor</a:t>
+          </a:r>
+        </a:p>
+      </dgm:t>
+    </dgm:pt>
+    <dgm:pt modelId="{4FE66FEE-7470-4802-80DE-1CED6462FFF8}" type="parTrans" cxnId="{6471D100-B930-4972-9724-EF397B1D07CC}">
+      <dgm:prSet/>
+      <dgm:spPr/>
+      <dgm:t>
+        <a:bodyPr/>
+        <a:lstStyle/>
+        <a:p>
+          <a:endParaRPr lang="en-US"/>
+        </a:p>
+      </dgm:t>
+    </dgm:pt>
+    <dgm:pt modelId="{7F83E217-72AF-4EE6-83F1-4E2D0C1C05B1}" type="sibTrans" cxnId="{6471D100-B930-4972-9724-EF397B1D07CC}">
+      <dgm:prSet/>
+      <dgm:spPr/>
+      <dgm:t>
+        <a:bodyPr/>
+        <a:lstStyle/>
+        <a:p>
+          <a:endParaRPr lang="en-US"/>
+        </a:p>
+      </dgm:t>
+    </dgm:pt>
+    <dgm:pt modelId="{844D3290-5D8B-1A47-860C-D42782281C9F}" type="pres">
+      <dgm:prSet presAssocID="{18139098-5108-4A0C-B337-A93199E1708B}" presName="Name0" presStyleCnt="0">
+        <dgm:presLayoutVars>
+          <dgm:dir/>
+          <dgm:resizeHandles val="exact"/>
+        </dgm:presLayoutVars>
+      </dgm:prSet>
+      <dgm:spPr/>
+    </dgm:pt>
+    <dgm:pt modelId="{5CD8F342-E7D8-4640-8705-5F048FD6983A}" type="pres">
+      <dgm:prSet presAssocID="{B4271689-D2EC-41BA-886B-7B33DBFB511D}" presName="node" presStyleLbl="node1" presStyleIdx="0" presStyleCnt="4">
+        <dgm:presLayoutVars>
+          <dgm:bulletEnabled val="1"/>
+        </dgm:presLayoutVars>
+      </dgm:prSet>
+      <dgm:spPr/>
+    </dgm:pt>
+    <dgm:pt modelId="{A535275C-05AC-2144-935E-87EC8857657D}" type="pres">
+      <dgm:prSet presAssocID="{09F434F9-F130-4F21-A649-79540F3E64E4}" presName="sibTrans" presStyleLbl="sibTrans1D1" presStyleIdx="0" presStyleCnt="3"/>
+      <dgm:spPr/>
+    </dgm:pt>
+    <dgm:pt modelId="{54FEC2BD-D24A-AA40-B38D-2646F038310A}" type="pres">
+      <dgm:prSet presAssocID="{09F434F9-F130-4F21-A649-79540F3E64E4}" presName="connectorText" presStyleLbl="sibTrans1D1" presStyleIdx="0" presStyleCnt="3"/>
+      <dgm:spPr/>
+    </dgm:pt>
+    <dgm:pt modelId="{FF1B6075-20BE-8041-9D48-068A41D147C2}" type="pres">
+      <dgm:prSet presAssocID="{21F4556E-9AF5-43E7-B655-DE74F44CFDD7}" presName="node" presStyleLbl="node1" presStyleIdx="1" presStyleCnt="4">
+        <dgm:presLayoutVars>
+          <dgm:bulletEnabled val="1"/>
+        </dgm:presLayoutVars>
+      </dgm:prSet>
+      <dgm:spPr/>
+    </dgm:pt>
+    <dgm:pt modelId="{2DDB006D-B162-F14E-AB28-339BE9C76FE9}" type="pres">
+      <dgm:prSet presAssocID="{65CF4194-8FB7-433F-835B-23D265EC03DB}" presName="sibTrans" presStyleLbl="sibTrans1D1" presStyleIdx="1" presStyleCnt="3"/>
+      <dgm:spPr/>
+    </dgm:pt>
+    <dgm:pt modelId="{CB9E88FE-FD64-CA4C-B60B-565187C142A5}" type="pres">
+      <dgm:prSet presAssocID="{65CF4194-8FB7-433F-835B-23D265EC03DB}" presName="connectorText" presStyleLbl="sibTrans1D1" presStyleIdx="1" presStyleCnt="3"/>
+      <dgm:spPr/>
+    </dgm:pt>
+    <dgm:pt modelId="{1D196741-BD0A-384B-A625-13E5FE891F28}" type="pres">
+      <dgm:prSet presAssocID="{D7A1CF32-A8FB-42BA-B674-FDEFD469B94A}" presName="node" presStyleLbl="node1" presStyleIdx="2" presStyleCnt="4">
+        <dgm:presLayoutVars>
+          <dgm:bulletEnabled val="1"/>
+        </dgm:presLayoutVars>
+      </dgm:prSet>
+      <dgm:spPr/>
+    </dgm:pt>
+    <dgm:pt modelId="{9F9BE849-7587-8441-974C-6AD7F81075BC}" type="pres">
+      <dgm:prSet presAssocID="{18D20768-8ACF-4E34-8A7C-F13DC28B5050}" presName="sibTrans" presStyleLbl="sibTrans1D1" presStyleIdx="2" presStyleCnt="3"/>
+      <dgm:spPr/>
+    </dgm:pt>
+    <dgm:pt modelId="{8A4CF893-0D02-3A48-B875-D94767E1D03A}" type="pres">
+      <dgm:prSet presAssocID="{18D20768-8ACF-4E34-8A7C-F13DC28B5050}" presName="connectorText" presStyleLbl="sibTrans1D1" presStyleIdx="2" presStyleCnt="3"/>
+      <dgm:spPr/>
+    </dgm:pt>
+    <dgm:pt modelId="{BF4F884F-4A6C-0244-85AA-95B9B116FEAE}" type="pres">
+      <dgm:prSet presAssocID="{9C8D81DE-C75B-4E60-9A56-20E080A06E55}" presName="node" presStyleLbl="node1" presStyleIdx="3" presStyleCnt="4">
+        <dgm:presLayoutVars>
+          <dgm:bulletEnabled val="1"/>
+        </dgm:presLayoutVars>
+      </dgm:prSet>
+      <dgm:spPr/>
+    </dgm:pt>
+  </dgm:ptLst>
+  <dgm:cxnLst>
+    <dgm:cxn modelId="{6471D100-B930-4972-9724-EF397B1D07CC}" srcId="{18139098-5108-4A0C-B337-A93199E1708B}" destId="{9C8D81DE-C75B-4E60-9A56-20E080A06E55}" srcOrd="3" destOrd="0" parTransId="{4FE66FEE-7470-4802-80DE-1CED6462FFF8}" sibTransId="{7F83E217-72AF-4EE6-83F1-4E2D0C1C05B1}"/>
+    <dgm:cxn modelId="{4018BC03-303F-DB46-86BB-41B55B0A9872}" type="presOf" srcId="{21F4556E-9AF5-43E7-B655-DE74F44CFDD7}" destId="{FF1B6075-20BE-8041-9D48-068A41D147C2}" srcOrd="0" destOrd="0" presId="urn:microsoft.com/office/officeart/2016/7/layout/RepeatingBendingProcessNew"/>
+    <dgm:cxn modelId="{3158470A-0BB5-5644-8B02-7212E3D46284}" type="presOf" srcId="{18139098-5108-4A0C-B337-A93199E1708B}" destId="{844D3290-5D8B-1A47-860C-D42782281C9F}" srcOrd="0" destOrd="0" presId="urn:microsoft.com/office/officeart/2016/7/layout/RepeatingBendingProcessNew"/>
+    <dgm:cxn modelId="{044BF11A-5E91-45D1-8F16-278B93185CBD}" srcId="{18139098-5108-4A0C-B337-A93199E1708B}" destId="{B4271689-D2EC-41BA-886B-7B33DBFB511D}" srcOrd="0" destOrd="0" parTransId="{C5C30E50-A389-4EC9-B934-0431B5AE8490}" sibTransId="{09F434F9-F130-4F21-A649-79540F3E64E4}"/>
+    <dgm:cxn modelId="{D07A9C23-6677-534E-9797-FAC6CE745769}" type="presOf" srcId="{9C8D81DE-C75B-4E60-9A56-20E080A06E55}" destId="{BF4F884F-4A6C-0244-85AA-95B9B116FEAE}" srcOrd="0" destOrd="0" presId="urn:microsoft.com/office/officeart/2016/7/layout/RepeatingBendingProcessNew"/>
+    <dgm:cxn modelId="{E1F6D82F-95EB-40C6-BF48-4C6C7AD09109}" srcId="{18139098-5108-4A0C-B337-A93199E1708B}" destId="{D7A1CF32-A8FB-42BA-B674-FDEFD469B94A}" srcOrd="2" destOrd="0" parTransId="{83DE5D3A-FAE2-4A4E-AFF6-5D7B9B09CB8E}" sibTransId="{18D20768-8ACF-4E34-8A7C-F13DC28B5050}"/>
+    <dgm:cxn modelId="{F0D35F38-8544-E445-9468-959558496264}" type="presOf" srcId="{65CF4194-8FB7-433F-835B-23D265EC03DB}" destId="{CB9E88FE-FD64-CA4C-B60B-565187C142A5}" srcOrd="1" destOrd="0" presId="urn:microsoft.com/office/officeart/2016/7/layout/RepeatingBendingProcessNew"/>
+    <dgm:cxn modelId="{1821113F-B80D-41E4-BCD0-EC32F8AAE895}" srcId="{18139098-5108-4A0C-B337-A93199E1708B}" destId="{21F4556E-9AF5-43E7-B655-DE74F44CFDD7}" srcOrd="1" destOrd="0" parTransId="{9FF1EC6D-4C4D-400B-8E54-60E03F78C960}" sibTransId="{65CF4194-8FB7-433F-835B-23D265EC03DB}"/>
+    <dgm:cxn modelId="{BA5BA240-DF30-E741-B7EE-F9EE7CAB4087}" type="presOf" srcId="{18D20768-8ACF-4E34-8A7C-F13DC28B5050}" destId="{9F9BE849-7587-8441-974C-6AD7F81075BC}" srcOrd="0" destOrd="0" presId="urn:microsoft.com/office/officeart/2016/7/layout/RepeatingBendingProcessNew"/>
+    <dgm:cxn modelId="{69C31757-5032-AC42-AEDE-62F6AC0C5E7F}" type="presOf" srcId="{18D20768-8ACF-4E34-8A7C-F13DC28B5050}" destId="{8A4CF893-0D02-3A48-B875-D94767E1D03A}" srcOrd="1" destOrd="0" presId="urn:microsoft.com/office/officeart/2016/7/layout/RepeatingBendingProcessNew"/>
+    <dgm:cxn modelId="{9F9FD562-802C-A045-B7E4-34BB4315896D}" type="presOf" srcId="{B4271689-D2EC-41BA-886B-7B33DBFB511D}" destId="{5CD8F342-E7D8-4640-8705-5F048FD6983A}" srcOrd="0" destOrd="0" presId="urn:microsoft.com/office/officeart/2016/7/layout/RepeatingBendingProcessNew"/>
+    <dgm:cxn modelId="{29987D89-1A95-2946-BCD3-BD6FC5479588}" type="presOf" srcId="{D7A1CF32-A8FB-42BA-B674-FDEFD469B94A}" destId="{1D196741-BD0A-384B-A625-13E5FE891F28}" srcOrd="0" destOrd="0" presId="urn:microsoft.com/office/officeart/2016/7/layout/RepeatingBendingProcessNew"/>
+    <dgm:cxn modelId="{2B81F1B1-1347-C541-A326-23ADB632258A}" type="presOf" srcId="{09F434F9-F130-4F21-A649-79540F3E64E4}" destId="{54FEC2BD-D24A-AA40-B38D-2646F038310A}" srcOrd="1" destOrd="0" presId="urn:microsoft.com/office/officeart/2016/7/layout/RepeatingBendingProcessNew"/>
+    <dgm:cxn modelId="{50B14DBB-D495-7845-B199-AF0ED6A521F5}" type="presOf" srcId="{09F434F9-F130-4F21-A649-79540F3E64E4}" destId="{A535275C-05AC-2144-935E-87EC8857657D}" srcOrd="0" destOrd="0" presId="urn:microsoft.com/office/officeart/2016/7/layout/RepeatingBendingProcessNew"/>
+    <dgm:cxn modelId="{1E6380E4-0077-C248-A2DE-E02A3125B6B8}" type="presOf" srcId="{65CF4194-8FB7-433F-835B-23D265EC03DB}" destId="{2DDB006D-B162-F14E-AB28-339BE9C76FE9}" srcOrd="0" destOrd="0" presId="urn:microsoft.com/office/officeart/2016/7/layout/RepeatingBendingProcessNew"/>
+    <dgm:cxn modelId="{94618E7F-6FD6-5B4F-8FF4-E58719D1DF00}" type="presParOf" srcId="{844D3290-5D8B-1A47-860C-D42782281C9F}" destId="{5CD8F342-E7D8-4640-8705-5F048FD6983A}" srcOrd="0" destOrd="0" presId="urn:microsoft.com/office/officeart/2016/7/layout/RepeatingBendingProcessNew"/>
+    <dgm:cxn modelId="{CEB53B11-838B-604F-8788-AF3CDC215590}" type="presParOf" srcId="{844D3290-5D8B-1A47-860C-D42782281C9F}" destId="{A535275C-05AC-2144-935E-87EC8857657D}" srcOrd="1" destOrd="0" presId="urn:microsoft.com/office/officeart/2016/7/layout/RepeatingBendingProcessNew"/>
+    <dgm:cxn modelId="{D0DFA1AE-6769-624E-A8FE-46157E349571}" type="presParOf" srcId="{A535275C-05AC-2144-935E-87EC8857657D}" destId="{54FEC2BD-D24A-AA40-B38D-2646F038310A}" srcOrd="0" destOrd="0" presId="urn:microsoft.com/office/officeart/2016/7/layout/RepeatingBendingProcessNew"/>
+    <dgm:cxn modelId="{CD5EC0D1-0A7D-7F40-9F96-531453A11542}" type="presParOf" srcId="{844D3290-5D8B-1A47-860C-D42782281C9F}" destId="{FF1B6075-20BE-8041-9D48-068A41D147C2}" srcOrd="2" destOrd="0" presId="urn:microsoft.com/office/officeart/2016/7/layout/RepeatingBendingProcessNew"/>
+    <dgm:cxn modelId="{A29180DE-AE03-1748-A840-49E1DBB2C1B0}" type="presParOf" srcId="{844D3290-5D8B-1A47-860C-D42782281C9F}" destId="{2DDB006D-B162-F14E-AB28-339BE9C76FE9}" srcOrd="3" destOrd="0" presId="urn:microsoft.com/office/officeart/2016/7/layout/RepeatingBendingProcessNew"/>
+    <dgm:cxn modelId="{52117053-B37C-4A4F-9976-18029FC87F91}" type="presParOf" srcId="{2DDB006D-B162-F14E-AB28-339BE9C76FE9}" destId="{CB9E88FE-FD64-CA4C-B60B-565187C142A5}" srcOrd="0" destOrd="0" presId="urn:microsoft.com/office/officeart/2016/7/layout/RepeatingBendingProcessNew"/>
+    <dgm:cxn modelId="{FC1859FB-39D8-1447-87EF-6380D290AA5E}" type="presParOf" srcId="{844D3290-5D8B-1A47-860C-D42782281C9F}" destId="{1D196741-BD0A-384B-A625-13E5FE891F28}" srcOrd="4" destOrd="0" presId="urn:microsoft.com/office/officeart/2016/7/layout/RepeatingBendingProcessNew"/>
+    <dgm:cxn modelId="{843EE0E5-5498-114A-AD72-E725C82934DC}" type="presParOf" srcId="{844D3290-5D8B-1A47-860C-D42782281C9F}" destId="{9F9BE849-7587-8441-974C-6AD7F81075BC}" srcOrd="5" destOrd="0" presId="urn:microsoft.com/office/officeart/2016/7/layout/RepeatingBendingProcessNew"/>
+    <dgm:cxn modelId="{F7134810-0861-F141-ADCF-CBC71C984CC0}" type="presParOf" srcId="{9F9BE849-7587-8441-974C-6AD7F81075BC}" destId="{8A4CF893-0D02-3A48-B875-D94767E1D03A}" srcOrd="0" destOrd="0" presId="urn:microsoft.com/office/officeart/2016/7/layout/RepeatingBendingProcessNew"/>
+    <dgm:cxn modelId="{EF4186B0-D60E-784A-9665-F210948775FF}" type="presParOf" srcId="{844D3290-5D8B-1A47-860C-D42782281C9F}" destId="{BF4F884F-4A6C-0244-85AA-95B9B116FEAE}" srcOrd="6" destOrd="0" presId="urn:microsoft.com/office/officeart/2016/7/layout/RepeatingBendingProcessNew"/>
+  </dgm:cxnLst>
+  <dgm:bg/>
+  <dgm:whole/>
+  <dgm:extLst>
+    <a:ext uri="http://schemas.microsoft.com/office/drawing/2008/diagram">
+      <dsp:dataModelExt xmlns:dsp="http://schemas.microsoft.com/office/drawing/2008/diagram" relId="rId8" minVer="http://schemas.openxmlformats.org/drawingml/2006/diagram"/>
+    </a:ext>
+  </dgm:extLst>
+</dgm:dataModel>
+</file>
+
+<file path=ppt/diagrams/drawing1.xml><?xml version="1.0" encoding="utf-8"?>
+<dsp:drawing xmlns:dgm="http://schemas.openxmlformats.org/drawingml/2006/diagram" xmlns:dsp="http://schemas.microsoft.com/office/drawing/2008/diagram" xmlns:a="http://schemas.openxmlformats.org/drawingml/2006/main">
+  <dsp:spTree>
+    <dsp:nvGrpSpPr>
+      <dsp:cNvPr id="0" name=""/>
+      <dsp:cNvGrpSpPr/>
+    </dsp:nvGrpSpPr>
+    <dsp:grpSpPr/>
+    <dsp:sp modelId="{CF32DE68-7948-7B46-ABFF-9A959F41B3E2}">
+      <dsp:nvSpPr>
+        <dsp:cNvPr id="0" name=""/>
+        <dsp:cNvSpPr/>
+      </dsp:nvSpPr>
+      <dsp:spPr>
+        <a:xfrm>
+          <a:off x="2805586" y="655593"/>
+          <a:ext cx="506189" cy="91440"/>
+        </a:xfrm>
+        <a:custGeom>
+          <a:avLst/>
+          <a:gdLst/>
+          <a:ahLst/>
+          <a:cxnLst/>
+          <a:rect l="0" t="0" r="0" b="0"/>
+          <a:pathLst>
+            <a:path>
+              <a:moveTo>
+                <a:pt x="0" y="45720"/>
+              </a:moveTo>
+              <a:lnTo>
+                <a:pt x="506189" y="45720"/>
+              </a:lnTo>
+            </a:path>
+          </a:pathLst>
+        </a:custGeom>
+        <a:noFill/>
+        <a:ln w="6350" cap="flat" cmpd="sng" algn="ctr">
+          <a:solidFill>
+            <a:schemeClr val="accent2">
+              <a:hueOff val="0"/>
+              <a:satOff val="0"/>
+              <a:lumOff val="0"/>
+              <a:alphaOff val="0"/>
+            </a:schemeClr>
+          </a:solidFill>
+          <a:prstDash val="solid"/>
+          <a:tailEnd type="arrow"/>
+        </a:ln>
+        <a:effectLst/>
+      </dsp:spPr>
+      <dsp:style>
+        <a:lnRef idx="1">
+          <a:scrgbClr r="0" g="0" b="0"/>
+        </a:lnRef>
+        <a:fillRef idx="0">
+          <a:scrgbClr r="0" g="0" b="0"/>
+        </a:fillRef>
+        <a:effectRef idx="0">
+          <a:scrgbClr r="0" g="0" b="0"/>
+        </a:effectRef>
+        <a:fontRef idx="minor"/>
+      </dsp:style>
+      <dsp:txBody>
+        <a:bodyPr spcFirstLastPara="0" vert="horz" wrap="square" lIns="12700" tIns="0" rIns="12700" bIns="0" numCol="1" spcCol="1270" anchor="ctr" anchorCtr="0">
+          <a:noAutofit/>
+        </a:bodyPr>
+        <a:lstStyle/>
+        <a:p>
+          <a:pPr marL="0" lvl="0" indent="0" algn="ctr" defTabSz="222250">
+            <a:lnSpc>
+              <a:spcPct val="90000"/>
+            </a:lnSpc>
+            <a:spcBef>
+              <a:spcPct val="0"/>
+            </a:spcBef>
+            <a:spcAft>
+              <a:spcPct val="35000"/>
+            </a:spcAft>
+            <a:buNone/>
+          </a:pPr>
+          <a:endParaRPr lang="en-US" sz="500" kern="1200"/>
+        </a:p>
+      </dsp:txBody>
+      <dsp:txXfrm>
+        <a:off x="3045261" y="698629"/>
+        <a:ext cx="26839" cy="5367"/>
+      </dsp:txXfrm>
+    </dsp:sp>
+    <dsp:sp modelId="{8503FEBC-0561-224A-829F-666EEA10CAE2}">
+      <dsp:nvSpPr>
+        <dsp:cNvPr id="0" name=""/>
+        <dsp:cNvSpPr/>
+      </dsp:nvSpPr>
+      <dsp:spPr>
+        <a:xfrm>
+          <a:off x="473517" y="1152"/>
+          <a:ext cx="2333869" cy="1400321"/>
+        </a:xfrm>
+        <a:prstGeom prst="rect">
+          <a:avLst/>
+        </a:prstGeom>
+        <a:gradFill rotWithShape="0">
+          <a:gsLst>
+            <a:gs pos="0">
+              <a:schemeClr val="accent2">
+                <a:hueOff val="0"/>
+                <a:satOff val="0"/>
+                <a:lumOff val="0"/>
+                <a:alphaOff val="0"/>
+                <a:tint val="97000"/>
+                <a:satMod val="100000"/>
+                <a:lumMod val="102000"/>
+              </a:schemeClr>
+            </a:gs>
+            <a:gs pos="50000">
+              <a:schemeClr val="accent2">
+                <a:hueOff val="0"/>
+                <a:satOff val="0"/>
+                <a:lumOff val="0"/>
+                <a:alphaOff val="0"/>
+                <a:shade val="100000"/>
+                <a:satMod val="103000"/>
+                <a:lumMod val="100000"/>
+              </a:schemeClr>
+            </a:gs>
+            <a:gs pos="100000">
+              <a:schemeClr val="accent2">
+                <a:hueOff val="0"/>
+                <a:satOff val="0"/>
+                <a:lumOff val="0"/>
+                <a:alphaOff val="0"/>
+                <a:shade val="93000"/>
+                <a:satMod val="110000"/>
+                <a:lumMod val="99000"/>
+              </a:schemeClr>
+            </a:gs>
+          </a:gsLst>
+          <a:lin ang="5400000" scaled="0"/>
+        </a:gradFill>
+        <a:ln>
+          <a:noFill/>
+        </a:ln>
+        <a:effectLst>
+          <a:outerShdw blurRad="55880" dist="15240" dir="5400000" algn="ctr" rotWithShape="0">
+            <a:srgbClr val="000000">
+              <a:alpha val="45000"/>
+            </a:srgbClr>
+          </a:outerShdw>
+        </a:effectLst>
+        <a:scene3d>
+          <a:camera prst="orthographicFront">
+            <a:rot lat="0" lon="0" rev="0"/>
+          </a:camera>
+          <a:lightRig rig="brightRoom" dir="tl"/>
+        </a:scene3d>
+        <a:sp3d prstMaterial="dkEdge">
+          <a:bevelT w="0" h="0"/>
+        </a:sp3d>
+      </dsp:spPr>
+      <dsp:style>
+        <a:lnRef idx="0">
+          <a:scrgbClr r="0" g="0" b="0"/>
+        </a:lnRef>
+        <a:fillRef idx="3">
+          <a:scrgbClr r="0" g="0" b="0"/>
+        </a:fillRef>
+        <a:effectRef idx="3">
+          <a:scrgbClr r="0" g="0" b="0"/>
+        </a:effectRef>
+        <a:fontRef idx="minor">
+          <a:schemeClr val="lt1"/>
+        </a:fontRef>
+      </dsp:style>
+      <dsp:txBody>
+        <a:bodyPr spcFirstLastPara="0" vert="horz" wrap="square" lIns="114362" tIns="120043" rIns="114362" bIns="120043" numCol="1" spcCol="1270" anchor="ctr" anchorCtr="0">
+          <a:noAutofit/>
+        </a:bodyPr>
+        <a:lstStyle/>
+        <a:p>
+          <a:pPr marL="0" lvl="0" indent="0" algn="ctr" defTabSz="933450">
+            <a:lnSpc>
+              <a:spcPct val="90000"/>
+            </a:lnSpc>
+            <a:spcBef>
+              <a:spcPct val="0"/>
+            </a:spcBef>
+            <a:spcAft>
+              <a:spcPct val="35000"/>
+            </a:spcAft>
+            <a:buNone/>
+          </a:pPr>
+          <a:r>
+            <a:rPr lang="en-US" sz="2100" kern="1200"/>
+            <a:t>Familiar Interface</a:t>
+          </a:r>
+        </a:p>
+      </dsp:txBody>
+      <dsp:txXfrm>
+        <a:off x="473517" y="1152"/>
+        <a:ext cx="2333869" cy="1400321"/>
+      </dsp:txXfrm>
+    </dsp:sp>
+    <dsp:sp modelId="{52069AC5-A38A-5B43-9704-A26F79658E9F}">
+      <dsp:nvSpPr>
+        <dsp:cNvPr id="0" name=""/>
+        <dsp:cNvSpPr/>
+      </dsp:nvSpPr>
+      <dsp:spPr>
+        <a:xfrm>
+          <a:off x="1640451" y="1399674"/>
+          <a:ext cx="2870659" cy="506189"/>
+        </a:xfrm>
+        <a:custGeom>
+          <a:avLst/>
+          <a:gdLst/>
+          <a:ahLst/>
+          <a:cxnLst/>
+          <a:rect l="0" t="0" r="0" b="0"/>
+          <a:pathLst>
+            <a:path>
+              <a:moveTo>
+                <a:pt x="2870659" y="0"/>
+              </a:moveTo>
+              <a:lnTo>
+                <a:pt x="2870659" y="270194"/>
+              </a:lnTo>
+              <a:lnTo>
+                <a:pt x="0" y="270194"/>
+              </a:lnTo>
+              <a:lnTo>
+                <a:pt x="0" y="506189"/>
+              </a:lnTo>
+            </a:path>
+          </a:pathLst>
+        </a:custGeom>
+        <a:noFill/>
+        <a:ln w="6350" cap="flat" cmpd="sng" algn="ctr">
+          <a:solidFill>
+            <a:schemeClr val="accent2">
+              <a:hueOff val="-2587972"/>
+              <a:satOff val="11465"/>
+              <a:lumOff val="-4216"/>
+              <a:alphaOff val="0"/>
+            </a:schemeClr>
+          </a:solidFill>
+          <a:prstDash val="solid"/>
+          <a:tailEnd type="arrow"/>
+        </a:ln>
+        <a:effectLst/>
+      </dsp:spPr>
+      <dsp:style>
+        <a:lnRef idx="1">
+          <a:scrgbClr r="0" g="0" b="0"/>
+        </a:lnRef>
+        <a:fillRef idx="0">
+          <a:scrgbClr r="0" g="0" b="0"/>
+        </a:fillRef>
+        <a:effectRef idx="0">
+          <a:scrgbClr r="0" g="0" b="0"/>
+        </a:effectRef>
+        <a:fontRef idx="minor"/>
+      </dsp:style>
+      <dsp:txBody>
+        <a:bodyPr spcFirstLastPara="0" vert="horz" wrap="square" lIns="12700" tIns="0" rIns="12700" bIns="0" numCol="1" spcCol="1270" anchor="ctr" anchorCtr="0">
+          <a:noAutofit/>
+        </a:bodyPr>
+        <a:lstStyle/>
+        <a:p>
+          <a:pPr marL="0" lvl="0" indent="0" algn="ctr" defTabSz="222250">
+            <a:lnSpc>
+              <a:spcPct val="90000"/>
+            </a:lnSpc>
+            <a:spcBef>
+              <a:spcPct val="0"/>
+            </a:spcBef>
+            <a:spcAft>
+              <a:spcPct val="35000"/>
+            </a:spcAft>
+            <a:buNone/>
+          </a:pPr>
+          <a:endParaRPr lang="en-US" sz="500" kern="1200"/>
+        </a:p>
+      </dsp:txBody>
+      <dsp:txXfrm>
+        <a:off x="3002771" y="1650085"/>
+        <a:ext cx="146020" cy="5367"/>
+      </dsp:txXfrm>
+    </dsp:sp>
+    <dsp:sp modelId="{43D4991E-48C7-B149-A551-A34FD42B301D}">
+      <dsp:nvSpPr>
+        <dsp:cNvPr id="0" name=""/>
+        <dsp:cNvSpPr/>
+      </dsp:nvSpPr>
+      <dsp:spPr>
+        <a:xfrm>
+          <a:off x="3344176" y="1152"/>
+          <a:ext cx="2333869" cy="1400321"/>
+        </a:xfrm>
+        <a:prstGeom prst="rect">
+          <a:avLst/>
+        </a:prstGeom>
+        <a:gradFill rotWithShape="0">
+          <a:gsLst>
+            <a:gs pos="0">
+              <a:schemeClr val="accent2">
+                <a:hueOff val="-2070378"/>
+                <a:satOff val="9172"/>
+                <a:lumOff val="-3373"/>
+                <a:alphaOff val="0"/>
+                <a:tint val="97000"/>
+                <a:satMod val="100000"/>
+                <a:lumMod val="102000"/>
+              </a:schemeClr>
+            </a:gs>
+            <a:gs pos="50000">
+              <a:schemeClr val="accent2">
+                <a:hueOff val="-2070378"/>
+                <a:satOff val="9172"/>
+                <a:lumOff val="-3373"/>
+                <a:alphaOff val="0"/>
+                <a:shade val="100000"/>
+                <a:satMod val="103000"/>
+                <a:lumMod val="100000"/>
+              </a:schemeClr>
+            </a:gs>
+            <a:gs pos="100000">
+              <a:schemeClr val="accent2">
+                <a:hueOff val="-2070378"/>
+                <a:satOff val="9172"/>
+                <a:lumOff val="-3373"/>
+                <a:alphaOff val="0"/>
+                <a:shade val="93000"/>
+                <a:satMod val="110000"/>
+                <a:lumMod val="99000"/>
+              </a:schemeClr>
+            </a:gs>
+          </a:gsLst>
+          <a:lin ang="5400000" scaled="0"/>
+        </a:gradFill>
+        <a:ln>
+          <a:noFill/>
+        </a:ln>
+        <a:effectLst>
+          <a:outerShdw blurRad="55880" dist="15240" dir="5400000" algn="ctr" rotWithShape="0">
+            <a:srgbClr val="000000">
+              <a:alpha val="45000"/>
+            </a:srgbClr>
+          </a:outerShdw>
+        </a:effectLst>
+        <a:scene3d>
+          <a:camera prst="orthographicFront">
+            <a:rot lat="0" lon="0" rev="0"/>
+          </a:camera>
+          <a:lightRig rig="brightRoom" dir="tl"/>
+        </a:scene3d>
+        <a:sp3d prstMaterial="dkEdge">
+          <a:bevelT w="0" h="0"/>
+        </a:sp3d>
+      </dsp:spPr>
+      <dsp:style>
+        <a:lnRef idx="0">
+          <a:scrgbClr r="0" g="0" b="0"/>
+        </a:lnRef>
+        <a:fillRef idx="3">
+          <a:scrgbClr r="0" g="0" b="0"/>
+        </a:fillRef>
+        <a:effectRef idx="3">
+          <a:scrgbClr r="0" g="0" b="0"/>
+        </a:effectRef>
+        <a:fontRef idx="minor">
+          <a:schemeClr val="lt1"/>
+        </a:fontRef>
+      </dsp:style>
+      <dsp:txBody>
+        <a:bodyPr spcFirstLastPara="0" vert="horz" wrap="square" lIns="114362" tIns="120043" rIns="114362" bIns="120043" numCol="1" spcCol="1270" anchor="ctr" anchorCtr="0">
+          <a:noAutofit/>
+        </a:bodyPr>
+        <a:lstStyle/>
+        <a:p>
+          <a:pPr marL="0" lvl="0" indent="0" algn="ctr" defTabSz="933450">
+            <a:lnSpc>
+              <a:spcPct val="90000"/>
+            </a:lnSpc>
+            <a:spcBef>
+              <a:spcPct val="0"/>
+            </a:spcBef>
+            <a:spcAft>
+              <a:spcPct val="35000"/>
+            </a:spcAft>
+            <a:buNone/>
+          </a:pPr>
+          <a:r>
+            <a:rPr lang="en-US" sz="2100" kern="1200"/>
+            <a:t>Isolation – each machine runs on its own resources</a:t>
+          </a:r>
+        </a:p>
+      </dsp:txBody>
+      <dsp:txXfrm>
+        <a:off x="3344176" y="1152"/>
+        <a:ext cx="2333869" cy="1400321"/>
+      </dsp:txXfrm>
+    </dsp:sp>
+    <dsp:sp modelId="{DE9992EA-BDA7-9844-A50D-CBC98403A8AB}">
+      <dsp:nvSpPr>
+        <dsp:cNvPr id="0" name=""/>
+        <dsp:cNvSpPr/>
+      </dsp:nvSpPr>
+      <dsp:spPr>
+        <a:xfrm>
+          <a:off x="2805586" y="2592705"/>
+          <a:ext cx="506189" cy="91440"/>
+        </a:xfrm>
+        <a:custGeom>
+          <a:avLst/>
+          <a:gdLst/>
+          <a:ahLst/>
+          <a:cxnLst/>
+          <a:rect l="0" t="0" r="0" b="0"/>
+          <a:pathLst>
+            <a:path>
+              <a:moveTo>
+                <a:pt x="0" y="45720"/>
+              </a:moveTo>
+              <a:lnTo>
+                <a:pt x="506189" y="45720"/>
+              </a:lnTo>
+            </a:path>
+          </a:pathLst>
+        </a:custGeom>
+        <a:noFill/>
+        <a:ln w="6350" cap="flat" cmpd="sng" algn="ctr">
+          <a:solidFill>
+            <a:schemeClr val="accent2">
+              <a:hueOff val="-5175944"/>
+              <a:satOff val="22930"/>
+              <a:lumOff val="-8432"/>
+              <a:alphaOff val="0"/>
+            </a:schemeClr>
+          </a:solidFill>
+          <a:prstDash val="solid"/>
+          <a:tailEnd type="arrow"/>
+        </a:ln>
+        <a:effectLst/>
+      </dsp:spPr>
+      <dsp:style>
+        <a:lnRef idx="1">
+          <a:scrgbClr r="0" g="0" b="0"/>
+        </a:lnRef>
+        <a:fillRef idx="0">
+          <a:scrgbClr r="0" g="0" b="0"/>
+        </a:fillRef>
+        <a:effectRef idx="0">
+          <a:scrgbClr r="0" g="0" b="0"/>
+        </a:effectRef>
+        <a:fontRef idx="minor"/>
+      </dsp:style>
+      <dsp:txBody>
+        <a:bodyPr spcFirstLastPara="0" vert="horz" wrap="square" lIns="12700" tIns="0" rIns="12700" bIns="0" numCol="1" spcCol="1270" anchor="ctr" anchorCtr="0">
+          <a:noAutofit/>
+        </a:bodyPr>
+        <a:lstStyle/>
+        <a:p>
+          <a:pPr marL="0" lvl="0" indent="0" algn="ctr" defTabSz="222250">
+            <a:lnSpc>
+              <a:spcPct val="90000"/>
+            </a:lnSpc>
+            <a:spcBef>
+              <a:spcPct val="0"/>
+            </a:spcBef>
+            <a:spcAft>
+              <a:spcPct val="35000"/>
+            </a:spcAft>
+            <a:buNone/>
+          </a:pPr>
+          <a:endParaRPr lang="en-US" sz="500" kern="1200"/>
+        </a:p>
+      </dsp:txBody>
+      <dsp:txXfrm>
+        <a:off x="3045261" y="2635741"/>
+        <a:ext cx="26839" cy="5367"/>
+      </dsp:txXfrm>
+    </dsp:sp>
+    <dsp:sp modelId="{C18E0287-49DC-424C-B1ED-B12C615F1EDF}">
+      <dsp:nvSpPr>
+        <dsp:cNvPr id="0" name=""/>
+        <dsp:cNvSpPr/>
+      </dsp:nvSpPr>
+      <dsp:spPr>
+        <a:xfrm>
+          <a:off x="473517" y="1938264"/>
+          <a:ext cx="2333869" cy="1400321"/>
+        </a:xfrm>
+        <a:prstGeom prst="rect">
+          <a:avLst/>
+        </a:prstGeom>
+        <a:gradFill rotWithShape="0">
+          <a:gsLst>
+            <a:gs pos="0">
+              <a:schemeClr val="accent2">
+                <a:hueOff val="-4140755"/>
+                <a:satOff val="18344"/>
+                <a:lumOff val="-6746"/>
+                <a:alphaOff val="0"/>
+                <a:tint val="97000"/>
+                <a:satMod val="100000"/>
+                <a:lumMod val="102000"/>
+              </a:schemeClr>
+            </a:gs>
+            <a:gs pos="50000">
+              <a:schemeClr val="accent2">
+                <a:hueOff val="-4140755"/>
+                <a:satOff val="18344"/>
+                <a:lumOff val="-6746"/>
+                <a:alphaOff val="0"/>
+                <a:shade val="100000"/>
+                <a:satMod val="103000"/>
+                <a:lumMod val="100000"/>
+              </a:schemeClr>
+            </a:gs>
+            <a:gs pos="100000">
+              <a:schemeClr val="accent2">
+                <a:hueOff val="-4140755"/>
+                <a:satOff val="18344"/>
+                <a:lumOff val="-6746"/>
+                <a:alphaOff val="0"/>
+                <a:shade val="93000"/>
+                <a:satMod val="110000"/>
+                <a:lumMod val="99000"/>
+              </a:schemeClr>
+            </a:gs>
+          </a:gsLst>
+          <a:lin ang="5400000" scaled="0"/>
+        </a:gradFill>
+        <a:ln>
+          <a:noFill/>
+        </a:ln>
+        <a:effectLst>
+          <a:outerShdw blurRad="55880" dist="15240" dir="5400000" algn="ctr" rotWithShape="0">
+            <a:srgbClr val="000000">
+              <a:alpha val="45000"/>
+            </a:srgbClr>
+          </a:outerShdw>
+        </a:effectLst>
+        <a:scene3d>
+          <a:camera prst="orthographicFront">
+            <a:rot lat="0" lon="0" rev="0"/>
+          </a:camera>
+          <a:lightRig rig="brightRoom" dir="tl"/>
+        </a:scene3d>
+        <a:sp3d prstMaterial="dkEdge">
+          <a:bevelT w="0" h="0"/>
+        </a:sp3d>
+      </dsp:spPr>
+      <dsp:style>
+        <a:lnRef idx="0">
+          <a:scrgbClr r="0" g="0" b="0"/>
+        </a:lnRef>
+        <a:fillRef idx="3">
+          <a:scrgbClr r="0" g="0" b="0"/>
+        </a:fillRef>
+        <a:effectRef idx="3">
+          <a:scrgbClr r="0" g="0" b="0"/>
+        </a:effectRef>
+        <a:fontRef idx="minor">
+          <a:schemeClr val="lt1"/>
+        </a:fontRef>
+      </dsp:style>
+      <dsp:txBody>
+        <a:bodyPr spcFirstLastPara="0" vert="horz" wrap="square" lIns="114362" tIns="120043" rIns="114362" bIns="120043" numCol="1" spcCol="1270" anchor="ctr" anchorCtr="0">
+          <a:noAutofit/>
+        </a:bodyPr>
+        <a:lstStyle/>
+        <a:p>
+          <a:pPr marL="0" lvl="0" indent="0" algn="ctr" defTabSz="933450">
+            <a:lnSpc>
+              <a:spcPct val="90000"/>
+            </a:lnSpc>
+            <a:spcBef>
+              <a:spcPct val="0"/>
+            </a:spcBef>
+            <a:spcAft>
+              <a:spcPct val="35000"/>
+            </a:spcAft>
+            <a:buNone/>
+          </a:pPr>
+          <a:r>
+            <a:rPr lang="en-US" sz="2100" kern="1200"/>
+            <a:t>High Availability – if one machine fails, spin up another</a:t>
+          </a:r>
+        </a:p>
+      </dsp:txBody>
+      <dsp:txXfrm>
+        <a:off x="473517" y="1938264"/>
+        <a:ext cx="2333869" cy="1400321"/>
+      </dsp:txXfrm>
+    </dsp:sp>
+    <dsp:sp modelId="{3FEA33DD-04D1-164D-B63C-4F0C928A3A25}">
+      <dsp:nvSpPr>
+        <dsp:cNvPr id="0" name=""/>
+        <dsp:cNvSpPr/>
+      </dsp:nvSpPr>
+      <dsp:spPr>
+        <a:xfrm>
+          <a:off x="1640451" y="3336785"/>
+          <a:ext cx="2870659" cy="506189"/>
+        </a:xfrm>
+        <a:custGeom>
+          <a:avLst/>
+          <a:gdLst/>
+          <a:ahLst/>
+          <a:cxnLst/>
+          <a:rect l="0" t="0" r="0" b="0"/>
+          <a:pathLst>
+            <a:path>
+              <a:moveTo>
+                <a:pt x="2870659" y="0"/>
+              </a:moveTo>
+              <a:lnTo>
+                <a:pt x="2870659" y="270194"/>
+              </a:lnTo>
+              <a:lnTo>
+                <a:pt x="0" y="270194"/>
+              </a:lnTo>
+              <a:lnTo>
+                <a:pt x="0" y="506189"/>
+              </a:lnTo>
+            </a:path>
+          </a:pathLst>
+        </a:custGeom>
+        <a:noFill/>
+        <a:ln w="6350" cap="flat" cmpd="sng" algn="ctr">
+          <a:solidFill>
+            <a:schemeClr val="accent2">
+              <a:hueOff val="-7763915"/>
+              <a:satOff val="34394"/>
+              <a:lumOff val="-12648"/>
+              <a:alphaOff val="0"/>
+            </a:schemeClr>
+          </a:solidFill>
+          <a:prstDash val="solid"/>
+          <a:tailEnd type="arrow"/>
+        </a:ln>
+        <a:effectLst/>
+      </dsp:spPr>
+      <dsp:style>
+        <a:lnRef idx="1">
+          <a:scrgbClr r="0" g="0" b="0"/>
+        </a:lnRef>
+        <a:fillRef idx="0">
+          <a:scrgbClr r="0" g="0" b="0"/>
+        </a:fillRef>
+        <a:effectRef idx="0">
+          <a:scrgbClr r="0" g="0" b="0"/>
+        </a:effectRef>
+        <a:fontRef idx="minor"/>
+      </dsp:style>
+      <dsp:txBody>
+        <a:bodyPr spcFirstLastPara="0" vert="horz" wrap="square" lIns="12700" tIns="0" rIns="12700" bIns="0" numCol="1" spcCol="1270" anchor="ctr" anchorCtr="0">
+          <a:noAutofit/>
+        </a:bodyPr>
+        <a:lstStyle/>
+        <a:p>
+          <a:pPr marL="0" lvl="0" indent="0" algn="ctr" defTabSz="222250">
+            <a:lnSpc>
+              <a:spcPct val="90000"/>
+            </a:lnSpc>
+            <a:spcBef>
+              <a:spcPct val="0"/>
+            </a:spcBef>
+            <a:spcAft>
+              <a:spcPct val="35000"/>
+            </a:spcAft>
+            <a:buNone/>
+          </a:pPr>
+          <a:endParaRPr lang="en-US" sz="500" kern="1200"/>
+        </a:p>
+      </dsp:txBody>
+      <dsp:txXfrm>
+        <a:off x="3002771" y="3587196"/>
+        <a:ext cx="146020" cy="5367"/>
+      </dsp:txXfrm>
+    </dsp:sp>
+    <dsp:sp modelId="{8EC1A4EC-F231-974E-B16E-03CB9C179849}">
+      <dsp:nvSpPr>
+        <dsp:cNvPr id="0" name=""/>
+        <dsp:cNvSpPr/>
+      </dsp:nvSpPr>
+      <dsp:spPr>
+        <a:xfrm>
+          <a:off x="3344176" y="1938264"/>
+          <a:ext cx="2333869" cy="1400321"/>
+        </a:xfrm>
+        <a:prstGeom prst="rect">
+          <a:avLst/>
+        </a:prstGeom>
+        <a:gradFill rotWithShape="0">
+          <a:gsLst>
+            <a:gs pos="0">
+              <a:schemeClr val="accent2">
+                <a:hueOff val="-6211133"/>
+                <a:satOff val="27515"/>
+                <a:lumOff val="-10118"/>
+                <a:alphaOff val="0"/>
+                <a:tint val="97000"/>
+                <a:satMod val="100000"/>
+                <a:lumMod val="102000"/>
+              </a:schemeClr>
+            </a:gs>
+            <a:gs pos="50000">
+              <a:schemeClr val="accent2">
+                <a:hueOff val="-6211133"/>
+                <a:satOff val="27515"/>
+                <a:lumOff val="-10118"/>
+                <a:alphaOff val="0"/>
+                <a:shade val="100000"/>
+                <a:satMod val="103000"/>
+                <a:lumMod val="100000"/>
+              </a:schemeClr>
+            </a:gs>
+            <a:gs pos="100000">
+              <a:schemeClr val="accent2">
+                <a:hueOff val="-6211133"/>
+                <a:satOff val="27515"/>
+                <a:lumOff val="-10118"/>
+                <a:alphaOff val="0"/>
+                <a:shade val="93000"/>
+                <a:satMod val="110000"/>
+                <a:lumMod val="99000"/>
+              </a:schemeClr>
+            </a:gs>
+          </a:gsLst>
+          <a:lin ang="5400000" scaled="0"/>
+        </a:gradFill>
+        <a:ln>
+          <a:noFill/>
+        </a:ln>
+        <a:effectLst>
+          <a:outerShdw blurRad="55880" dist="15240" dir="5400000" algn="ctr" rotWithShape="0">
+            <a:srgbClr val="000000">
+              <a:alpha val="45000"/>
+            </a:srgbClr>
+          </a:outerShdw>
+        </a:effectLst>
+        <a:scene3d>
+          <a:camera prst="orthographicFront">
+            <a:rot lat="0" lon="0" rev="0"/>
+          </a:camera>
+          <a:lightRig rig="brightRoom" dir="tl"/>
+        </a:scene3d>
+        <a:sp3d prstMaterial="dkEdge">
+          <a:bevelT w="0" h="0"/>
+        </a:sp3d>
+      </dsp:spPr>
+      <dsp:style>
+        <a:lnRef idx="0">
+          <a:scrgbClr r="0" g="0" b="0"/>
+        </a:lnRef>
+        <a:fillRef idx="3">
+          <a:scrgbClr r="0" g="0" b="0"/>
+        </a:fillRef>
+        <a:effectRef idx="3">
+          <a:scrgbClr r="0" g="0" b="0"/>
+        </a:effectRef>
+        <a:fontRef idx="minor">
+          <a:schemeClr val="lt1"/>
+        </a:fontRef>
+      </dsp:style>
+      <dsp:txBody>
+        <a:bodyPr spcFirstLastPara="0" vert="horz" wrap="square" lIns="114362" tIns="120043" rIns="114362" bIns="120043" numCol="1" spcCol="1270" anchor="ctr" anchorCtr="0">
+          <a:noAutofit/>
+        </a:bodyPr>
+        <a:lstStyle/>
+        <a:p>
+          <a:pPr marL="0" lvl="0" indent="0" algn="ctr" defTabSz="933450">
+            <a:lnSpc>
+              <a:spcPct val="90000"/>
+            </a:lnSpc>
+            <a:spcBef>
+              <a:spcPct val="0"/>
+            </a:spcBef>
+            <a:spcAft>
+              <a:spcPct val="35000"/>
+            </a:spcAft>
+            <a:buNone/>
+          </a:pPr>
+          <a:r>
+            <a:rPr lang="en-US" sz="2100" kern="1200"/>
+            <a:t>Scalablity – add or remove machines as needed</a:t>
+          </a:r>
+        </a:p>
+      </dsp:txBody>
+      <dsp:txXfrm>
+        <a:off x="3344176" y="1938264"/>
+        <a:ext cx="2333869" cy="1400321"/>
+      </dsp:txXfrm>
+    </dsp:sp>
+    <dsp:sp modelId="{B642D821-BE3C-434E-9729-10B29DA7C3DB}">
+      <dsp:nvSpPr>
+        <dsp:cNvPr id="0" name=""/>
+        <dsp:cNvSpPr/>
+      </dsp:nvSpPr>
+      <dsp:spPr>
+        <a:xfrm>
+          <a:off x="2805586" y="4529816"/>
+          <a:ext cx="506189" cy="91440"/>
+        </a:xfrm>
+        <a:custGeom>
+          <a:avLst/>
+          <a:gdLst/>
+          <a:ahLst/>
+          <a:cxnLst/>
+          <a:rect l="0" t="0" r="0" b="0"/>
+          <a:pathLst>
+            <a:path>
+              <a:moveTo>
+                <a:pt x="0" y="45720"/>
+              </a:moveTo>
+              <a:lnTo>
+                <a:pt x="506189" y="45720"/>
+              </a:lnTo>
+            </a:path>
+          </a:pathLst>
+        </a:custGeom>
+        <a:noFill/>
+        <a:ln w="6350" cap="flat" cmpd="sng" algn="ctr">
+          <a:solidFill>
+            <a:schemeClr val="accent2">
+              <a:hueOff val="-10351888"/>
+              <a:satOff val="45859"/>
+              <a:lumOff val="-16864"/>
+              <a:alphaOff val="0"/>
+            </a:schemeClr>
+          </a:solidFill>
+          <a:prstDash val="solid"/>
+          <a:tailEnd type="arrow"/>
+        </a:ln>
+        <a:effectLst/>
+      </dsp:spPr>
+      <dsp:style>
+        <a:lnRef idx="1">
+          <a:scrgbClr r="0" g="0" b="0"/>
+        </a:lnRef>
+        <a:fillRef idx="0">
+          <a:scrgbClr r="0" g="0" b="0"/>
+        </a:fillRef>
+        <a:effectRef idx="0">
+          <a:scrgbClr r="0" g="0" b="0"/>
+        </a:effectRef>
+        <a:fontRef idx="minor"/>
+      </dsp:style>
+      <dsp:txBody>
+        <a:bodyPr spcFirstLastPara="0" vert="horz" wrap="square" lIns="12700" tIns="0" rIns="12700" bIns="0" numCol="1" spcCol="1270" anchor="ctr" anchorCtr="0">
+          <a:noAutofit/>
+        </a:bodyPr>
+        <a:lstStyle/>
+        <a:p>
+          <a:pPr marL="0" lvl="0" indent="0" algn="ctr" defTabSz="222250">
+            <a:lnSpc>
+              <a:spcPct val="90000"/>
+            </a:lnSpc>
+            <a:spcBef>
+              <a:spcPct val="0"/>
+            </a:spcBef>
+            <a:spcAft>
+              <a:spcPct val="35000"/>
+            </a:spcAft>
+            <a:buNone/>
+          </a:pPr>
+          <a:endParaRPr lang="en-US" sz="500" kern="1200"/>
+        </a:p>
+      </dsp:txBody>
+      <dsp:txXfrm>
+        <a:off x="3045261" y="4572852"/>
+        <a:ext cx="26839" cy="5367"/>
+      </dsp:txXfrm>
+    </dsp:sp>
+    <dsp:sp modelId="{C237261F-5820-F642-9193-FFF8A6A4E76D}">
+      <dsp:nvSpPr>
+        <dsp:cNvPr id="0" name=""/>
+        <dsp:cNvSpPr/>
+      </dsp:nvSpPr>
+      <dsp:spPr>
+        <a:xfrm>
+          <a:off x="473517" y="3875375"/>
+          <a:ext cx="2333869" cy="1400321"/>
+        </a:xfrm>
+        <a:prstGeom prst="rect">
+          <a:avLst/>
+        </a:prstGeom>
+        <a:gradFill rotWithShape="0">
+          <a:gsLst>
+            <a:gs pos="0">
+              <a:schemeClr val="accent2">
+                <a:hueOff val="-8281511"/>
+                <a:satOff val="36687"/>
+                <a:lumOff val="-13491"/>
+                <a:alphaOff val="0"/>
+                <a:tint val="97000"/>
+                <a:satMod val="100000"/>
+                <a:lumMod val="102000"/>
+              </a:schemeClr>
+            </a:gs>
+            <a:gs pos="50000">
+              <a:schemeClr val="accent2">
+                <a:hueOff val="-8281511"/>
+                <a:satOff val="36687"/>
+                <a:lumOff val="-13491"/>
+                <a:alphaOff val="0"/>
+                <a:shade val="100000"/>
+                <a:satMod val="103000"/>
+                <a:lumMod val="100000"/>
+              </a:schemeClr>
+            </a:gs>
+            <a:gs pos="100000">
+              <a:schemeClr val="accent2">
+                <a:hueOff val="-8281511"/>
+                <a:satOff val="36687"/>
+                <a:lumOff val="-13491"/>
+                <a:alphaOff val="0"/>
+                <a:shade val="93000"/>
+                <a:satMod val="110000"/>
+                <a:lumMod val="99000"/>
+              </a:schemeClr>
+            </a:gs>
+          </a:gsLst>
+          <a:lin ang="5400000" scaled="0"/>
+        </a:gradFill>
+        <a:ln>
+          <a:noFill/>
+        </a:ln>
+        <a:effectLst>
+          <a:outerShdw blurRad="55880" dist="15240" dir="5400000" algn="ctr" rotWithShape="0">
+            <a:srgbClr val="000000">
+              <a:alpha val="45000"/>
+            </a:srgbClr>
+          </a:outerShdw>
+        </a:effectLst>
+        <a:scene3d>
+          <a:camera prst="orthographicFront">
+            <a:rot lat="0" lon="0" rev="0"/>
+          </a:camera>
+          <a:lightRig rig="brightRoom" dir="tl"/>
+        </a:scene3d>
+        <a:sp3d prstMaterial="dkEdge">
+          <a:bevelT w="0" h="0"/>
+        </a:sp3d>
+      </dsp:spPr>
+      <dsp:style>
+        <a:lnRef idx="0">
+          <a:scrgbClr r="0" g="0" b="0"/>
+        </a:lnRef>
+        <a:fillRef idx="3">
+          <a:scrgbClr r="0" g="0" b="0"/>
+        </a:fillRef>
+        <a:effectRef idx="3">
+          <a:scrgbClr r="0" g="0" b="0"/>
+        </a:effectRef>
+        <a:fontRef idx="minor">
+          <a:schemeClr val="lt1"/>
+        </a:fontRef>
+      </dsp:style>
+      <dsp:txBody>
+        <a:bodyPr spcFirstLastPara="0" vert="horz" wrap="square" lIns="114362" tIns="120043" rIns="114362" bIns="120043" numCol="1" spcCol="1270" anchor="ctr" anchorCtr="0">
+          <a:noAutofit/>
+        </a:bodyPr>
+        <a:lstStyle/>
+        <a:p>
+          <a:pPr marL="0" lvl="0" indent="0" algn="ctr" defTabSz="933450">
+            <a:lnSpc>
+              <a:spcPct val="90000"/>
+            </a:lnSpc>
+            <a:spcBef>
+              <a:spcPct val="0"/>
+            </a:spcBef>
+            <a:spcAft>
+              <a:spcPct val="35000"/>
+            </a:spcAft>
+            <a:buNone/>
+          </a:pPr>
+          <a:r>
+            <a:rPr lang="en-US" sz="2100" kern="1200"/>
+            <a:t>Backup and fast recovery</a:t>
+          </a:r>
+        </a:p>
+      </dsp:txBody>
+      <dsp:txXfrm>
+        <a:off x="473517" y="3875375"/>
+        <a:ext cx="2333869" cy="1400321"/>
+      </dsp:txXfrm>
+    </dsp:sp>
+    <dsp:sp modelId="{9C28D313-97A8-1948-8581-D18811D7DA89}">
+      <dsp:nvSpPr>
+        <dsp:cNvPr id="0" name=""/>
+        <dsp:cNvSpPr/>
+      </dsp:nvSpPr>
+      <dsp:spPr>
+        <a:xfrm>
+          <a:off x="3344176" y="3875375"/>
+          <a:ext cx="2333869" cy="1400321"/>
+        </a:xfrm>
+        <a:prstGeom prst="rect">
+          <a:avLst/>
+        </a:prstGeom>
+        <a:gradFill rotWithShape="0">
+          <a:gsLst>
+            <a:gs pos="0">
+              <a:schemeClr val="accent2">
+                <a:hueOff val="-10351888"/>
+                <a:satOff val="45859"/>
+                <a:lumOff val="-16864"/>
+                <a:alphaOff val="0"/>
+                <a:tint val="97000"/>
+                <a:satMod val="100000"/>
+                <a:lumMod val="102000"/>
+              </a:schemeClr>
+            </a:gs>
+            <a:gs pos="50000">
+              <a:schemeClr val="accent2">
+                <a:hueOff val="-10351888"/>
+                <a:satOff val="45859"/>
+                <a:lumOff val="-16864"/>
+                <a:alphaOff val="0"/>
+                <a:shade val="100000"/>
+                <a:satMod val="103000"/>
+                <a:lumMod val="100000"/>
+              </a:schemeClr>
+            </a:gs>
+            <a:gs pos="100000">
+              <a:schemeClr val="accent2">
+                <a:hueOff val="-10351888"/>
+                <a:satOff val="45859"/>
+                <a:lumOff val="-16864"/>
+                <a:alphaOff val="0"/>
+                <a:shade val="93000"/>
+                <a:satMod val="110000"/>
+                <a:lumMod val="99000"/>
+              </a:schemeClr>
+            </a:gs>
+          </a:gsLst>
+          <a:lin ang="5400000" scaled="0"/>
+        </a:gradFill>
+        <a:ln>
+          <a:noFill/>
+        </a:ln>
+        <a:effectLst>
+          <a:outerShdw blurRad="55880" dist="15240" dir="5400000" algn="ctr" rotWithShape="0">
+            <a:srgbClr val="000000">
+              <a:alpha val="45000"/>
+            </a:srgbClr>
+          </a:outerShdw>
+        </a:effectLst>
+        <a:scene3d>
+          <a:camera prst="orthographicFront">
+            <a:rot lat="0" lon="0" rev="0"/>
+          </a:camera>
+          <a:lightRig rig="brightRoom" dir="tl"/>
+        </a:scene3d>
+        <a:sp3d prstMaterial="dkEdge">
+          <a:bevelT w="0" h="0"/>
+        </a:sp3d>
+      </dsp:spPr>
+      <dsp:style>
+        <a:lnRef idx="0">
+          <a:scrgbClr r="0" g="0" b="0"/>
+        </a:lnRef>
+        <a:fillRef idx="3">
+          <a:scrgbClr r="0" g="0" b="0"/>
+        </a:fillRef>
+        <a:effectRef idx="3">
+          <a:scrgbClr r="0" g="0" b="0"/>
+        </a:effectRef>
+        <a:fontRef idx="minor">
+          <a:schemeClr val="lt1"/>
+        </a:fontRef>
+      </dsp:style>
+      <dsp:txBody>
+        <a:bodyPr spcFirstLastPara="0" vert="horz" wrap="square" lIns="114362" tIns="120043" rIns="114362" bIns="120043" numCol="1" spcCol="1270" anchor="ctr" anchorCtr="0">
+          <a:noAutofit/>
+        </a:bodyPr>
+        <a:lstStyle/>
+        <a:p>
+          <a:pPr marL="0" lvl="0" indent="0" algn="ctr" defTabSz="933450">
+            <a:lnSpc>
+              <a:spcPct val="90000"/>
+            </a:lnSpc>
+            <a:spcBef>
+              <a:spcPct val="0"/>
+            </a:spcBef>
+            <a:spcAft>
+              <a:spcPct val="35000"/>
+            </a:spcAft>
+            <a:buNone/>
+          </a:pPr>
+          <a:r>
+            <a:rPr lang="en-US" sz="2100" kern="1200"/>
+            <a:t>Cost Reduction – share resources</a:t>
+          </a:r>
+        </a:p>
+      </dsp:txBody>
+      <dsp:txXfrm>
+        <a:off x="3344176" y="3875375"/>
+        <a:ext cx="2333869" cy="1400321"/>
+      </dsp:txXfrm>
+    </dsp:sp>
+  </dsp:spTree>
+</dsp:drawing>
+</file>
+
+<file path=ppt/diagrams/drawing2.xml><?xml version="1.0" encoding="utf-8"?>
+<dsp:drawing xmlns:dgm="http://schemas.openxmlformats.org/drawingml/2006/diagram" xmlns:dsp="http://schemas.microsoft.com/office/drawing/2008/diagram" xmlns:a="http://schemas.openxmlformats.org/drawingml/2006/main">
+  <dsp:spTree>
+    <dsp:nvGrpSpPr>
+      <dsp:cNvPr id="0" name=""/>
+      <dsp:cNvGrpSpPr/>
+    </dsp:nvGrpSpPr>
+    <dsp:grpSpPr/>
+    <dsp:sp modelId="{A535275C-05AC-2144-935E-87EC8857657D}">
+      <dsp:nvSpPr>
+        <dsp:cNvPr id="0" name=""/>
+        <dsp:cNvSpPr/>
+      </dsp:nvSpPr>
+      <dsp:spPr>
+        <a:xfrm>
+          <a:off x="2756881" y="1448388"/>
+          <a:ext cx="603599" cy="91440"/>
+        </a:xfrm>
+        <a:custGeom>
+          <a:avLst/>
+          <a:gdLst/>
+          <a:ahLst/>
+          <a:cxnLst/>
+          <a:rect l="0" t="0" r="0" b="0"/>
+          <a:pathLst>
+            <a:path>
+              <a:moveTo>
+                <a:pt x="0" y="45720"/>
+              </a:moveTo>
+              <a:lnTo>
+                <a:pt x="603599" y="45720"/>
+              </a:lnTo>
+            </a:path>
+          </a:pathLst>
+        </a:custGeom>
+        <a:noFill/>
+        <a:ln w="6350" cap="flat" cmpd="sng" algn="ctr">
+          <a:solidFill>
+            <a:schemeClr val="accent2">
+              <a:hueOff val="0"/>
+              <a:satOff val="0"/>
+              <a:lumOff val="0"/>
+              <a:alphaOff val="0"/>
+            </a:schemeClr>
+          </a:solidFill>
+          <a:prstDash val="solid"/>
+          <a:tailEnd type="arrow"/>
+        </a:ln>
+        <a:effectLst/>
+      </dsp:spPr>
+      <dsp:style>
+        <a:lnRef idx="1">
+          <a:scrgbClr r="0" g="0" b="0"/>
+        </a:lnRef>
+        <a:fillRef idx="0">
+          <a:scrgbClr r="0" g="0" b="0"/>
+        </a:fillRef>
+        <a:effectRef idx="0">
+          <a:scrgbClr r="0" g="0" b="0"/>
+        </a:effectRef>
+        <a:fontRef idx="minor"/>
+      </dsp:style>
+      <dsp:txBody>
+        <a:bodyPr spcFirstLastPara="0" vert="horz" wrap="square" lIns="12700" tIns="0" rIns="12700" bIns="0" numCol="1" spcCol="1270" anchor="ctr" anchorCtr="0">
+          <a:noAutofit/>
+        </a:bodyPr>
+        <a:lstStyle/>
+        <a:p>
+          <a:pPr marL="0" lvl="0" indent="0" algn="ctr" defTabSz="222250">
+            <a:lnSpc>
+              <a:spcPct val="90000"/>
+            </a:lnSpc>
+            <a:spcBef>
+              <a:spcPct val="0"/>
+            </a:spcBef>
+            <a:spcAft>
+              <a:spcPct val="35000"/>
+            </a:spcAft>
+            <a:buNone/>
+          </a:pPr>
+          <a:endParaRPr lang="en-US" sz="500" kern="1200"/>
+        </a:p>
+      </dsp:txBody>
+      <dsp:txXfrm>
+        <a:off x="3042826" y="1490937"/>
+        <a:ext cx="31709" cy="6341"/>
+      </dsp:txXfrm>
+    </dsp:sp>
+    <dsp:sp modelId="{5CD8F342-E7D8-4640-8705-5F048FD6983A}">
+      <dsp:nvSpPr>
+        <dsp:cNvPr id="0" name=""/>
+        <dsp:cNvSpPr/>
+      </dsp:nvSpPr>
+      <dsp:spPr>
+        <a:xfrm>
+          <a:off x="1291" y="666891"/>
+          <a:ext cx="2757390" cy="1654434"/>
+        </a:xfrm>
+        <a:prstGeom prst="rect">
+          <a:avLst/>
+        </a:prstGeom>
+        <a:solidFill>
+          <a:schemeClr val="accent2">
+            <a:hueOff val="0"/>
+            <a:satOff val="0"/>
+            <a:lumOff val="0"/>
+            <a:alphaOff val="0"/>
+          </a:schemeClr>
+        </a:solidFill>
+        <a:ln w="31750" cap="flat" cmpd="sng" algn="ctr">
+          <a:solidFill>
+            <a:schemeClr val="lt1">
+              <a:hueOff val="0"/>
+              <a:satOff val="0"/>
+              <a:lumOff val="0"/>
+              <a:alphaOff val="0"/>
+            </a:schemeClr>
+          </a:solidFill>
+          <a:prstDash val="solid"/>
+        </a:ln>
+        <a:effectLst/>
+      </dsp:spPr>
+      <dsp:style>
+        <a:lnRef idx="3">
+          <a:scrgbClr r="0" g="0" b="0"/>
+        </a:lnRef>
+        <a:fillRef idx="1">
+          <a:scrgbClr r="0" g="0" b="0"/>
+        </a:fillRef>
+        <a:effectRef idx="1">
+          <a:scrgbClr r="0" g="0" b="0"/>
+        </a:effectRef>
+        <a:fontRef idx="minor">
+          <a:schemeClr val="lt1"/>
+        </a:fontRef>
+      </dsp:style>
+      <dsp:txBody>
+        <a:bodyPr spcFirstLastPara="0" vert="horz" wrap="square" lIns="135114" tIns="141826" rIns="135114" bIns="141826" numCol="1" spcCol="1270" anchor="ctr" anchorCtr="0">
+          <a:noAutofit/>
+        </a:bodyPr>
+        <a:lstStyle/>
+        <a:p>
+          <a:pPr marL="0" lvl="0" indent="0" algn="ctr" defTabSz="889000">
+            <a:lnSpc>
+              <a:spcPct val="90000"/>
+            </a:lnSpc>
+            <a:spcBef>
+              <a:spcPct val="0"/>
+            </a:spcBef>
+            <a:spcAft>
+              <a:spcPct val="35000"/>
+            </a:spcAft>
+            <a:buNone/>
+          </a:pPr>
+          <a:r>
+            <a:rPr lang="en-US" sz="2000" kern="1200"/>
+            <a:t>Difficult to directly access hardware</a:t>
+          </a:r>
+        </a:p>
+      </dsp:txBody>
+      <dsp:txXfrm>
+        <a:off x="1291" y="666891"/>
+        <a:ext cx="2757390" cy="1654434"/>
+      </dsp:txXfrm>
+    </dsp:sp>
+    <dsp:sp modelId="{2DDB006D-B162-F14E-AB28-339BE9C76FE9}">
+      <dsp:nvSpPr>
+        <dsp:cNvPr id="0" name=""/>
+        <dsp:cNvSpPr/>
+      </dsp:nvSpPr>
+      <dsp:spPr>
+        <a:xfrm>
+          <a:off x="1379986" y="2319525"/>
+          <a:ext cx="3391589" cy="603599"/>
+        </a:xfrm>
+        <a:custGeom>
+          <a:avLst/>
+          <a:gdLst/>
+          <a:ahLst/>
+          <a:cxnLst/>
+          <a:rect l="0" t="0" r="0" b="0"/>
+          <a:pathLst>
+            <a:path>
+              <a:moveTo>
+                <a:pt x="3391589" y="0"/>
+              </a:moveTo>
+              <a:lnTo>
+                <a:pt x="3391589" y="318899"/>
+              </a:lnTo>
+              <a:lnTo>
+                <a:pt x="0" y="318899"/>
+              </a:lnTo>
+              <a:lnTo>
+                <a:pt x="0" y="603599"/>
+              </a:lnTo>
+            </a:path>
+          </a:pathLst>
+        </a:custGeom>
+        <a:noFill/>
+        <a:ln w="6350" cap="flat" cmpd="sng" algn="ctr">
+          <a:solidFill>
+            <a:schemeClr val="accent2">
+              <a:hueOff val="-5175944"/>
+              <a:satOff val="22930"/>
+              <a:lumOff val="-8432"/>
+              <a:alphaOff val="0"/>
+            </a:schemeClr>
+          </a:solidFill>
+          <a:prstDash val="solid"/>
+          <a:tailEnd type="arrow"/>
+        </a:ln>
+        <a:effectLst/>
+      </dsp:spPr>
+      <dsp:style>
+        <a:lnRef idx="1">
+          <a:scrgbClr r="0" g="0" b="0"/>
+        </a:lnRef>
+        <a:fillRef idx="0">
+          <a:scrgbClr r="0" g="0" b="0"/>
+        </a:fillRef>
+        <a:effectRef idx="0">
+          <a:scrgbClr r="0" g="0" b="0"/>
+        </a:effectRef>
+        <a:fontRef idx="minor"/>
+      </dsp:style>
+      <dsp:txBody>
+        <a:bodyPr spcFirstLastPara="0" vert="horz" wrap="square" lIns="12700" tIns="0" rIns="12700" bIns="0" numCol="1" spcCol="1270" anchor="ctr" anchorCtr="0">
+          <a:noAutofit/>
+        </a:bodyPr>
+        <a:lstStyle/>
+        <a:p>
+          <a:pPr marL="0" lvl="0" indent="0" algn="ctr" defTabSz="222250">
+            <a:lnSpc>
+              <a:spcPct val="90000"/>
+            </a:lnSpc>
+            <a:spcBef>
+              <a:spcPct val="0"/>
+            </a:spcBef>
+            <a:spcAft>
+              <a:spcPct val="35000"/>
+            </a:spcAft>
+            <a:buNone/>
+          </a:pPr>
+          <a:endParaRPr lang="en-US" sz="500" kern="1200"/>
+        </a:p>
+      </dsp:txBody>
+      <dsp:txXfrm>
+        <a:off x="2989522" y="2618154"/>
+        <a:ext cx="172518" cy="6341"/>
+      </dsp:txXfrm>
+    </dsp:sp>
+    <dsp:sp modelId="{FF1B6075-20BE-8041-9D48-068A41D147C2}">
+      <dsp:nvSpPr>
+        <dsp:cNvPr id="0" name=""/>
+        <dsp:cNvSpPr/>
+      </dsp:nvSpPr>
+      <dsp:spPr>
+        <a:xfrm>
+          <a:off x="3392881" y="666891"/>
+          <a:ext cx="2757390" cy="1654434"/>
+        </a:xfrm>
+        <a:prstGeom prst="rect">
+          <a:avLst/>
+        </a:prstGeom>
+        <a:solidFill>
+          <a:schemeClr val="accent2">
+            <a:hueOff val="-3450629"/>
+            <a:satOff val="15286"/>
+            <a:lumOff val="-5621"/>
+            <a:alphaOff val="0"/>
+          </a:schemeClr>
+        </a:solidFill>
+        <a:ln w="31750" cap="flat" cmpd="sng" algn="ctr">
+          <a:solidFill>
+            <a:schemeClr val="lt1">
+              <a:hueOff val="0"/>
+              <a:satOff val="0"/>
+              <a:lumOff val="0"/>
+              <a:alphaOff val="0"/>
+            </a:schemeClr>
+          </a:solidFill>
+          <a:prstDash val="solid"/>
+        </a:ln>
+        <a:effectLst/>
+      </dsp:spPr>
+      <dsp:style>
+        <a:lnRef idx="3">
+          <a:scrgbClr r="0" g="0" b="0"/>
+        </a:lnRef>
+        <a:fillRef idx="1">
+          <a:scrgbClr r="0" g="0" b="0"/>
+        </a:fillRef>
+        <a:effectRef idx="1">
+          <a:scrgbClr r="0" g="0" b="0"/>
+        </a:effectRef>
+        <a:fontRef idx="minor">
+          <a:schemeClr val="lt1"/>
+        </a:fontRef>
+      </dsp:style>
+      <dsp:txBody>
+        <a:bodyPr spcFirstLastPara="0" vert="horz" wrap="square" lIns="135114" tIns="141826" rIns="135114" bIns="141826" numCol="1" spcCol="1270" anchor="ctr" anchorCtr="0">
+          <a:noAutofit/>
+        </a:bodyPr>
+        <a:lstStyle/>
+        <a:p>
+          <a:pPr marL="0" lvl="0" indent="0" algn="ctr" defTabSz="889000">
+            <a:lnSpc>
+              <a:spcPct val="90000"/>
+            </a:lnSpc>
+            <a:spcBef>
+              <a:spcPct val="0"/>
+            </a:spcBef>
+            <a:spcAft>
+              <a:spcPct val="35000"/>
+            </a:spcAft>
+            <a:buNone/>
+          </a:pPr>
+          <a:r>
+            <a:rPr lang="en-US" sz="2000" kern="1200"/>
+            <a:t>Uses a lot of RAM or memory – each machine allocated its own memory stack</a:t>
+          </a:r>
+        </a:p>
+      </dsp:txBody>
+      <dsp:txXfrm>
+        <a:off x="3392881" y="666891"/>
+        <a:ext cx="2757390" cy="1654434"/>
+      </dsp:txXfrm>
+    </dsp:sp>
+    <dsp:sp modelId="{9F9BE849-7587-8441-974C-6AD7F81075BC}">
+      <dsp:nvSpPr>
+        <dsp:cNvPr id="0" name=""/>
+        <dsp:cNvSpPr/>
+      </dsp:nvSpPr>
+      <dsp:spPr>
+        <a:xfrm>
+          <a:off x="2756881" y="3737021"/>
+          <a:ext cx="603599" cy="91440"/>
+        </a:xfrm>
+        <a:custGeom>
+          <a:avLst/>
+          <a:gdLst/>
+          <a:ahLst/>
+          <a:cxnLst/>
+          <a:rect l="0" t="0" r="0" b="0"/>
+          <a:pathLst>
+            <a:path>
+              <a:moveTo>
+                <a:pt x="0" y="45720"/>
+              </a:moveTo>
+              <a:lnTo>
+                <a:pt x="603599" y="45720"/>
+              </a:lnTo>
+            </a:path>
+          </a:pathLst>
+        </a:custGeom>
+        <a:noFill/>
+        <a:ln w="6350" cap="flat" cmpd="sng" algn="ctr">
+          <a:solidFill>
+            <a:schemeClr val="accent2">
+              <a:hueOff val="-10351888"/>
+              <a:satOff val="45859"/>
+              <a:lumOff val="-16864"/>
+              <a:alphaOff val="0"/>
+            </a:schemeClr>
+          </a:solidFill>
+          <a:prstDash val="solid"/>
+          <a:tailEnd type="arrow"/>
+        </a:ln>
+        <a:effectLst/>
+      </dsp:spPr>
+      <dsp:style>
+        <a:lnRef idx="1">
+          <a:scrgbClr r="0" g="0" b="0"/>
+        </a:lnRef>
+        <a:fillRef idx="0">
+          <a:scrgbClr r="0" g="0" b="0"/>
+        </a:fillRef>
+        <a:effectRef idx="0">
+          <a:scrgbClr r="0" g="0" b="0"/>
+        </a:effectRef>
+        <a:fontRef idx="minor"/>
+      </dsp:style>
+      <dsp:txBody>
+        <a:bodyPr spcFirstLastPara="0" vert="horz" wrap="square" lIns="12700" tIns="0" rIns="12700" bIns="0" numCol="1" spcCol="1270" anchor="ctr" anchorCtr="0">
+          <a:noAutofit/>
+        </a:bodyPr>
+        <a:lstStyle/>
+        <a:p>
+          <a:pPr marL="0" lvl="0" indent="0" algn="ctr" defTabSz="222250">
+            <a:lnSpc>
+              <a:spcPct val="90000"/>
+            </a:lnSpc>
+            <a:spcBef>
+              <a:spcPct val="0"/>
+            </a:spcBef>
+            <a:spcAft>
+              <a:spcPct val="35000"/>
+            </a:spcAft>
+            <a:buNone/>
+          </a:pPr>
+          <a:endParaRPr lang="en-US" sz="500" kern="1200"/>
+        </a:p>
+      </dsp:txBody>
+      <dsp:txXfrm>
+        <a:off x="3042826" y="3779570"/>
+        <a:ext cx="31709" cy="6341"/>
+      </dsp:txXfrm>
+    </dsp:sp>
+    <dsp:sp modelId="{1D196741-BD0A-384B-A625-13E5FE891F28}">
+      <dsp:nvSpPr>
+        <dsp:cNvPr id="0" name=""/>
+        <dsp:cNvSpPr/>
+      </dsp:nvSpPr>
+      <dsp:spPr>
+        <a:xfrm>
+          <a:off x="1291" y="2955524"/>
+          <a:ext cx="2757390" cy="1654434"/>
+        </a:xfrm>
+        <a:prstGeom prst="rect">
+          <a:avLst/>
+        </a:prstGeom>
+        <a:solidFill>
+          <a:schemeClr val="accent2">
+            <a:hueOff val="-6901259"/>
+            <a:satOff val="30573"/>
+            <a:lumOff val="-11243"/>
+            <a:alphaOff val="0"/>
+          </a:schemeClr>
+        </a:solidFill>
+        <a:ln w="31750" cap="flat" cmpd="sng" algn="ctr">
+          <a:solidFill>
+            <a:schemeClr val="lt1">
+              <a:hueOff val="0"/>
+              <a:satOff val="0"/>
+              <a:lumOff val="0"/>
+              <a:alphaOff val="0"/>
+            </a:schemeClr>
+          </a:solidFill>
+          <a:prstDash val="solid"/>
+        </a:ln>
+        <a:effectLst/>
+      </dsp:spPr>
+      <dsp:style>
+        <a:lnRef idx="3">
+          <a:scrgbClr r="0" g="0" b="0"/>
+        </a:lnRef>
+        <a:fillRef idx="1">
+          <a:scrgbClr r="0" g="0" b="0"/>
+        </a:fillRef>
+        <a:effectRef idx="1">
+          <a:scrgbClr r="0" g="0" b="0"/>
+        </a:effectRef>
+        <a:fontRef idx="minor">
+          <a:schemeClr val="lt1"/>
+        </a:fontRef>
+      </dsp:style>
+      <dsp:txBody>
+        <a:bodyPr spcFirstLastPara="0" vert="horz" wrap="square" lIns="135114" tIns="141826" rIns="135114" bIns="141826" numCol="1" spcCol="1270" anchor="ctr" anchorCtr="0">
+          <a:noAutofit/>
+        </a:bodyPr>
+        <a:lstStyle/>
+        <a:p>
+          <a:pPr marL="0" lvl="0" indent="0" algn="ctr" defTabSz="889000">
+            <a:lnSpc>
+              <a:spcPct val="90000"/>
+            </a:lnSpc>
+            <a:spcBef>
+              <a:spcPct val="0"/>
+            </a:spcBef>
+            <a:spcAft>
+              <a:spcPct val="35000"/>
+            </a:spcAft>
+            <a:buNone/>
+          </a:pPr>
+          <a:r>
+            <a:rPr lang="en-US" sz="2000" kern="1200"/>
+            <a:t>Uses a lot of disk space – again each machine allocated its own space</a:t>
+          </a:r>
+        </a:p>
+      </dsp:txBody>
+      <dsp:txXfrm>
+        <a:off x="1291" y="2955524"/>
+        <a:ext cx="2757390" cy="1654434"/>
+      </dsp:txXfrm>
+    </dsp:sp>
+    <dsp:sp modelId="{BF4F884F-4A6C-0244-85AA-95B9B116FEAE}">
+      <dsp:nvSpPr>
+        <dsp:cNvPr id="0" name=""/>
+        <dsp:cNvSpPr/>
+      </dsp:nvSpPr>
+      <dsp:spPr>
+        <a:xfrm>
+          <a:off x="3392881" y="2955524"/>
+          <a:ext cx="2757390" cy="1654434"/>
+        </a:xfrm>
+        <a:prstGeom prst="rect">
+          <a:avLst/>
+        </a:prstGeom>
+        <a:solidFill>
+          <a:schemeClr val="accent2">
+            <a:hueOff val="-10351888"/>
+            <a:satOff val="45859"/>
+            <a:lumOff val="-16864"/>
+            <a:alphaOff val="0"/>
+          </a:schemeClr>
+        </a:solidFill>
+        <a:ln w="31750" cap="flat" cmpd="sng" algn="ctr">
+          <a:solidFill>
+            <a:schemeClr val="lt1">
+              <a:hueOff val="0"/>
+              <a:satOff val="0"/>
+              <a:lumOff val="0"/>
+              <a:alphaOff val="0"/>
+            </a:schemeClr>
+          </a:solidFill>
+          <a:prstDash val="solid"/>
+        </a:ln>
+        <a:effectLst/>
+      </dsp:spPr>
+      <dsp:style>
+        <a:lnRef idx="3">
+          <a:scrgbClr r="0" g="0" b="0"/>
+        </a:lnRef>
+        <a:fillRef idx="1">
+          <a:scrgbClr r="0" g="0" b="0"/>
+        </a:fillRef>
+        <a:effectRef idx="1">
+          <a:scrgbClr r="0" g="0" b="0"/>
+        </a:effectRef>
+        <a:fontRef idx="minor">
+          <a:schemeClr val="lt1"/>
+        </a:fontRef>
+      </dsp:style>
+      <dsp:txBody>
+        <a:bodyPr spcFirstLastPara="0" vert="horz" wrap="square" lIns="135114" tIns="141826" rIns="135114" bIns="141826" numCol="1" spcCol="1270" anchor="ctr" anchorCtr="0">
+          <a:noAutofit/>
+        </a:bodyPr>
+        <a:lstStyle/>
+        <a:p>
+          <a:pPr marL="0" lvl="0" indent="0" algn="ctr" defTabSz="889000">
+            <a:lnSpc>
+              <a:spcPct val="90000"/>
+            </a:lnSpc>
+            <a:spcBef>
+              <a:spcPct val="0"/>
+            </a:spcBef>
+            <a:spcAft>
+              <a:spcPct val="35000"/>
+            </a:spcAft>
+            <a:buNone/>
+          </a:pPr>
+          <a:r>
+            <a:rPr lang="en-US" sz="2000" kern="1200"/>
+            <a:t>Machine is less efficient than actual machine – has to go through the hypervisor</a:t>
+          </a:r>
+        </a:p>
+      </dsp:txBody>
+      <dsp:txXfrm>
+        <a:off x="3392881" y="2955524"/>
+        <a:ext cx="2757390" cy="1654434"/>
+      </dsp:txXfrm>
+    </dsp:sp>
+  </dsp:spTree>
+</dsp:drawing>
+</file>
+
+<file path=ppt/diagrams/layout1.xml><?xml version="1.0" encoding="utf-8"?>
+<dgm:layoutDef xmlns:dgm="http://schemas.openxmlformats.org/drawingml/2006/diagram" xmlns:a="http://schemas.openxmlformats.org/drawingml/2006/main" uniqueId="urn:microsoft.com/office/officeart/2016/7/layout/RepeatingBendingProcessNew">
+  <dgm:title val="Repeating Bending Process New"/>
+  <dgm:desc val=""/>
+  <dgm:catLst>
+    <dgm:cat type="process" pri="500"/>
+  </dgm:catLst>
+  <dgm:sampData>
+    <dgm:dataModel>
+      <dgm:ptLst>
+        <dgm:pt modelId="0" type="doc"/>
+        <dgm:pt modelId="1">
+          <dgm:prSet phldr="1"/>
+        </dgm:pt>
+        <dgm:pt modelId="2">
+          <dgm:prSet phldr="1"/>
+        </dgm:pt>
+        <dgm:pt modelId="3">
+          <dgm:prSet phldr="1"/>
+        </dgm:pt>
+        <dgm:pt modelId="4">
+          <dgm:prSet phldr="1"/>
+        </dgm:pt>
+        <dgm:pt modelId="5">
+          <dgm:prSet phldr="1"/>
+        </dgm:pt>
+      </dgm:ptLst>
+      <dgm:cxnLst>
+        <dgm:cxn modelId="7" srcId="0" destId="1" srcOrd="0" destOrd="0"/>
+        <dgm:cxn modelId="8" srcId="0" destId="2" srcOrd="1" destOrd="0"/>
+        <dgm:cxn modelId="9" srcId="0" destId="3" srcOrd="2" destOrd="0"/>
+        <dgm:cxn modelId="10" srcId="0" destId="4" srcOrd="3" destOrd="0"/>
+        <dgm:cxn modelId="11" srcId="0" destId="5" srcOrd="4" destOrd="0"/>
+      </dgm:cxnLst>
+      <dgm:bg/>
+      <dgm:whole/>
+    </dgm:dataModel>
+  </dgm:sampData>
+  <dgm:styleData>
+    <dgm:dataModel>
+      <dgm:ptLst>
+        <dgm:pt modelId="0" type="doc"/>
+        <dgm:pt modelId="1"/>
+        <dgm:pt modelId="2"/>
+      </dgm:ptLst>
+      <dgm:cxnLst>
+        <dgm:cxn modelId="3" srcId="0" destId="1" srcOrd="0" destOrd="0"/>
+        <dgm:cxn modelId="4" srcId="0" destId="2" srcOrd="1" destOrd="0"/>
+      </dgm:cxnLst>
+      <dgm:bg/>
+      <dgm:whole/>
+    </dgm:dataModel>
+  </dgm:styleData>
+  <dgm:clrData>
+    <dgm:dataModel>
+      <dgm:ptLst>
+        <dgm:pt modelId="0" type="doc"/>
+        <dgm:pt modelId="1"/>
+        <dgm:pt modelId="2"/>
+        <dgm:pt modelId="3"/>
+        <dgm:pt modelId="4"/>
+      </dgm:ptLst>
+      <dgm:cxnLst>
+        <dgm:cxn modelId="5" srcId="0" destId="1" srcOrd="0" destOrd="0"/>
+        <dgm:cxn modelId="6" srcId="0" destId="2" srcOrd="1" destOrd="0"/>
+        <dgm:cxn modelId="7" srcId="0" destId="3" srcOrd="2" destOrd="0"/>
+        <dgm:cxn modelId="8" srcId="0" destId="4" srcOrd="3" destOrd="0"/>
+      </dgm:cxnLst>
+      <dgm:bg/>
+      <dgm:whole/>
+    </dgm:dataModel>
+  </dgm:clrData>
+  <dgm:layoutNode name="Name0">
+    <dgm:varLst>
+      <dgm:dir/>
+      <dgm:resizeHandles val="exact"/>
+    </dgm:varLst>
+    <dgm:choose name="Name1">
+      <dgm:if name="Name2" axis="self" func="var" arg="dir" op="equ" val="norm">
+        <dgm:alg type="snake">
+          <dgm:param type="grDir" val="tL"/>
+          <dgm:param type="flowDir" val="row"/>
+          <dgm:param type="contDir" val="sameDir"/>
+          <dgm:param type="bkpt" val="endCnv"/>
+        </dgm:alg>
+      </dgm:if>
+      <dgm:else name="Name3">
+        <dgm:alg type="snake">
+          <dgm:param type="grDir" val="tR"/>
+          <dgm:param type="flowDir" val="row"/>
+          <dgm:param type="contDir" val="sameDir"/>
+          <dgm:param type="bkpt" val="endCnv"/>
+        </dgm:alg>
+      </dgm:else>
+    </dgm:choose>
+    <dgm:shape xmlns:r="http://schemas.openxmlformats.org/officeDocument/2006/relationships" r:blip="">
+      <dgm:adjLst/>
+    </dgm:shape>
+    <dgm:presOf/>
+    <dgm:constrLst>
+      <dgm:constr type="w" for="ch" ptType="node" refType="w"/>
+      <dgm:constr type="w" for="ch" forName="sibTrans" refType="w" refFor="ch" refPtType="node" op="equ" fact="0.23"/>
+      <dgm:constr type="sp" refType="w" refFor="ch" refForName="sibTrans" op="equ"/>
+      <dgm:constr type="userB" for="des" forName="connectorText" refType="sp"/>
+      <dgm:constr type="primFontSz" for="ch" ptType="node" op="equ" val="65"/>
+      <dgm:constr type="h" for="ch" ptType="sibTrans" op="equ"/>
+      <dgm:constr type="primFontSz" for="des" forName="connectorText" op="equ" val="55"/>
+      <dgm:constr type="primFontSz" for="des" forName="connectorText" refType="primFontSz" refFor="ch" refPtType="node" op="lte" fact="0.8"/>
+    </dgm:constrLst>
+    <dgm:ruleLst/>
+    <dgm:forEach name="nodesForEach" axis="ch" ptType="node">
+      <dgm:layoutNode name="node">
+        <dgm:varLst>
+          <dgm:bulletEnabled val="1"/>
+        </dgm:varLst>
+        <dgm:alg type="tx"/>
+        <dgm:shape xmlns:r="http://schemas.openxmlformats.org/officeDocument/2006/relationships" type="rect" r:blip="">
+          <dgm:adjLst/>
+        </dgm:shape>
+        <dgm:presOf axis="desOrSelf" ptType="node"/>
+        <dgm:constrLst>
+          <dgm:constr type="h" refType="w" fact="0.6"/>
+          <dgm:constr type="tMarg" refType="h" fact="0.243"/>
+          <dgm:constr type="bMarg" refType="h" fact="0.243"/>
+          <dgm:constr type="lMarg" refType="w" fact="0.1389"/>
+          <dgm:constr type="rMarg" refType="w" fact="0.1389"/>
+        </dgm:constrLst>
+        <dgm:ruleLst>
+          <dgm:rule type="primFontSz" val="12" fact="NaN" max="NaN"/>
+        </dgm:ruleLst>
+      </dgm:layoutNode>
+      <dgm:forEach name="sibTransForEach" axis="followSib" ptType="sibTrans" cnt="1">
+        <dgm:layoutNode name="sibTrans">
+          <dgm:choose name="Name4">
+            <dgm:if name="Name5" axis="self" func="var" arg="dir" op="equ" val="norm">
+              <dgm:alg type="conn">
+                <dgm:param type="connRout" val="bend"/>
+                <dgm:param type="dim" val="1D"/>
+                <dgm:param type="begPts" val="midR bCtr"/>
+                <dgm:param type="endPts" val="midL tCtr"/>
+              </dgm:alg>
+            </dgm:if>
+            <dgm:else name="Name6">
+              <dgm:alg type="conn">
+                <dgm:param type="connRout" val="bend"/>
+                <dgm:param type="dim" val="1D"/>
+                <dgm:param type="begPts" val="midL bCtr"/>
+                <dgm:param type="endPts" val="midR tCtr"/>
+              </dgm:alg>
+            </dgm:else>
+          </dgm:choose>
+          <dgm:shape xmlns:r="http://schemas.openxmlformats.org/officeDocument/2006/relationships" type="conn" r:blip="" zOrderOff="-2">
+            <dgm:adjLst/>
+          </dgm:shape>
+          <dgm:presOf axis="self"/>
+          <dgm:constrLst>
+            <dgm:constr type="begPad" val="-0.05"/>
+            <dgm:constr type="endPad" val="0.9"/>
+            <dgm:constr type="userA" for="ch" refType="connDist"/>
+          </dgm:constrLst>
+          <dgm:ruleLst/>
+          <dgm:layoutNode name="connectorText">
+            <dgm:alg type="tx">
+              <dgm:param type="autoTxRot" val="upr"/>
+            </dgm:alg>
+            <dgm:shape xmlns:r="http://schemas.openxmlformats.org/officeDocument/2006/relationships" type="rect" r:blip="" hideGeom="1">
+              <dgm:adjLst/>
+            </dgm:shape>
+            <dgm:presOf axis="self"/>
+            <dgm:constrLst>
+              <dgm:constr type="userA"/>
+              <dgm:constr type="userB"/>
+              <dgm:constr type="w" refType="userA" fact="0.05"/>
+              <dgm:constr type="h" refType="userB" fact="0.01"/>
+              <dgm:constr type="lMarg" val="1"/>
+              <dgm:constr type="rMarg" val="1"/>
+              <dgm:constr type="tMarg"/>
+              <dgm:constr type="bMarg"/>
+            </dgm:constrLst>
+            <dgm:ruleLst>
+              <dgm:rule type="w" val="NaN" fact="0.6" max="NaN"/>
+              <dgm:rule type="h" val="NaN" fact="0.6" max="NaN"/>
+              <dgm:rule type="primFontSz" val="5" fact="NaN" max="NaN"/>
+            </dgm:ruleLst>
+          </dgm:layoutNode>
+        </dgm:layoutNode>
+      </dgm:forEach>
+    </dgm:forEach>
+  </dgm:layoutNode>
+</dgm:layoutDef>
+</file>
+
+<file path=ppt/diagrams/layout2.xml><?xml version="1.0" encoding="utf-8"?>
+<dgm:layoutDef xmlns:dgm="http://schemas.openxmlformats.org/drawingml/2006/diagram" xmlns:a="http://schemas.openxmlformats.org/drawingml/2006/main" uniqueId="urn:microsoft.com/office/officeart/2016/7/layout/RepeatingBendingProcessNew">
+  <dgm:title val="Repeating Bending Process New"/>
+  <dgm:desc val=""/>
+  <dgm:catLst>
+    <dgm:cat type="process" pri="500"/>
+  </dgm:catLst>
+  <dgm:sampData>
+    <dgm:dataModel>
+      <dgm:ptLst>
+        <dgm:pt modelId="0" type="doc"/>
+        <dgm:pt modelId="1">
+          <dgm:prSet phldr="1"/>
+        </dgm:pt>
+        <dgm:pt modelId="2">
+          <dgm:prSet phldr="1"/>
+        </dgm:pt>
+        <dgm:pt modelId="3">
+          <dgm:prSet phldr="1"/>
+        </dgm:pt>
+        <dgm:pt modelId="4">
+          <dgm:prSet phldr="1"/>
+        </dgm:pt>
+        <dgm:pt modelId="5">
+          <dgm:prSet phldr="1"/>
+        </dgm:pt>
+      </dgm:ptLst>
+      <dgm:cxnLst>
+        <dgm:cxn modelId="7" srcId="0" destId="1" srcOrd="0" destOrd="0"/>
+        <dgm:cxn modelId="8" srcId="0" destId="2" srcOrd="1" destOrd="0"/>
+        <dgm:cxn modelId="9" srcId="0" destId="3" srcOrd="2" destOrd="0"/>
+        <dgm:cxn modelId="10" srcId="0" destId="4" srcOrd="3" destOrd="0"/>
+        <dgm:cxn modelId="11" srcId="0" destId="5" srcOrd="4" destOrd="0"/>
+      </dgm:cxnLst>
+      <dgm:bg/>
+      <dgm:whole/>
+    </dgm:dataModel>
+  </dgm:sampData>
+  <dgm:styleData>
+    <dgm:dataModel>
+      <dgm:ptLst>
+        <dgm:pt modelId="0" type="doc"/>
+        <dgm:pt modelId="1"/>
+        <dgm:pt modelId="2"/>
+      </dgm:ptLst>
+      <dgm:cxnLst>
+        <dgm:cxn modelId="3" srcId="0" destId="1" srcOrd="0" destOrd="0"/>
+        <dgm:cxn modelId="4" srcId="0" destId="2" srcOrd="1" destOrd="0"/>
+      </dgm:cxnLst>
+      <dgm:bg/>
+      <dgm:whole/>
+    </dgm:dataModel>
+  </dgm:styleData>
+  <dgm:clrData>
+    <dgm:dataModel>
+      <dgm:ptLst>
+        <dgm:pt modelId="0" type="doc"/>
+        <dgm:pt modelId="1"/>
+        <dgm:pt modelId="2"/>
+        <dgm:pt modelId="3"/>
+        <dgm:pt modelId="4"/>
+      </dgm:ptLst>
+      <dgm:cxnLst>
+        <dgm:cxn modelId="5" srcId="0" destId="1" srcOrd="0" destOrd="0"/>
+        <dgm:cxn modelId="6" srcId="0" destId="2" srcOrd="1" destOrd="0"/>
+        <dgm:cxn modelId="7" srcId="0" destId="3" srcOrd="2" destOrd="0"/>
+        <dgm:cxn modelId="8" srcId="0" destId="4" srcOrd="3" destOrd="0"/>
+      </dgm:cxnLst>
+      <dgm:bg/>
+      <dgm:whole/>
+    </dgm:dataModel>
+  </dgm:clrData>
+  <dgm:layoutNode name="Name0">
+    <dgm:varLst>
+      <dgm:dir/>
+      <dgm:resizeHandles val="exact"/>
+    </dgm:varLst>
+    <dgm:choose name="Name1">
+      <dgm:if name="Name2" axis="self" func="var" arg="dir" op="equ" val="norm">
+        <dgm:alg type="snake">
+          <dgm:param type="grDir" val="tL"/>
+          <dgm:param type="flowDir" val="row"/>
+          <dgm:param type="contDir" val="sameDir"/>
+          <dgm:param type="bkpt" val="endCnv"/>
+        </dgm:alg>
+      </dgm:if>
+      <dgm:else name="Name3">
+        <dgm:alg type="snake">
+          <dgm:param type="grDir" val="tR"/>
+          <dgm:param type="flowDir" val="row"/>
+          <dgm:param type="contDir" val="sameDir"/>
+          <dgm:param type="bkpt" val="endCnv"/>
+        </dgm:alg>
+      </dgm:else>
+    </dgm:choose>
+    <dgm:shape xmlns:r="http://schemas.openxmlformats.org/officeDocument/2006/relationships" r:blip="">
+      <dgm:adjLst/>
+    </dgm:shape>
+    <dgm:presOf/>
+    <dgm:constrLst>
+      <dgm:constr type="w" for="ch" ptType="node" refType="w"/>
+      <dgm:constr type="w" for="ch" forName="sibTrans" refType="w" refFor="ch" refPtType="node" op="equ" fact="0.23"/>
+      <dgm:constr type="sp" refType="w" refFor="ch" refForName="sibTrans" op="equ"/>
+      <dgm:constr type="userB" for="des" forName="connectorText" refType="sp"/>
+      <dgm:constr type="primFontSz" for="ch" ptType="node" op="equ" val="65"/>
+      <dgm:constr type="h" for="ch" ptType="sibTrans" op="equ"/>
+      <dgm:constr type="primFontSz" for="des" forName="connectorText" op="equ" val="55"/>
+      <dgm:constr type="primFontSz" for="des" forName="connectorText" refType="primFontSz" refFor="ch" refPtType="node" op="lte" fact="0.8"/>
+    </dgm:constrLst>
+    <dgm:ruleLst/>
+    <dgm:forEach name="nodesForEach" axis="ch" ptType="node">
+      <dgm:layoutNode name="node">
+        <dgm:varLst>
+          <dgm:bulletEnabled val="1"/>
+        </dgm:varLst>
+        <dgm:alg type="tx"/>
+        <dgm:shape xmlns:r="http://schemas.openxmlformats.org/officeDocument/2006/relationships" type="rect" r:blip="">
+          <dgm:adjLst/>
+        </dgm:shape>
+        <dgm:presOf axis="desOrSelf" ptType="node"/>
+        <dgm:constrLst>
+          <dgm:constr type="h" refType="w" fact="0.6"/>
+          <dgm:constr type="tMarg" refType="h" fact="0.243"/>
+          <dgm:constr type="bMarg" refType="h" fact="0.243"/>
+          <dgm:constr type="lMarg" refType="w" fact="0.1389"/>
+          <dgm:constr type="rMarg" refType="w" fact="0.1389"/>
+        </dgm:constrLst>
+        <dgm:ruleLst>
+          <dgm:rule type="primFontSz" val="12" fact="NaN" max="NaN"/>
+        </dgm:ruleLst>
+      </dgm:layoutNode>
+      <dgm:forEach name="sibTransForEach" axis="followSib" ptType="sibTrans" cnt="1">
+        <dgm:layoutNode name="sibTrans">
+          <dgm:choose name="Name4">
+            <dgm:if name="Name5" axis="self" func="var" arg="dir" op="equ" val="norm">
+              <dgm:alg type="conn">
+                <dgm:param type="connRout" val="bend"/>
+                <dgm:param type="dim" val="1D"/>
+                <dgm:param type="begPts" val="midR bCtr"/>
+                <dgm:param type="endPts" val="midL tCtr"/>
+              </dgm:alg>
+            </dgm:if>
+            <dgm:else name="Name6">
+              <dgm:alg type="conn">
+                <dgm:param type="connRout" val="bend"/>
+                <dgm:param type="dim" val="1D"/>
+                <dgm:param type="begPts" val="midL bCtr"/>
+                <dgm:param type="endPts" val="midR tCtr"/>
+              </dgm:alg>
+            </dgm:else>
+          </dgm:choose>
+          <dgm:shape xmlns:r="http://schemas.openxmlformats.org/officeDocument/2006/relationships" type="conn" r:blip="" zOrderOff="-2">
+            <dgm:adjLst/>
+          </dgm:shape>
+          <dgm:presOf axis="self"/>
+          <dgm:constrLst>
+            <dgm:constr type="begPad" val="-0.05"/>
+            <dgm:constr type="endPad" val="0.9"/>
+            <dgm:constr type="userA" for="ch" refType="connDist"/>
+          </dgm:constrLst>
+          <dgm:ruleLst/>
+          <dgm:layoutNode name="connectorText">
+            <dgm:alg type="tx">
+              <dgm:param type="autoTxRot" val="upr"/>
+            </dgm:alg>
+            <dgm:shape xmlns:r="http://schemas.openxmlformats.org/officeDocument/2006/relationships" type="rect" r:blip="" hideGeom="1">
+              <dgm:adjLst/>
+            </dgm:shape>
+            <dgm:presOf axis="self"/>
+            <dgm:constrLst>
+              <dgm:constr type="userA"/>
+              <dgm:constr type="userB"/>
+              <dgm:constr type="w" refType="userA" fact="0.05"/>
+              <dgm:constr type="h" refType="userB" fact="0.01"/>
+              <dgm:constr type="lMarg" val="1"/>
+              <dgm:constr type="rMarg" val="1"/>
+              <dgm:constr type="tMarg"/>
+              <dgm:constr type="bMarg"/>
+            </dgm:constrLst>
+            <dgm:ruleLst>
+              <dgm:rule type="w" val="NaN" fact="0.6" max="NaN"/>
+              <dgm:rule type="h" val="NaN" fact="0.6" max="NaN"/>
+              <dgm:rule type="primFontSz" val="5" fact="NaN" max="NaN"/>
+            </dgm:ruleLst>
+          </dgm:layoutNode>
+        </dgm:layoutNode>
+      </dgm:forEach>
+    </dgm:forEach>
+  </dgm:layoutNode>
+</dgm:layoutDef>
+</file>
+
+<file path=ppt/diagrams/quickStyle1.xml><?xml version="1.0" encoding="utf-8"?>
+<dgm:styleDef xmlns:dgm="http://schemas.openxmlformats.org/drawingml/2006/diagram" xmlns:a="http://schemas.openxmlformats.org/drawingml/2006/main" uniqueId="urn:microsoft.com/office/officeart/2005/8/quickstyle/simple5">
+  <dgm:title val=""/>
+  <dgm:desc val=""/>
+  <dgm:catLst>
+    <dgm:cat type="simple" pri="10500"/>
+  </dgm:catLst>
+  <dgm:scene3d>
+    <a:camera prst="orthographicFront"/>
+    <a:lightRig rig="threePt" dir="t"/>
+  </dgm:scene3d>
+  <dgm:styleLbl name="node0">
+    <dgm:scene3d>
+      <a:camera prst="orthographicFront"/>
+      <a:lightRig rig="threePt" dir="t"/>
+    </dgm:scene3d>
+    <dgm:sp3d/>
+    <dgm:txPr/>
+    <dgm:style>
+      <a:lnRef idx="0">
+        <a:scrgbClr r="0" g="0" b="0"/>
+      </a:lnRef>
+      <a:fillRef idx="3">
+        <a:scrgbClr r="0" g="0" b="0"/>
+      </a:fillRef>
+      <a:effectRef idx="3">
+        <a:scrgbClr r="0" g="0" b="0"/>
+      </a:effectRef>
+      <a:fontRef idx="minor">
+        <a:schemeClr val="lt1"/>
+      </a:fontRef>
+    </dgm:style>
+  </dgm:styleLbl>
+  <dgm:styleLbl name="lnNode1">
+    <dgm:scene3d>
+      <a:camera prst="orthographicFront"/>
+      <a:lightRig rig="threePt" dir="t"/>
+    </dgm:scene3d>
+    <dgm:sp3d/>
+    <dgm:txPr/>
+    <dgm:style>
+      <a:lnRef idx="0">
+        <a:scrgbClr r="0" g="0" b="0"/>
+      </a:lnRef>
+      <a:fillRef idx="3">
+        <a:scrgbClr r="0" g="0" b="0"/>
+      </a:fillRef>
+      <a:effectRef idx="3">
+        <a:scrgbClr r="0" g="0" b="0"/>
+      </a:effectRef>
+      <a:fontRef idx="minor">
+        <a:schemeClr val="lt1"/>
+      </a:fontRef>
+    </dgm:style>
+  </dgm:styleLbl>
+  <dgm:styleLbl name="vennNode1">
+    <dgm:scene3d>
+      <a:camera prst="orthographicFront"/>
+      <a:lightRig rig="threePt" dir="t"/>
+    </dgm:scene3d>
+    <dgm:sp3d/>
+    <dgm:txPr/>
+    <dgm:style>
+      <a:lnRef idx="0">
+        <a:scrgbClr r="0" g="0" b="0"/>
+      </a:lnRef>
+      <a:fillRef idx="3">
+        <a:scrgbClr r="0" g="0" b="0"/>
+      </a:fillRef>
+      <a:effectRef idx="3">
+        <a:scrgbClr r="0" g="0" b="0"/>
+      </a:effectRef>
+      <a:fontRef idx="minor">
+        <a:schemeClr val="tx1"/>
+      </a:fontRef>
+    </dgm:style>
+  </dgm:styleLbl>
+  <dgm:styleLbl name="alignNode1">
+    <dgm:scene3d>
+      <a:camera prst="orthographicFront"/>
+      <a:lightRig rig="threePt" dir="t"/>
+    </dgm:scene3d>
+    <dgm:sp3d/>
+    <dgm:txPr/>
+    <dgm:style>
+      <a:lnRef idx="1">
+        <a:scrgbClr r="0" g="0" b="0"/>
+      </a:lnRef>
+      <a:fillRef idx="3">
+        <a:scrgbClr r="0" g="0" b="0"/>
+      </a:fillRef>
+      <a:effectRef idx="3">
+        <a:scrgbClr r="0" g="0" b="0"/>
+      </a:effectRef>
+      <a:fontRef idx="minor">
+        <a:schemeClr val="lt1"/>
+      </a:fontRef>
+    </dgm:style>
+  </dgm:styleLbl>
+  <dgm:styleLbl name="node1">
+    <dgm:scene3d>
+      <a:camera prst="orthographicFront"/>
+      <a:lightRig rig="threePt" dir="t"/>
+    </dgm:scene3d>
+    <dgm:sp3d/>
+    <dgm:txPr/>
+    <dgm:style>
+      <a:lnRef idx="0">
+        <a:scrgbClr r="0" g="0" b="0"/>
+      </a:lnRef>
+      <a:fillRef idx="3">
+        <a:scrgbClr r="0" g="0" b="0"/>
+      </a:fillRef>
+      <a:effectRef idx="3">
+        <a:scrgbClr r="0" g="0" b="0"/>
+      </a:effectRef>
+      <a:fontRef idx="minor">
+        <a:schemeClr val="lt1"/>
+      </a:fontRef>
+    </dgm:style>
+  </dgm:styleLbl>
+  <dgm:styleLbl name="node2">
+    <dgm:scene3d>
+      <a:camera prst="orthographicFront"/>
+      <a:lightRig rig="threePt" dir="t"/>
+    </dgm:scene3d>
+    <dgm:sp3d/>
+    <dgm:txPr/>
+    <dgm:style>
+      <a:lnRef idx="0">
+        <a:scrgbClr r="0" g="0" b="0"/>
+      </a:lnRef>
+      <a:fillRef idx="3">
+        <a:scrgbClr r="0" g="0" b="0"/>
+      </a:fillRef>
+      <a:effectRef idx="3">
+        <a:scrgbClr r="0" g="0" b="0"/>
+      </a:effectRef>
+      <a:fontRef idx="minor">
+        <a:schemeClr val="lt1"/>
+      </a:fontRef>
+    </dgm:style>
+  </dgm:styleLbl>
+  <dgm:styleLbl name="node3">
+    <dgm:scene3d>
+      <a:camera prst="orthographicFront"/>
+      <a:lightRig rig="threePt" dir="t"/>
+    </dgm:scene3d>
+    <dgm:sp3d/>
+    <dgm:txPr/>
+    <dgm:style>
+      <a:lnRef idx="0">
+        <a:scrgbClr r="0" g="0" b="0"/>
+      </a:lnRef>
+      <a:fillRef idx="3">
+        <a:scrgbClr r="0" g="0" b="0"/>
+      </a:fillRef>
+      <a:effectRef idx="3">
+        <a:scrgbClr r="0" g="0" b="0"/>
+      </a:effectRef>
+      <a:fontRef idx="minor">
+        <a:schemeClr val="lt1"/>
+      </a:fontRef>
+    </dgm:style>
+  </dgm:styleLbl>
+  <dgm:styleLbl name="node4">
+    <dgm:scene3d>
+      <a:camera prst="orthographicFront"/>
+      <a:lightRig rig="threePt" dir="t"/>
+    </dgm:scene3d>
+    <dgm:sp3d/>
+    <dgm:txPr/>
+    <dgm:style>
+      <a:lnRef idx="0">
+        <a:scrgbClr r="0" g="0" b="0"/>
+      </a:lnRef>
+      <a:fillRef idx="3">
+        <a:scrgbClr r="0" g="0" b="0"/>
+      </a:fillRef>
+      <a:effectRef idx="3">
+        <a:scrgbClr r="0" g="0" b="0"/>
+      </a:effectRef>
+      <a:fontRef idx="minor">
+        <a:schemeClr val="lt1"/>
+      </a:fontRef>
+    </dgm:style>
+  </dgm:styleLbl>
+  <dgm:styleLbl name="fgImgPlace1">
+    <dgm:scene3d>
+      <a:camera prst="orthographicFront"/>
+      <a:lightRig rig="threePt" dir="t"/>
+    </dgm:scene3d>
+    <dgm:sp3d/>
+    <dgm:txPr/>
+    <dgm:style>
+      <a:lnRef idx="0">
+        <a:scrgbClr r="0" g="0" b="0"/>
+      </a:lnRef>
+      <a:fillRef idx="1">
+        <a:scrgbClr r="0" g="0" b="0"/>
+      </a:fillRef>
+      <a:effectRef idx="3">
+        <a:scrgbClr r="0" g="0" b="0"/>
+      </a:effectRef>
+      <a:fontRef idx="minor"/>
+    </dgm:style>
+  </dgm:styleLbl>
+  <dgm:styleLbl name="alignImgPlace1">
+    <dgm:scene3d>
+      <a:camera prst="orthographicFront"/>
+      <a:lightRig rig="threePt" dir="t"/>
+    </dgm:scene3d>
+    <dgm:sp3d/>
+    <dgm:txPr/>
+    <dgm:style>
+      <a:lnRef idx="0">
+        <a:scrgbClr r="0" g="0" b="0"/>
+      </a:lnRef>
+      <a:fillRef idx="1">
+        <a:scrgbClr r="0" g="0" b="0"/>
+      </a:fillRef>
+      <a:effectRef idx="3">
+        <a:scrgbClr r="0" g="0" b="0"/>
+      </a:effectRef>
+      <a:fontRef idx="minor"/>
+    </dgm:style>
+  </dgm:styleLbl>
+  <dgm:styleLbl name="bgImgPlace1">
+    <dgm:scene3d>
+      <a:camera prst="orthographicFront"/>
+      <a:lightRig rig="threePt" dir="t"/>
+    </dgm:scene3d>
+    <dgm:sp3d/>
+    <dgm:txPr/>
+    <dgm:style>
+      <a:lnRef idx="0">
+        <a:scrgbClr r="0" g="0" b="0"/>
+      </a:lnRef>
+      <a:fillRef idx="1">
+        <a:scrgbClr r="0" g="0" b="0"/>
+      </a:fillRef>
+      <a:effectRef idx="3">
+        <a:scrgbClr r="0" g="0" b="0"/>
+      </a:effectRef>
+      <a:fontRef idx="minor"/>
+    </dgm:style>
+  </dgm:styleLbl>
+  <dgm:styleLbl name="sibTrans2D1">
+    <dgm:scene3d>
+      <a:camera prst="orthographicFront"/>
+      <a:lightRig rig="threePt" dir="t"/>
+    </dgm:scene3d>
+    <dgm:sp3d/>
+    <dgm:txPr/>
+    <dgm:style>
+      <a:lnRef idx="0">
+        <a:scrgbClr r="0" g="0" b="0"/>
+      </a:lnRef>
+      <a:fillRef idx="3">
+        <a:scrgbClr r="0" g="0" b="0"/>
+      </a:fillRef>
+      <a:effectRef idx="3">
+        <a:scrgbClr r="0" g="0" b="0"/>
+      </a:effectRef>
+      <a:fontRef idx="minor">
+        <a:schemeClr val="lt1"/>
+      </a:fontRef>
+    </dgm:style>
+  </dgm:styleLbl>
+  <dgm:styleLbl name="fgSibTrans2D1">
+    <dgm:scene3d>
+      <a:camera prst="orthographicFront"/>
+      <a:lightRig rig="threePt" dir="t"/>
+    </dgm:scene3d>
+    <dgm:sp3d/>
+    <dgm:txPr/>
+    <dgm:style>
+      <a:lnRef idx="0">
+        <a:scrgbClr r="0" g="0" b="0"/>
+      </a:lnRef>
+      <a:fillRef idx="3">
+        <a:scrgbClr r="0" g="0" b="0"/>
+      </a:fillRef>
+      <a:effectRef idx="3">
+        <a:scrgbClr r="0" g="0" b="0"/>
+      </a:effectRef>
+      <a:fontRef idx="minor">
+        <a:schemeClr val="lt1"/>
+      </a:fontRef>
+    </dgm:style>
+  </dgm:styleLbl>
+  <dgm:styleLbl name="bgSibTrans2D1">
+    <dgm:scene3d>
+      <a:camera prst="orthographicFront"/>
+      <a:lightRig rig="threePt" dir="t"/>
+    </dgm:scene3d>
+    <dgm:sp3d/>
+    <dgm:txPr/>
+    <dgm:style>
+      <a:lnRef idx="0">
+        <a:scrgbClr r="0" g="0" b="0"/>
+      </a:lnRef>
+      <a:fillRef idx="3">
+        <a:scrgbClr r="0" g="0" b="0"/>
+      </a:fillRef>
+      <a:effectRef idx="3">
+        <a:scrgbClr r="0" g="0" b="0"/>
+      </a:effectRef>
+      <a:fontRef idx="minor">
+        <a:schemeClr val="lt1"/>
+      </a:fontRef>
+    </dgm:style>
+  </dgm:styleLbl>
+  <dgm:styleLbl name="sibTrans1D1">
+    <dgm:scene3d>
+      <a:camera prst="orthographicFront"/>
+      <a:lightRig rig="threePt" dir="t"/>
+    </dgm:scene3d>
+    <dgm:sp3d/>
+    <dgm:txPr/>
+    <dgm:style>
+      <a:lnRef idx="1">
+        <a:scrgbClr r="0" g="0" b="0"/>
+      </a:lnRef>
+      <a:fillRef idx="0">
+        <a:scrgbClr r="0" g="0" b="0"/>
+      </a:fillRef>
+      <a:effectRef idx="0">
+        <a:scrgbClr r="0" g="0" b="0"/>
+      </a:effectRef>
+      <a:fontRef idx="minor"/>
+    </dgm:style>
+  </dgm:styleLbl>
+  <dgm:styleLbl name="callout">
+    <dgm:scene3d>
+      <a:camera prst="orthographicFront"/>
+      <a:lightRig rig="threePt" dir="t"/>
+    </dgm:scene3d>
+    <dgm:sp3d/>
+    <dgm:txPr/>
+    <dgm:style>
+      <a:lnRef idx="1">
+        <a:scrgbClr r="0" g="0" b="0"/>
+      </a:lnRef>
+      <a:fillRef idx="0">
+        <a:scrgbClr r="0" g="0" b="0"/>
+      </a:fillRef>
+      <a:effectRef idx="1">
+        <a:scrgbClr r="0" g="0" b="0"/>
+      </a:effectRef>
+      <a:fontRef idx="minor"/>
+    </dgm:style>
+  </dgm:styleLbl>
+  <dgm:styleLbl name="asst0">
+    <dgm:scene3d>
+      <a:camera prst="orthographicFront"/>
+      <a:lightRig rig="threePt" dir="t"/>
+    </dgm:scene3d>
+    <dgm:sp3d/>
+    <dgm:txPr/>
+    <dgm:style>
+      <a:lnRef idx="0">
+        <a:scrgbClr r="0" g="0" b="0"/>
+      </a:lnRef>
+      <a:fillRef idx="3">
+        <a:scrgbClr r="0" g="0" b="0"/>
+      </a:fillRef>
+      <a:effectRef idx="3">
+        <a:scrgbClr r="0" g="0" b="0"/>
+      </a:effectRef>
+      <a:fontRef idx="minor">
+        <a:schemeClr val="lt1"/>
+      </a:fontRef>
+    </dgm:style>
+  </dgm:styleLbl>
+  <dgm:styleLbl name="asst1">
+    <dgm:scene3d>
+      <a:camera prst="orthographicFront"/>
+      <a:lightRig rig="threePt" dir="t"/>
+    </dgm:scene3d>
+    <dgm:sp3d/>
+    <dgm:txPr/>
+    <dgm:style>
+      <a:lnRef idx="0">
+        <a:scrgbClr r="0" g="0" b="0"/>
+      </a:lnRef>
+      <a:fillRef idx="3">
+        <a:scrgbClr r="0" g="0" b="0"/>
+      </a:fillRef>
+      <a:effectRef idx="3">
+        <a:scrgbClr r="0" g="0" b="0"/>
+      </a:effectRef>
+      <a:fontRef idx="minor">
+        <a:schemeClr val="lt1"/>
+      </a:fontRef>
+    </dgm:style>
+  </dgm:styleLbl>
+  <dgm:styleLbl name="asst2">
+    <dgm:scene3d>
+      <a:camera prst="orthographicFront"/>
+      <a:lightRig rig="threePt" dir="t"/>
+    </dgm:scene3d>
+    <dgm:sp3d/>
+    <dgm:txPr/>
+    <dgm:style>
+      <a:lnRef idx="0">
+        <a:scrgbClr r="0" g="0" b="0"/>
+      </a:lnRef>
+      <a:fillRef idx="3">
+        <a:scrgbClr r="0" g="0" b="0"/>
+      </a:fillRef>
+      <a:effectRef idx="3">
+        <a:scrgbClr r="0" g="0" b="0"/>
+      </a:effectRef>
+      <a:fontRef idx="minor">
+        <a:schemeClr val="lt1"/>
+      </a:fontRef>
+    </dgm:style>
+  </dgm:styleLbl>
+  <dgm:styleLbl name="asst3">
+    <dgm:scene3d>
+      <a:camera prst="orthographicFront"/>
+      <a:lightRig rig="threePt" dir="t"/>
+    </dgm:scene3d>
+    <dgm:sp3d/>
+    <dgm:txPr/>
+    <dgm:style>
+      <a:lnRef idx="0">
+        <a:scrgbClr r="0" g="0" b="0"/>
+      </a:lnRef>
+      <a:fillRef idx="3">
+        <a:scrgbClr r="0" g="0" b="0"/>
+      </a:fillRef>
+      <a:effectRef idx="3">
+        <a:scrgbClr r="0" g="0" b="0"/>
+      </a:effectRef>
+      <a:fontRef idx="minor">
+        <a:schemeClr val="lt1"/>
+      </a:fontRef>
+    </dgm:style>
+  </dgm:styleLbl>
+  <dgm:styleLbl name="asst4">
+    <dgm:scene3d>
+      <a:camera prst="orthographicFront"/>
+      <a:lightRig rig="threePt" dir="t"/>
+    </dgm:scene3d>
+    <dgm:sp3d/>
+    <dgm:txPr/>
+    <dgm:style>
+      <a:lnRef idx="0">
+        <a:scrgbClr r="0" g="0" b="0"/>
+      </a:lnRef>
+      <a:fillRef idx="3">
+        <a:scrgbClr r="0" g="0" b="0"/>
+      </a:fillRef>
+      <a:effectRef idx="3">
+        <a:scrgbClr r="0" g="0" b="0"/>
+      </a:effectRef>
+      <a:fontRef idx="minor">
+        <a:schemeClr val="lt1"/>
+      </a:fontRef>
+    </dgm:style>
+  </dgm:styleLbl>
+  <dgm:styleLbl name="parChTrans2D1">
+    <dgm:scene3d>
+      <a:camera prst="orthographicFront"/>
+      <a:lightRig rig="threePt" dir="t"/>
+    </dgm:scene3d>
+    <dgm:sp3d/>
+    <dgm:txPr/>
+    <dgm:style>
+      <a:lnRef idx="0">
+        <a:scrgbClr r="0" g="0" b="0"/>
+      </a:lnRef>
+      <a:fillRef idx="3">
+        <a:scrgbClr r="0" g="0" b="0"/>
+      </a:fillRef>
+      <a:effectRef idx="3">
+        <a:scrgbClr r="0" g="0" b="0"/>
+      </a:effectRef>
+      <a:fontRef idx="minor">
+        <a:schemeClr val="lt1"/>
+      </a:fontRef>
+    </dgm:style>
+  </dgm:styleLbl>
+  <dgm:styleLbl name="parChTrans2D2">
+    <dgm:scene3d>
+      <a:camera prst="orthographicFront"/>
+      <a:lightRig rig="threePt" dir="t"/>
+    </dgm:scene3d>
+    <dgm:sp3d/>
+    <dgm:txPr/>
+    <dgm:style>
+      <a:lnRef idx="0">
+        <a:scrgbClr r="0" g="0" b="0"/>
+      </a:lnRef>
+      <a:fillRef idx="3">
+        <a:scrgbClr r="0" g="0" b="0"/>
+      </a:fillRef>
+      <a:effectRef idx="3">
+        <a:scrgbClr r="0" g="0" b="0"/>
+      </a:effectRef>
+      <a:fontRef idx="minor">
+        <a:schemeClr val="lt1"/>
+      </a:fontRef>
+    </dgm:style>
+  </dgm:styleLbl>
+  <dgm:styleLbl name="parChTrans2D3">
+    <dgm:scene3d>
+      <a:camera prst="orthographicFront"/>
+      <a:lightRig rig="threePt" dir="t"/>
+    </dgm:scene3d>
+    <dgm:sp3d/>
+    <dgm:txPr/>
+    <dgm:style>
+      <a:lnRef idx="0">
+        <a:scrgbClr r="0" g="0" b="0"/>
+      </a:lnRef>
+      <a:fillRef idx="3">
+        <a:scrgbClr r="0" g="0" b="0"/>
+      </a:fillRef>
+      <a:effectRef idx="3">
+        <a:scrgbClr r="0" g="0" b="0"/>
+      </a:effectRef>
+      <a:fontRef idx="minor">
+        <a:schemeClr val="lt1"/>
+      </a:fontRef>
+    </dgm:style>
+  </dgm:styleLbl>
+  <dgm:styleLbl name="parChTrans2D4">
+    <dgm:scene3d>
+      <a:camera prst="orthographicFront"/>
+      <a:lightRig rig="threePt" dir="t"/>
+    </dgm:scene3d>
+    <dgm:sp3d/>
+    <dgm:txPr/>
+    <dgm:style>
+      <a:lnRef idx="0">
+        <a:scrgbClr r="0" g="0" b="0"/>
+      </a:lnRef>
+      <a:fillRef idx="3">
+        <a:scrgbClr r="0" g="0" b="0"/>
+      </a:fillRef>
+      <a:effectRef idx="3">
+        <a:scrgbClr r="0" g="0" b="0"/>
+      </a:effectRef>
+      <a:fontRef idx="minor">
+        <a:schemeClr val="lt1"/>
+      </a:fontRef>
+    </dgm:style>
+  </dgm:styleLbl>
+  <dgm:styleLbl name="parChTrans1D1">
+    <dgm:scene3d>
+      <a:camera prst="orthographicFront"/>
+      <a:lightRig rig="threePt" dir="t"/>
+    </dgm:scene3d>
+    <dgm:sp3d/>
+    <dgm:txPr/>
+    <dgm:style>
+      <a:lnRef idx="2">
+        <a:scrgbClr r="0" g="0" b="0"/>
+      </a:lnRef>
+      <a:fillRef idx="0">
+        <a:scrgbClr r="0" g="0" b="0"/>
+      </a:fillRef>
+      <a:effectRef idx="0">
+        <a:scrgbClr r="0" g="0" b="0"/>
+      </a:effectRef>
+      <a:fontRef idx="minor"/>
+    </dgm:style>
+  </dgm:styleLbl>
+  <dgm:styleLbl name="parChTrans1D2">
+    <dgm:scene3d>
+      <a:camera prst="orthographicFront"/>
+      <a:lightRig rig="threePt" dir="t"/>
+    </dgm:scene3d>
+    <dgm:sp3d/>
+    <dgm:txPr/>
+    <dgm:style>
+      <a:lnRef idx="2">
+        <a:scrgbClr r="0" g="0" b="0"/>
+      </a:lnRef>
+      <a:fillRef idx="0">
+        <a:scrgbClr r="0" g="0" b="0"/>
+      </a:fillRef>
+      <a:effectRef idx="0">
+        <a:scrgbClr r="0" g="0" b="0"/>
+      </a:effectRef>
+      <a:fontRef idx="minor"/>
+    </dgm:style>
+  </dgm:styleLbl>
+  <dgm:styleLbl name="parChTrans1D3">
+    <dgm:scene3d>
+      <a:camera prst="orthographicFront"/>
+      <a:lightRig rig="threePt" dir="t"/>
+    </dgm:scene3d>
+    <dgm:sp3d/>
+    <dgm:txPr/>
+    <dgm:style>
+      <a:lnRef idx="2">
+        <a:scrgbClr r="0" g="0" b="0"/>
+      </a:lnRef>
+      <a:fillRef idx="0">
+        <a:scrgbClr r="0" g="0" b="0"/>
+      </a:fillRef>
+      <a:effectRef idx="0">
+        <a:scrgbClr r="0" g="0" b="0"/>
+      </a:effectRef>
+      <a:fontRef idx="minor"/>
+    </dgm:style>
+  </dgm:styleLbl>
+  <dgm:styleLbl name="parChTrans1D4">
+    <dgm:scene3d>
+      <a:camera prst="orthographicFront"/>
+      <a:lightRig rig="threePt" dir="t"/>
+    </dgm:scene3d>
+    <dgm:sp3d/>
+    <dgm:txPr/>
+    <dgm:style>
+      <a:lnRef idx="2">
+        <a:scrgbClr r="0" g="0" b="0"/>
+      </a:lnRef>
+      <a:fillRef idx="0">
+        <a:scrgbClr r="0" g="0" b="0"/>
+      </a:fillRef>
+      <a:effectRef idx="0">
+        <a:scrgbClr r="0" g="0" b="0"/>
+      </a:effectRef>
+      <a:fontRef idx="minor"/>
+    </dgm:style>
+  </dgm:styleLbl>
+  <dgm:styleLbl name="fgAcc1">
+    <dgm:scene3d>
+      <a:camera prst="orthographicFront"/>
+      <a:lightRig rig="threePt" dir="t"/>
+    </dgm:scene3d>
+    <dgm:sp3d/>
+    <dgm:txPr/>
+    <dgm:style>
+      <a:lnRef idx="1">
+        <a:scrgbClr r="0" g="0" b="0"/>
+      </a:lnRef>
+      <a:fillRef idx="1">
+        <a:scrgbClr r="0" g="0" b="0"/>
+      </a:fillRef>
+      <a:effectRef idx="2">
+        <a:scrgbClr r="0" g="0" b="0"/>
+      </a:effectRef>
+      <a:fontRef idx="minor"/>
+    </dgm:style>
+  </dgm:styleLbl>
+  <dgm:styleLbl name="conFgAcc1">
+    <dgm:scene3d>
+      <a:camera prst="orthographicFront"/>
+      <a:lightRig rig="threePt" dir="t"/>
+    </dgm:scene3d>
+    <dgm:sp3d/>
+    <dgm:txPr/>
+    <dgm:style>
+      <a:lnRef idx="1">
+        <a:scrgbClr r="0" g="0" b="0"/>
+      </a:lnRef>
+      <a:fillRef idx="1">
+        <a:scrgbClr r="0" g="0" b="0"/>
+      </a:fillRef>
+      <a:effectRef idx="2">
+        <a:scrgbClr r="0" g="0" b="0"/>
+      </a:effectRef>
+      <a:fontRef idx="minor"/>
+    </dgm:style>
+  </dgm:styleLbl>
+  <dgm:styleLbl name="alignAcc1">
+    <dgm:scene3d>
+      <a:camera prst="orthographicFront"/>
+      <a:lightRig rig="threePt" dir="t"/>
+    </dgm:scene3d>
+    <dgm:sp3d/>
+    <dgm:txPr/>
+    <dgm:style>
+      <a:lnRef idx="1">
+        <a:scrgbClr r="0" g="0" b="0"/>
+      </a:lnRef>
+      <a:fillRef idx="1">
+        <a:scrgbClr r="0" g="0" b="0"/>
+      </a:fillRef>
+      <a:effectRef idx="2">
+        <a:scrgbClr r="0" g="0" b="0"/>
+      </a:effectRef>
+      <a:fontRef idx="minor"/>
+    </dgm:style>
+  </dgm:styleLbl>
+  <dgm:styleLbl name="trAlignAcc1">
+    <dgm:scene3d>
+      <a:camera prst="orthographicFront"/>
+      <a:lightRig rig="threePt" dir="t"/>
+    </dgm:scene3d>
+    <dgm:sp3d/>
+    <dgm:txPr/>
+    <dgm:style>
+      <a:lnRef idx="1">
+        <a:scrgbClr r="0" g="0" b="0"/>
+      </a:lnRef>
+      <a:fillRef idx="1">
+        <a:scrgbClr r="0" g="0" b="0"/>
+      </a:fillRef>
+      <a:effectRef idx="0">
+        <a:scrgbClr r="0" g="0" b="0"/>
+      </a:effectRef>
+      <a:fontRef idx="minor"/>
+    </dgm:style>
+  </dgm:styleLbl>
+  <dgm:styleLbl name="bgAcc1">
+    <dgm:scene3d>
+      <a:camera prst="orthographicFront"/>
+      <a:lightRig rig="threePt" dir="t"/>
+    </dgm:scene3d>
+    <dgm:sp3d/>
+    <dgm:txPr/>
+    <dgm:style>
+      <a:lnRef idx="1">
+        <a:scrgbClr r="0" g="0" b="0"/>
+      </a:lnRef>
+      <a:fillRef idx="1">
+        <a:scrgbClr r="0" g="0" b="0"/>
+      </a:fillRef>
+      <a:effectRef idx="2">
+        <a:scrgbClr r="0" g="0" b="0"/>
+      </a:effectRef>
+      <a:fontRef idx="minor"/>
+    </dgm:style>
+  </dgm:styleLbl>
+  <dgm:styleLbl name="solidFgAcc1">
+    <dgm:scene3d>
+      <a:camera prst="orthographicFront"/>
+      <a:lightRig rig="threePt" dir="t"/>
+    </dgm:scene3d>
+    <dgm:sp3d/>
+    <dgm:txPr/>
+    <dgm:style>
+      <a:lnRef idx="1">
+        <a:scrgbClr r="0" g="0" b="0"/>
+      </a:lnRef>
+      <a:fillRef idx="1">
+        <a:scrgbClr r="0" g="0" b="0"/>
+      </a:fillRef>
+      <a:effectRef idx="2">
+        <a:scrgbClr r="0" g="0" b="0"/>
+      </a:effectRef>
+      <a:fontRef idx="minor"/>
+    </dgm:style>
+  </dgm:styleLbl>
+  <dgm:styleLbl name="solidAlignAcc1">
+    <dgm:scene3d>
+      <a:camera prst="orthographicFront"/>
+      <a:lightRig rig="threePt" dir="t"/>
+    </dgm:scene3d>
+    <dgm:sp3d/>
+    <dgm:txPr/>
+    <dgm:style>
+      <a:lnRef idx="1">
+        <a:scrgbClr r="0" g="0" b="0"/>
+      </a:lnRef>
+      <a:fillRef idx="1">
+        <a:scrgbClr r="0" g="0" b="0"/>
+      </a:fillRef>
+      <a:effectRef idx="3">
+        <a:scrgbClr r="0" g="0" b="0"/>
+      </a:effectRef>
+      <a:fontRef idx="minor"/>
+    </dgm:style>
+  </dgm:styleLbl>
+  <dgm:styleLbl name="solidBgAcc1">
+    <dgm:scene3d>
+      <a:camera prst="orthographicFront"/>
+      <a:lightRig rig="threePt" dir="t"/>
+    </dgm:scene3d>
+    <dgm:sp3d/>
+    <dgm:txPr/>
+    <dgm:style>
+      <a:lnRef idx="1">
+        <a:scrgbClr r="0" g="0" b="0"/>
+      </a:lnRef>
+      <a:fillRef idx="1">
+        <a:scrgbClr r="0" g="0" b="0"/>
+      </a:fillRef>
+      <a:effectRef idx="3">
+        <a:scrgbClr r="0" g="0" b="0"/>
+      </a:effectRef>
+      <a:fontRef idx="minor"/>
+    </dgm:style>
+  </dgm:styleLbl>
+  <dgm:styleLbl name="fgAccFollowNode1">
+    <dgm:scene3d>
+      <a:camera prst="orthographicFront"/>
+      <a:lightRig rig="threePt" dir="t"/>
+    </dgm:scene3d>
+    <dgm:sp3d/>
+    <dgm:txPr/>
+    <dgm:style>
+      <a:lnRef idx="1">
+        <a:scrgbClr r="0" g="0" b="0"/>
+      </a:lnRef>
+      <a:fillRef idx="1">
+        <a:scrgbClr r="0" g="0" b="0"/>
+      </a:fillRef>
+      <a:effectRef idx="2">
+        <a:scrgbClr r="0" g="0" b="0"/>
+      </a:effectRef>
+      <a:fontRef idx="minor"/>
+    </dgm:style>
+  </dgm:styleLbl>
+  <dgm:styleLbl name="alignAccFollowNode1">
+    <dgm:scene3d>
+      <a:camera prst="orthographicFront"/>
+      <a:lightRig rig="threePt" dir="t"/>
+    </dgm:scene3d>
+    <dgm:sp3d/>
+    <dgm:txPr/>
+    <dgm:style>
+      <a:lnRef idx="1">
+        <a:scrgbClr r="0" g="0" b="0"/>
+      </a:lnRef>
+      <a:fillRef idx="1">
+        <a:scrgbClr r="0" g="0" b="0"/>
+      </a:fillRef>
+      <a:effectRef idx="2">
+        <a:scrgbClr r="0" g="0" b="0"/>
+      </a:effectRef>
+      <a:fontRef idx="minor"/>
+    </dgm:style>
+  </dgm:styleLbl>
+  <dgm:styleLbl name="bgAccFollowNode1">
+    <dgm:scene3d>
+      <a:camera prst="orthographicFront"/>
+      <a:lightRig rig="threePt" dir="t"/>
+    </dgm:scene3d>
+    <dgm:sp3d/>
+    <dgm:txPr/>
+    <dgm:style>
+      <a:lnRef idx="1">
+        <a:scrgbClr r="0" g="0" b="0"/>
+      </a:lnRef>
+      <a:fillRef idx="1">
+        <a:scrgbClr r="0" g="0" b="0"/>
+      </a:fillRef>
+      <a:effectRef idx="2">
+        <a:scrgbClr r="0" g="0" b="0"/>
+      </a:effectRef>
+      <a:fontRef idx="minor"/>
+    </dgm:style>
+  </dgm:styleLbl>
+  <dgm:styleLbl name="fgAcc0">
+    <dgm:scene3d>
+      <a:camera prst="orthographicFront"/>
+      <a:lightRig rig="threePt" dir="t"/>
+    </dgm:scene3d>
+    <dgm:sp3d/>
+    <dgm:txPr/>
+    <dgm:style>
+      <a:lnRef idx="1">
+        <a:scrgbClr r="0" g="0" b="0"/>
+      </a:lnRef>
+      <a:fillRef idx="1">
+        <a:scrgbClr r="0" g="0" b="0"/>
+      </a:fillRef>
+      <a:effectRef idx="2">
+        <a:scrgbClr r="0" g="0" b="0"/>
+      </a:effectRef>
+      <a:fontRef idx="minor"/>
+    </dgm:style>
+  </dgm:styleLbl>
+  <dgm:styleLbl name="fgAcc2">
+    <dgm:scene3d>
+      <a:camera prst="orthographicFront"/>
+      <a:lightRig rig="threePt" dir="t"/>
+    </dgm:scene3d>
+    <dgm:sp3d/>
+    <dgm:txPr/>
+    <dgm:style>
+      <a:lnRef idx="1">
+        <a:scrgbClr r="0" g="0" b="0"/>
+      </a:lnRef>
+      <a:fillRef idx="1">
+        <a:scrgbClr r="0" g="0" b="0"/>
+      </a:fillRef>
+      <a:effectRef idx="2">
+        <a:scrgbClr r="0" g="0" b="0"/>
+      </a:effectRef>
+      <a:fontRef idx="minor"/>
+    </dgm:style>
+  </dgm:styleLbl>
+  <dgm:styleLbl name="fgAcc3">
+    <dgm:scene3d>
+      <a:camera prst="orthographicFront"/>
+      <a:lightRig rig="threePt" dir="t"/>
+    </dgm:scene3d>
+    <dgm:sp3d/>
+    <dgm:txPr/>
+    <dgm:style>
+      <a:lnRef idx="1">
+        <a:scrgbClr r="0" g="0" b="0"/>
+      </a:lnRef>
+      <a:fillRef idx="1">
+        <a:scrgbClr r="0" g="0" b="0"/>
+      </a:fillRef>
+      <a:effectRef idx="2">
+        <a:scrgbClr r="0" g="0" b="0"/>
+      </a:effectRef>
+      <a:fontRef idx="minor"/>
+    </dgm:style>
+  </dgm:styleLbl>
+  <dgm:styleLbl name="fgAcc4">
+    <dgm:scene3d>
+      <a:camera prst="orthographicFront"/>
+      <a:lightRig rig="threePt" dir="t"/>
+    </dgm:scene3d>
+    <dgm:sp3d/>
+    <dgm:txPr/>
+    <dgm:style>
+      <a:lnRef idx="1">
+        <a:scrgbClr r="0" g="0" b="0"/>
+      </a:lnRef>
+      <a:fillRef idx="1">
+        <a:scrgbClr r="0" g="0" b="0"/>
+      </a:fillRef>
+      <a:effectRef idx="2">
+        <a:scrgbClr r="0" g="0" b="0"/>
+      </a:effectRef>
+      <a:fontRef idx="minor"/>
+    </dgm:style>
+  </dgm:styleLbl>
+  <dgm:styleLbl name="bgShp">
+    <dgm:scene3d>
+      <a:camera prst="orthographicFront"/>
+      <a:lightRig rig="threePt" dir="t"/>
+    </dgm:scene3d>
+    <dgm:sp3d/>
+    <dgm:txPr/>
+    <dgm:style>
+      <a:lnRef idx="0">
+        <a:scrgbClr r="0" g="0" b="0"/>
+      </a:lnRef>
+      <a:fillRef idx="1">
+        <a:scrgbClr r="0" g="0" b="0"/>
+      </a:fillRef>
+      <a:effectRef idx="2">
+        <a:scrgbClr r="0" g="0" b="0"/>
+      </a:effectRef>
+      <a:fontRef idx="minor"/>
+    </dgm:style>
+  </dgm:styleLbl>
+  <dgm:styleLbl name="dkBgShp">
+    <dgm:scene3d>
+      <a:camera prst="orthographicFront"/>
+      <a:lightRig rig="threePt" dir="t"/>
+    </dgm:scene3d>
+    <dgm:sp3d/>
+    <dgm:txPr/>
+    <dgm:style>
+      <a:lnRef idx="0">
+        <a:scrgbClr r="0" g="0" b="0"/>
+      </a:lnRef>
+      <a:fillRef idx="1">
+        <a:scrgbClr r="0" g="0" b="0"/>
+      </a:fillRef>
+      <a:effectRef idx="3">
+        <a:scrgbClr r="0" g="0" b="0"/>
+      </a:effectRef>
+      <a:fontRef idx="minor"/>
+    </dgm:style>
+  </dgm:styleLbl>
+  <dgm:styleLbl name="trBgShp">
+    <dgm:scene3d>
+      <a:camera prst="orthographicFront"/>
+      <a:lightRig rig="threePt" dir="t"/>
+    </dgm:scene3d>
+    <dgm:sp3d/>
+    <dgm:txPr/>
+    <dgm:style>
+      <a:lnRef idx="0">
+        <a:scrgbClr r="0" g="0" b="0"/>
+      </a:lnRef>
+      <a:fillRef idx="1">
+        <a:scrgbClr r="0" g="0" b="0"/>
+      </a:fillRef>
+      <a:effectRef idx="0">
+        <a:scrgbClr r="0" g="0" b="0"/>
+      </a:effectRef>
+      <a:fontRef idx="minor"/>
+    </dgm:style>
+  </dgm:styleLbl>
+  <dgm:styleLbl name="fgShp">
+    <dgm:scene3d>
+      <a:camera prst="orthographicFront"/>
+      <a:lightRig rig="threePt" dir="t"/>
+    </dgm:scene3d>
+    <dgm:sp3d/>
+    <dgm:txPr/>
+    <dgm:style>
+      <a:lnRef idx="0">
+        <a:scrgbClr r="0" g="0" b="0"/>
+      </a:lnRef>
+      <a:fillRef idx="3">
+        <a:scrgbClr r="0" g="0" b="0"/>
+      </a:fillRef>
+      <a:effectRef idx="3">
+        <a:scrgbClr r="0" g="0" b="0"/>
+      </a:effectRef>
+      <a:fontRef idx="minor"/>
+    </dgm:style>
+  </dgm:styleLbl>
+  <dgm:styleLbl name="revTx">
+    <dgm:scene3d>
+      <a:camera prst="orthographicFront"/>
+      <a:lightRig rig="threePt" dir="t"/>
+    </dgm:scene3d>
+    <dgm:sp3d/>
+    <dgm:txPr/>
+    <dgm:style>
+      <a:lnRef idx="0">
+        <a:scrgbClr r="0" g="0" b="0"/>
+      </a:lnRef>
+      <a:fillRef idx="0">
+        <a:scrgbClr r="0" g="0" b="0"/>
+      </a:fillRef>
+      <a:effectRef idx="0">
+        <a:scrgbClr r="0" g="0" b="0"/>
+      </a:effectRef>
+      <a:fontRef idx="minor"/>
+    </dgm:style>
+  </dgm:styleLbl>
+</dgm:styleDef>
+</file>
+
+<file path=ppt/diagrams/quickStyle2.xml><?xml version="1.0" encoding="utf-8"?>
+<dgm:styleDef xmlns:dgm="http://schemas.openxmlformats.org/drawingml/2006/diagram" xmlns:a="http://schemas.openxmlformats.org/drawingml/2006/main" uniqueId="urn:microsoft.com/office/officeart/2005/8/quickstyle/simple2">
+  <dgm:title val=""/>
+  <dgm:desc val=""/>
+  <dgm:catLst>
+    <dgm:cat type="simple" pri="10200"/>
+  </dgm:catLst>
+  <dgm:scene3d>
+    <a:camera prst="orthographicFront"/>
+    <a:lightRig rig="threePt" dir="t"/>
+  </dgm:scene3d>
+  <dgm:styleLbl name="node0">
+    <dgm:scene3d>
+      <a:camera prst="orthographicFront"/>
+      <a:lightRig rig="threePt" dir="t"/>
+    </dgm:scene3d>
+    <dgm:sp3d/>
+    <dgm:txPr/>
+    <dgm:style>
+      <a:lnRef idx="3">
+        <a:scrgbClr r="0" g="0" b="0"/>
+      </a:lnRef>
+      <a:fillRef idx="1">
+        <a:scrgbClr r="0" g="0" b="0"/>
+      </a:fillRef>
+      <a:effectRef idx="1">
+        <a:scrgbClr r="0" g="0" b="0"/>
+      </a:effectRef>
+      <a:fontRef idx="minor">
+        <a:schemeClr val="lt1"/>
+      </a:fontRef>
+    </dgm:style>
+  </dgm:styleLbl>
+  <dgm:styleLbl name="lnNode1">
+    <dgm:scene3d>
+      <a:camera prst="orthographicFront"/>
+      <a:lightRig rig="threePt" dir="t"/>
+    </dgm:scene3d>
+    <dgm:sp3d/>
+    <dgm:txPr/>
+    <dgm:style>
+      <a:lnRef idx="3">
+        <a:scrgbClr r="0" g="0" b="0"/>
+      </a:lnRef>
+      <a:fillRef idx="1">
+        <a:scrgbClr r="0" g="0" b="0"/>
+      </a:fillRef>
+      <a:effectRef idx="1">
+        <a:scrgbClr r="0" g="0" b="0"/>
+      </a:effectRef>
+      <a:fontRef idx="minor">
+        <a:schemeClr val="lt1"/>
+      </a:fontRef>
+    </dgm:style>
+  </dgm:styleLbl>
+  <dgm:styleLbl name="vennNode1">
+    <dgm:scene3d>
+      <a:camera prst="orthographicFront"/>
+      <a:lightRig rig="threePt" dir="t"/>
+    </dgm:scene3d>
+    <dgm:sp3d/>
+    <dgm:txPr/>
+    <dgm:style>
+      <a:lnRef idx="3">
+        <a:scrgbClr r="0" g="0" b="0"/>
+      </a:lnRef>
+      <a:fillRef idx="1">
+        <a:scrgbClr r="0" g="0" b="0"/>
+      </a:fillRef>
+      <a:effectRef idx="0">
+        <a:scrgbClr r="0" g="0" b="0"/>
+      </a:effectRef>
+      <a:fontRef idx="minor">
+        <a:schemeClr val="tx1"/>
+      </a:fontRef>
+    </dgm:style>
+  </dgm:styleLbl>
+  <dgm:styleLbl name="alignNode1">
+    <dgm:scene3d>
+      <a:camera prst="orthographicFront"/>
+      <a:lightRig rig="threePt" dir="t"/>
+    </dgm:scene3d>
+    <dgm:sp3d/>
+    <dgm:txPr/>
+    <dgm:style>
+      <a:lnRef idx="2">
+        <a:scrgbClr r="0" g="0" b="0"/>
+      </a:lnRef>
+      <a:fillRef idx="1">
+        <a:scrgbClr r="0" g="0" b="0"/>
+      </a:fillRef>
+      <a:effectRef idx="1">
+        <a:scrgbClr r="0" g="0" b="0"/>
+      </a:effectRef>
+      <a:fontRef idx="minor">
+        <a:schemeClr val="lt1"/>
+      </a:fontRef>
+    </dgm:style>
+  </dgm:styleLbl>
+  <dgm:styleLbl name="node1">
+    <dgm:scene3d>
+      <a:camera prst="orthographicFront"/>
+      <a:lightRig rig="threePt" dir="t"/>
+    </dgm:scene3d>
+    <dgm:sp3d/>
+    <dgm:txPr/>
+    <dgm:style>
+      <a:lnRef idx="3">
+        <a:scrgbClr r="0" g="0" b="0"/>
+      </a:lnRef>
+      <a:fillRef idx="1">
+        <a:scrgbClr r="0" g="0" b="0"/>
+      </a:fillRef>
+      <a:effectRef idx="1">
+        <a:scrgbClr r="0" g="0" b="0"/>
+      </a:effectRef>
+      <a:fontRef idx="minor">
+        <a:schemeClr val="lt1"/>
+      </a:fontRef>
+    </dgm:style>
+  </dgm:styleLbl>
+  <dgm:styleLbl name="node2">
+    <dgm:scene3d>
+      <a:camera prst="orthographicFront"/>
+      <a:lightRig rig="threePt" dir="t"/>
+    </dgm:scene3d>
+    <dgm:sp3d/>
+    <dgm:txPr/>
+    <dgm:style>
+      <a:lnRef idx="3">
+        <a:scrgbClr r="0" g="0" b="0"/>
+      </a:lnRef>
+      <a:fillRef idx="1">
+        <a:scrgbClr r="0" g="0" b="0"/>
+      </a:fillRef>
+      <a:effectRef idx="1">
+        <a:scrgbClr r="0" g="0" b="0"/>
+      </a:effectRef>
+      <a:fontRef idx="minor">
+        <a:schemeClr val="lt1"/>
+      </a:fontRef>
+    </dgm:style>
+  </dgm:styleLbl>
+  <dgm:styleLbl name="node3">
+    <dgm:scene3d>
+      <a:camera prst="orthographicFront"/>
+      <a:lightRig rig="threePt" dir="t"/>
+    </dgm:scene3d>
+    <dgm:sp3d/>
+    <dgm:txPr/>
+    <dgm:style>
+      <a:lnRef idx="3">
+        <a:scrgbClr r="0" g="0" b="0"/>
+      </a:lnRef>
+      <a:fillRef idx="1">
+        <a:scrgbClr r="0" g="0" b="0"/>
+      </a:fillRef>
+      <a:effectRef idx="1">
+        <a:scrgbClr r="0" g="0" b="0"/>
+      </a:effectRef>
+      <a:fontRef idx="minor">
+        <a:schemeClr val="lt1"/>
+      </a:fontRef>
+    </dgm:style>
+  </dgm:styleLbl>
+  <dgm:styleLbl name="node4">
+    <dgm:scene3d>
+      <a:camera prst="orthographicFront"/>
+      <a:lightRig rig="threePt" dir="t"/>
+    </dgm:scene3d>
+    <dgm:sp3d/>
+    <dgm:txPr/>
+    <dgm:style>
+      <a:lnRef idx="3">
+        <a:scrgbClr r="0" g="0" b="0"/>
+      </a:lnRef>
+      <a:fillRef idx="1">
+        <a:scrgbClr r="0" g="0" b="0"/>
+      </a:fillRef>
+      <a:effectRef idx="1">
+        <a:scrgbClr r="0" g="0" b="0"/>
+      </a:effectRef>
+      <a:fontRef idx="minor">
+        <a:schemeClr val="lt1"/>
+      </a:fontRef>
+    </dgm:style>
+  </dgm:styleLbl>
+  <dgm:styleLbl name="fgImgPlace1">
+    <dgm:scene3d>
+      <a:camera prst="orthographicFront"/>
+      <a:lightRig rig="threePt" dir="t"/>
+    </dgm:scene3d>
+    <dgm:sp3d/>
+    <dgm:txPr/>
+    <dgm:style>
+      <a:lnRef idx="3">
+        <a:scrgbClr r="0" g="0" b="0"/>
+      </a:lnRef>
+      <a:fillRef idx="1">
+        <a:scrgbClr r="0" g="0" b="0"/>
+      </a:fillRef>
+      <a:effectRef idx="1">
+        <a:scrgbClr r="0" g="0" b="0"/>
+      </a:effectRef>
+      <a:fontRef idx="minor"/>
+    </dgm:style>
+  </dgm:styleLbl>
+  <dgm:styleLbl name="alignImgPlace1">
+    <dgm:scene3d>
+      <a:camera prst="orthographicFront"/>
+      <a:lightRig rig="threePt" dir="t"/>
+    </dgm:scene3d>
+    <dgm:sp3d/>
+    <dgm:txPr/>
+    <dgm:style>
+      <a:lnRef idx="3">
+        <a:scrgbClr r="0" g="0" b="0"/>
+      </a:lnRef>
+      <a:fillRef idx="1">
+        <a:scrgbClr r="0" g="0" b="0"/>
+      </a:fillRef>
+      <a:effectRef idx="1">
+        <a:scrgbClr r="0" g="0" b="0"/>
+      </a:effectRef>
+      <a:fontRef idx="minor"/>
+    </dgm:style>
+  </dgm:styleLbl>
+  <dgm:styleLbl name="bgImgPlace1">
+    <dgm:scene3d>
+      <a:camera prst="orthographicFront"/>
+      <a:lightRig rig="threePt" dir="t"/>
+    </dgm:scene3d>
+    <dgm:sp3d/>
+    <dgm:txPr/>
+    <dgm:style>
+      <a:lnRef idx="3">
+        <a:scrgbClr r="0" g="0" b="0"/>
+      </a:lnRef>
+      <a:fillRef idx="1">
+        <a:scrgbClr r="0" g="0" b="0"/>
+      </a:fillRef>
+      <a:effectRef idx="1">
+        <a:scrgbClr r="0" g="0" b="0"/>
+      </a:effectRef>
+      <a:fontRef idx="minor"/>
+    </dgm:style>
+  </dgm:styleLbl>
+  <dgm:styleLbl name="sibTrans2D1">
+    <dgm:scene3d>
+      <a:camera prst="orthographicFront"/>
+      <a:lightRig rig="threePt" dir="t"/>
+    </dgm:scene3d>
+    <dgm:sp3d/>
+    <dgm:txPr/>
+    <dgm:style>
+      <a:lnRef idx="0">
+        <a:scrgbClr r="0" g="0" b="0"/>
+      </a:lnRef>
+      <a:fillRef idx="1">
+        <a:scrgbClr r="0" g="0" b="0"/>
+      </a:fillRef>
+      <a:effectRef idx="1">
+        <a:scrgbClr r="0" g="0" b="0"/>
+      </a:effectRef>
+      <a:fontRef idx="minor">
+        <a:schemeClr val="lt1"/>
+      </a:fontRef>
+    </dgm:style>
+  </dgm:styleLbl>
+  <dgm:styleLbl name="fgSibTrans2D1">
+    <dgm:scene3d>
+      <a:camera prst="orthographicFront"/>
+      <a:lightRig rig="threePt" dir="t"/>
+    </dgm:scene3d>
+    <dgm:sp3d/>
+    <dgm:txPr/>
+    <dgm:style>
+      <a:lnRef idx="0">
+        <a:scrgbClr r="0" g="0" b="0"/>
+      </a:lnRef>
+      <a:fillRef idx="1">
+        <a:scrgbClr r="0" g="0" b="0"/>
+      </a:fillRef>
+      <a:effectRef idx="1">
+        <a:scrgbClr r="0" g="0" b="0"/>
+      </a:effectRef>
+      <a:fontRef idx="minor">
+        <a:schemeClr val="lt1"/>
+      </a:fontRef>
+    </dgm:style>
+  </dgm:styleLbl>
+  <dgm:styleLbl name="bgSibTrans2D1">
+    <dgm:scene3d>
+      <a:camera prst="orthographicFront"/>
+      <a:lightRig rig="threePt" dir="t"/>
+    </dgm:scene3d>
+    <dgm:sp3d/>
+    <dgm:txPr/>
+    <dgm:style>
+      <a:lnRef idx="0">
+        <a:scrgbClr r="0" g="0" b="0"/>
+      </a:lnRef>
+      <a:fillRef idx="1">
+        <a:scrgbClr r="0" g="0" b="0"/>
+      </a:fillRef>
+      <a:effectRef idx="1">
+        <a:scrgbClr r="0" g="0" b="0"/>
+      </a:effectRef>
+      <a:fontRef idx="minor">
+        <a:schemeClr val="lt1"/>
+      </a:fontRef>
+    </dgm:style>
+  </dgm:styleLbl>
+  <dgm:styleLbl name="sibTrans1D1">
+    <dgm:scene3d>
+      <a:camera prst="orthographicFront"/>
+      <a:lightRig rig="threePt" dir="t"/>
+    </dgm:scene3d>
+    <dgm:sp3d/>
+    <dgm:txPr/>
+    <dgm:style>
+      <a:lnRef idx="1">
+        <a:scrgbClr r="0" g="0" b="0"/>
+      </a:lnRef>
+      <a:fillRef idx="0">
+        <a:scrgbClr r="0" g="0" b="0"/>
+      </a:fillRef>
+      <a:effectRef idx="0">
+        <a:scrgbClr r="0" g="0" b="0"/>
+      </a:effectRef>
+      <a:fontRef idx="minor"/>
+    </dgm:style>
+  </dgm:styleLbl>
+  <dgm:styleLbl name="callout">
+    <dgm:scene3d>
+      <a:camera prst="orthographicFront"/>
+      <a:lightRig rig="threePt" dir="t"/>
+    </dgm:scene3d>
+    <dgm:sp3d/>
+    <dgm:txPr/>
+    <dgm:style>
+      <a:lnRef idx="2">
+        <a:scrgbClr r="0" g="0" b="0"/>
+      </a:lnRef>
+      <a:fillRef idx="1">
+        <a:scrgbClr r="0" g="0" b="0"/>
+      </a:fillRef>
+      <a:effectRef idx="1">
+        <a:scrgbClr r="0" g="0" b="0"/>
+      </a:effectRef>
+      <a:fontRef idx="minor"/>
+    </dgm:style>
+  </dgm:styleLbl>
+  <dgm:styleLbl name="asst0">
+    <dgm:scene3d>
+      <a:camera prst="orthographicFront"/>
+      <a:lightRig rig="threePt" dir="t"/>
+    </dgm:scene3d>
+    <dgm:sp3d/>
+    <dgm:txPr/>
+    <dgm:style>
+      <a:lnRef idx="3">
+        <a:scrgbClr r="0" g="0" b="0"/>
+      </a:lnRef>
+      <a:fillRef idx="1">
+        <a:scrgbClr r="0" g="0" b="0"/>
+      </a:fillRef>
+      <a:effectRef idx="1">
+        <a:scrgbClr r="0" g="0" b="0"/>
+      </a:effectRef>
+      <a:fontRef idx="minor">
+        <a:schemeClr val="lt1"/>
+      </a:fontRef>
+    </dgm:style>
+  </dgm:styleLbl>
+  <dgm:styleLbl name="asst1">
+    <dgm:scene3d>
+      <a:camera prst="orthographicFront"/>
+      <a:lightRig rig="threePt" dir="t"/>
+    </dgm:scene3d>
+    <dgm:sp3d/>
+    <dgm:txPr/>
+    <dgm:style>
+      <a:lnRef idx="3">
+        <a:scrgbClr r="0" g="0" b="0"/>
+      </a:lnRef>
+      <a:fillRef idx="1">
+        <a:scrgbClr r="0" g="0" b="0"/>
+      </a:fillRef>
+      <a:effectRef idx="1">
+        <a:scrgbClr r="0" g="0" b="0"/>
+      </a:effectRef>
+      <a:fontRef idx="minor">
+        <a:schemeClr val="lt1"/>
+      </a:fontRef>
+    </dgm:style>
+  </dgm:styleLbl>
+  <dgm:styleLbl name="asst2">
+    <dgm:scene3d>
+      <a:camera prst="orthographicFront"/>
+      <a:lightRig rig="threePt" dir="t"/>
+    </dgm:scene3d>
+    <dgm:sp3d/>
+    <dgm:txPr/>
+    <dgm:style>
+      <a:lnRef idx="3">
+        <a:scrgbClr r="0" g="0" b="0"/>
+      </a:lnRef>
+      <a:fillRef idx="1">
+        <a:scrgbClr r="0" g="0" b="0"/>
+      </a:fillRef>
+      <a:effectRef idx="1">
+        <a:scrgbClr r="0" g="0" b="0"/>
+      </a:effectRef>
+      <a:fontRef idx="minor">
+        <a:schemeClr val="lt1"/>
+      </a:fontRef>
+    </dgm:style>
+  </dgm:styleLbl>
+  <dgm:styleLbl name="asst3">
+    <dgm:scene3d>
+      <a:camera prst="orthographicFront"/>
+      <a:lightRig rig="threePt" dir="t"/>
+    </dgm:scene3d>
+    <dgm:sp3d/>
+    <dgm:txPr/>
+    <dgm:style>
+      <a:lnRef idx="3">
+        <a:scrgbClr r="0" g="0" b="0"/>
+      </a:lnRef>
+      <a:fillRef idx="1">
+        <a:scrgbClr r="0" g="0" b="0"/>
+      </a:fillRef>
+      <a:effectRef idx="1">
+        <a:scrgbClr r="0" g="0" b="0"/>
+      </a:effectRef>
+      <a:fontRef idx="minor">
+        <a:schemeClr val="lt1"/>
+      </a:fontRef>
+    </dgm:style>
+  </dgm:styleLbl>
+  <dgm:styleLbl name="asst4">
+    <dgm:scene3d>
+      <a:camera prst="orthographicFront"/>
+      <a:lightRig rig="threePt" dir="t"/>
+    </dgm:scene3d>
+    <dgm:sp3d/>
+    <dgm:txPr/>
+    <dgm:style>
+      <a:lnRef idx="3">
+        <a:scrgbClr r="0" g="0" b="0"/>
+      </a:lnRef>
+      <a:fillRef idx="1">
+        <a:scrgbClr r="0" g="0" b="0"/>
+      </a:fillRef>
+      <a:effectRef idx="1">
+        <a:scrgbClr r="0" g="0" b="0"/>
+      </a:effectRef>
+      <a:fontRef idx="minor">
+        <a:schemeClr val="lt1"/>
+      </a:fontRef>
+    </dgm:style>
+  </dgm:styleLbl>
+  <dgm:styleLbl name="parChTrans2D1">
+    <dgm:scene3d>
+      <a:camera prst="orthographicFront"/>
+      <a:lightRig rig="threePt" dir="t"/>
+    </dgm:scene3d>
+    <dgm:sp3d/>
+    <dgm:txPr/>
+    <dgm:style>
+      <a:lnRef idx="3">
+        <a:scrgbClr r="0" g="0" b="0"/>
+      </a:lnRef>
+      <a:fillRef idx="1">
+        <a:scrgbClr r="0" g="0" b="0"/>
+      </a:fillRef>
+      <a:effectRef idx="1">
+        <a:scrgbClr r="0" g="0" b="0"/>
+      </a:effectRef>
+      <a:fontRef idx="minor">
+        <a:schemeClr val="lt1"/>
+      </a:fontRef>
+    </dgm:style>
+  </dgm:styleLbl>
+  <dgm:styleLbl name="parChTrans2D2">
+    <dgm:scene3d>
+      <a:camera prst="orthographicFront"/>
+      <a:lightRig rig="threePt" dir="t"/>
+    </dgm:scene3d>
+    <dgm:sp3d/>
+    <dgm:txPr/>
+    <dgm:style>
+      <a:lnRef idx="3">
+        <a:scrgbClr r="0" g="0" b="0"/>
+      </a:lnRef>
+      <a:fillRef idx="1">
+        <a:scrgbClr r="0" g="0" b="0"/>
+      </a:fillRef>
+      <a:effectRef idx="1">
+        <a:scrgbClr r="0" g="0" b="0"/>
+      </a:effectRef>
+      <a:fontRef idx="minor">
+        <a:schemeClr val="lt1"/>
+      </a:fontRef>
+    </dgm:style>
+  </dgm:styleLbl>
+  <dgm:styleLbl name="parChTrans2D3">
+    <dgm:scene3d>
+      <a:camera prst="orthographicFront"/>
+      <a:lightRig rig="threePt" dir="t"/>
+    </dgm:scene3d>
+    <dgm:sp3d/>
+    <dgm:txPr/>
+    <dgm:style>
+      <a:lnRef idx="3">
+        <a:scrgbClr r="0" g="0" b="0"/>
+      </a:lnRef>
+      <a:fillRef idx="1">
+        <a:scrgbClr r="0" g="0" b="0"/>
+      </a:fillRef>
+      <a:effectRef idx="1">
+        <a:scrgbClr r="0" g="0" b="0"/>
+      </a:effectRef>
+      <a:fontRef idx="minor">
+        <a:schemeClr val="lt1"/>
+      </a:fontRef>
+    </dgm:style>
+  </dgm:styleLbl>
+  <dgm:styleLbl name="parChTrans2D4">
+    <dgm:scene3d>
+      <a:camera prst="orthographicFront"/>
+      <a:lightRig rig="threePt" dir="t"/>
+    </dgm:scene3d>
+    <dgm:sp3d/>
+    <dgm:txPr/>
+    <dgm:style>
+      <a:lnRef idx="3">
+        <a:scrgbClr r="0" g="0" b="0"/>
+      </a:lnRef>
+      <a:fillRef idx="1">
+        <a:scrgbClr r="0" g="0" b="0"/>
+      </a:fillRef>
+      <a:effectRef idx="1">
+        <a:scrgbClr r="0" g="0" b="0"/>
+      </a:effectRef>
+      <a:fontRef idx="minor">
+        <a:schemeClr val="lt1"/>
+      </a:fontRef>
+    </dgm:style>
+  </dgm:styleLbl>
+  <dgm:styleLbl name="parChTrans1D1">
+    <dgm:scene3d>
+      <a:camera prst="orthographicFront"/>
+      <a:lightRig rig="threePt" dir="t"/>
+    </dgm:scene3d>
+    <dgm:sp3d/>
+    <dgm:txPr/>
+    <dgm:style>
+      <a:lnRef idx="2">
+        <a:scrgbClr r="0" g="0" b="0"/>
+      </a:lnRef>
+      <a:fillRef idx="0">
+        <a:scrgbClr r="0" g="0" b="0"/>
+      </a:fillRef>
+      <a:effectRef idx="0">
+        <a:scrgbClr r="0" g="0" b="0"/>
+      </a:effectRef>
+      <a:fontRef idx="minor"/>
+    </dgm:style>
+  </dgm:styleLbl>
+  <dgm:styleLbl name="parChTrans1D2">
+    <dgm:scene3d>
+      <a:camera prst="orthographicFront"/>
+      <a:lightRig rig="threePt" dir="t"/>
+    </dgm:scene3d>
+    <dgm:sp3d/>
+    <dgm:txPr/>
+    <dgm:style>
+      <a:lnRef idx="2">
+        <a:scrgbClr r="0" g="0" b="0"/>
+      </a:lnRef>
+      <a:fillRef idx="0">
+        <a:scrgbClr r="0" g="0" b="0"/>
+      </a:fillRef>
+      <a:effectRef idx="0">
+        <a:scrgbClr r="0" g="0" b="0"/>
+      </a:effectRef>
+      <a:fontRef idx="minor"/>
+    </dgm:style>
+  </dgm:styleLbl>
+  <dgm:styleLbl name="parChTrans1D3">
+    <dgm:scene3d>
+      <a:camera prst="orthographicFront"/>
+      <a:lightRig rig="threePt" dir="t"/>
+    </dgm:scene3d>
+    <dgm:sp3d/>
+    <dgm:txPr/>
+    <dgm:style>
+      <a:lnRef idx="2">
+        <a:scrgbClr r="0" g="0" b="0"/>
+      </a:lnRef>
+      <a:fillRef idx="0">
+        <a:scrgbClr r="0" g="0" b="0"/>
+      </a:fillRef>
+      <a:effectRef idx="0">
+        <a:scrgbClr r="0" g="0" b="0"/>
+      </a:effectRef>
+      <a:fontRef idx="minor"/>
+    </dgm:style>
+  </dgm:styleLbl>
+  <dgm:styleLbl name="parChTrans1D4">
+    <dgm:scene3d>
+      <a:camera prst="orthographicFront"/>
+      <a:lightRig rig="threePt" dir="t"/>
+    </dgm:scene3d>
+    <dgm:sp3d/>
+    <dgm:txPr/>
+    <dgm:style>
+      <a:lnRef idx="2">
+        <a:scrgbClr r="0" g="0" b="0"/>
+      </a:lnRef>
+      <a:fillRef idx="0">
+        <a:scrgbClr r="0" g="0" b="0"/>
+      </a:fillRef>
+      <a:effectRef idx="0">
+        <a:scrgbClr r="0" g="0" b="0"/>
+      </a:effectRef>
+      <a:fontRef idx="minor"/>
+    </dgm:style>
+  </dgm:styleLbl>
+  <dgm:styleLbl name="fgAcc1">
+    <dgm:scene3d>
+      <a:camera prst="orthographicFront"/>
+      <a:lightRig rig="threePt" dir="t"/>
+    </dgm:scene3d>
+    <dgm:sp3d/>
+    <dgm:txPr/>
+    <dgm:style>
+      <a:lnRef idx="2">
+        <a:scrgbClr r="0" g="0" b="0"/>
+      </a:lnRef>
+      <a:fillRef idx="1">
+        <a:scrgbClr r="0" g="0" b="0"/>
+      </a:fillRef>
+      <a:effectRef idx="0">
+        <a:scrgbClr r="0" g="0" b="0"/>
+      </a:effectRef>
+      <a:fontRef idx="minor"/>
+    </dgm:style>
+  </dgm:styleLbl>
+  <dgm:styleLbl name="conFgAcc1">
+    <dgm:scene3d>
+      <a:camera prst="orthographicFront"/>
+      <a:lightRig rig="threePt" dir="t"/>
+    </dgm:scene3d>
+    <dgm:sp3d/>
+    <dgm:txPr/>
+    <dgm:style>
+      <a:lnRef idx="2">
+        <a:scrgbClr r="0" g="0" b="0"/>
+      </a:lnRef>
+      <a:fillRef idx="1">
+        <a:scrgbClr r="0" g="0" b="0"/>
+      </a:fillRef>
+      <a:effectRef idx="0">
+        <a:scrgbClr r="0" g="0" b="0"/>
+      </a:effectRef>
+      <a:fontRef idx="minor"/>
+    </dgm:style>
+  </dgm:styleLbl>
+  <dgm:styleLbl name="alignAcc1">
+    <dgm:scene3d>
+      <a:camera prst="orthographicFront"/>
+      <a:lightRig rig="threePt" dir="t"/>
+    </dgm:scene3d>
+    <dgm:sp3d/>
+    <dgm:txPr/>
+    <dgm:style>
+      <a:lnRef idx="2">
+        <a:scrgbClr r="0" g="0" b="0"/>
+      </a:lnRef>
+      <a:fillRef idx="1">
+        <a:scrgbClr r="0" g="0" b="0"/>
+      </a:fillRef>
+      <a:effectRef idx="0">
+        <a:scrgbClr r="0" g="0" b="0"/>
+      </a:effectRef>
+      <a:fontRef idx="minor"/>
+    </dgm:style>
+  </dgm:styleLbl>
+  <dgm:styleLbl name="trAlignAcc1">
+    <dgm:scene3d>
+      <a:camera prst="orthographicFront"/>
+      <a:lightRig rig="threePt" dir="t"/>
+    </dgm:scene3d>
+    <dgm:sp3d/>
+    <dgm:txPr/>
+    <dgm:style>
+      <a:lnRef idx="1">
+        <a:scrgbClr r="0" g="0" b="0"/>
+      </a:lnRef>
+      <a:fillRef idx="1">
+        <a:scrgbClr r="0" g="0" b="0"/>
+      </a:fillRef>
+      <a:effectRef idx="0">
+        <a:scrgbClr r="0" g="0" b="0"/>
+      </a:effectRef>
+      <a:fontRef idx="minor"/>
+    </dgm:style>
+  </dgm:styleLbl>
+  <dgm:styleLbl name="bgAcc1">
+    <dgm:scene3d>
+      <a:camera prst="orthographicFront"/>
+      <a:lightRig rig="threePt" dir="t"/>
+    </dgm:scene3d>
+    <dgm:sp3d/>
+    <dgm:txPr/>
+    <dgm:style>
+      <a:lnRef idx="2">
+        <a:scrgbClr r="0" g="0" b="0"/>
+      </a:lnRef>
+      <a:fillRef idx="1">
+        <a:scrgbClr r="0" g="0" b="0"/>
+      </a:fillRef>
+      <a:effectRef idx="0">
+        <a:scrgbClr r="0" g="0" b="0"/>
+      </a:effectRef>
+      <a:fontRef idx="minor"/>
+    </dgm:style>
+  </dgm:styleLbl>
+  <dgm:styleLbl name="solidFgAcc1">
+    <dgm:scene3d>
+      <a:camera prst="orthographicFront"/>
+      <a:lightRig rig="threePt" dir="t"/>
+    </dgm:scene3d>
+    <dgm:sp3d/>
+    <dgm:txPr/>
+    <dgm:style>
+      <a:lnRef idx="2">
+        <a:scrgbClr r="0" g="0" b="0"/>
+      </a:lnRef>
+      <a:fillRef idx="1">
+        <a:scrgbClr r="0" g="0" b="0"/>
+      </a:fillRef>
+      <a:effectRef idx="0">
+        <a:scrgbClr r="0" g="0" b="0"/>
+      </a:effectRef>
+      <a:fontRef idx="minor"/>
+    </dgm:style>
+  </dgm:styleLbl>
+  <dgm:styleLbl name="solidAlignAcc1">
+    <dgm:scene3d>
+      <a:camera prst="orthographicFront"/>
+      <a:lightRig rig="threePt" dir="t"/>
+    </dgm:scene3d>
+    <dgm:sp3d/>
+    <dgm:txPr/>
+    <dgm:style>
+      <a:lnRef idx="2">
+        <a:scrgbClr r="0" g="0" b="0"/>
+      </a:lnRef>
+      <a:fillRef idx="1">
+        <a:scrgbClr r="0" g="0" b="0"/>
+      </a:fillRef>
+      <a:effectRef idx="0">
+        <a:scrgbClr r="0" g="0" b="0"/>
+      </a:effectRef>
+      <a:fontRef idx="minor"/>
+    </dgm:style>
+  </dgm:styleLbl>
+  <dgm:styleLbl name="solidBgAcc1">
+    <dgm:scene3d>
+      <a:camera prst="orthographicFront"/>
+      <a:lightRig rig="threePt" dir="t"/>
+    </dgm:scene3d>
+    <dgm:sp3d/>
+    <dgm:txPr/>
+    <dgm:style>
+      <a:lnRef idx="2">
+        <a:scrgbClr r="0" g="0" b="0"/>
+      </a:lnRef>
+      <a:fillRef idx="1">
+        <a:scrgbClr r="0" g="0" b="0"/>
+      </a:fillRef>
+      <a:effectRef idx="0">
+        <a:scrgbClr r="0" g="0" b="0"/>
+      </a:effectRef>
+      <a:fontRef idx="minor"/>
+    </dgm:style>
+  </dgm:styleLbl>
+  <dgm:styleLbl name="fgAccFollowNode1">
+    <dgm:scene3d>
+      <a:camera prst="orthographicFront"/>
+      <a:lightRig rig="threePt" dir="t"/>
+    </dgm:scene3d>
+    <dgm:sp3d/>
+    <dgm:txPr/>
+    <dgm:style>
+      <a:lnRef idx="2">
+        <a:scrgbClr r="0" g="0" b="0"/>
+      </a:lnRef>
+      <a:fillRef idx="1">
+        <a:scrgbClr r="0" g="0" b="0"/>
+      </a:fillRef>
+      <a:effectRef idx="0">
+        <a:scrgbClr r="0" g="0" b="0"/>
+      </a:effectRef>
+      <a:fontRef idx="minor"/>
+    </dgm:style>
+  </dgm:styleLbl>
+  <dgm:styleLbl name="alignAccFollowNode1">
+    <dgm:scene3d>
+      <a:camera prst="orthographicFront"/>
+      <a:lightRig rig="threePt" dir="t"/>
+    </dgm:scene3d>
+    <dgm:sp3d/>
+    <dgm:txPr/>
+    <dgm:style>
+      <a:lnRef idx="2">
+        <a:scrgbClr r="0" g="0" b="0"/>
+      </a:lnRef>
+      <a:fillRef idx="1">
+        <a:scrgbClr r="0" g="0" b="0"/>
+      </a:fillRef>
+      <a:effectRef idx="0">
+        <a:scrgbClr r="0" g="0" b="0"/>
+      </a:effectRef>
+      <a:fontRef idx="minor"/>
+    </dgm:style>
+  </dgm:styleLbl>
+  <dgm:styleLbl name="bgAccFollowNode1">
+    <dgm:scene3d>
+      <a:camera prst="orthographicFront"/>
+      <a:lightRig rig="threePt" dir="t"/>
+    </dgm:scene3d>
+    <dgm:sp3d/>
+    <dgm:txPr/>
+    <dgm:style>
+      <a:lnRef idx="2">
+        <a:scrgbClr r="0" g="0" b="0"/>
+      </a:lnRef>
+      <a:fillRef idx="1">
+        <a:scrgbClr r="0" g="0" b="0"/>
+      </a:fillRef>
+      <a:effectRef idx="0">
+        <a:scrgbClr r="0" g="0" b="0"/>
+      </a:effectRef>
+      <a:fontRef idx="minor"/>
+    </dgm:style>
+  </dgm:styleLbl>
+  <dgm:styleLbl name="fgAcc0">
+    <dgm:scene3d>
+      <a:camera prst="orthographicFront"/>
+      <a:lightRig rig="threePt" dir="t"/>
+    </dgm:scene3d>
+    <dgm:sp3d/>
+    <dgm:txPr/>
+    <dgm:style>
+      <a:lnRef idx="2">
+        <a:scrgbClr r="0" g="0" b="0"/>
+      </a:lnRef>
+      <a:fillRef idx="1">
+        <a:scrgbClr r="0" g="0" b="0"/>
+      </a:fillRef>
+      <a:effectRef idx="0">
+        <a:scrgbClr r="0" g="0" b="0"/>
+      </a:effectRef>
+      <a:fontRef idx="minor"/>
+    </dgm:style>
+  </dgm:styleLbl>
+  <dgm:styleLbl name="fgAcc2">
+    <dgm:scene3d>
+      <a:camera prst="orthographicFront"/>
+      <a:lightRig rig="threePt" dir="t"/>
+    </dgm:scene3d>
+    <dgm:sp3d/>
+    <dgm:txPr/>
+    <dgm:style>
+      <a:lnRef idx="2">
+        <a:scrgbClr r="0" g="0" b="0"/>
+      </a:lnRef>
+      <a:fillRef idx="1">
+        <a:scrgbClr r="0" g="0" b="0"/>
+      </a:fillRef>
+      <a:effectRef idx="0">
+        <a:scrgbClr r="0" g="0" b="0"/>
+      </a:effectRef>
+      <a:fontRef idx="minor"/>
+    </dgm:style>
+  </dgm:styleLbl>
+  <dgm:styleLbl name="fgAcc3">
+    <dgm:scene3d>
+      <a:camera prst="orthographicFront"/>
+      <a:lightRig rig="threePt" dir="t"/>
+    </dgm:scene3d>
+    <dgm:sp3d/>
+    <dgm:txPr/>
+    <dgm:style>
+      <a:lnRef idx="2">
+        <a:scrgbClr r="0" g="0" b="0"/>
+      </a:lnRef>
+      <a:fillRef idx="1">
+        <a:scrgbClr r="0" g="0" b="0"/>
+      </a:fillRef>
+      <a:effectRef idx="0">
+        <a:scrgbClr r="0" g="0" b="0"/>
+      </a:effectRef>
+      <a:fontRef idx="minor"/>
+    </dgm:style>
+  </dgm:styleLbl>
+  <dgm:styleLbl name="fgAcc4">
+    <dgm:scene3d>
+      <a:camera prst="orthographicFront"/>
+      <a:lightRig rig="threePt" dir="t"/>
+    </dgm:scene3d>
+    <dgm:sp3d/>
+    <dgm:txPr/>
+    <dgm:style>
+      <a:lnRef idx="2">
+        <a:scrgbClr r="0" g="0" b="0"/>
+      </a:lnRef>
+      <a:fillRef idx="1">
+        <a:scrgbClr r="0" g="0" b="0"/>
+      </a:fillRef>
+      <a:effectRef idx="0">
+        <a:scrgbClr r="0" g="0" b="0"/>
+      </a:effectRef>
+      <a:fontRef idx="minor"/>
+    </dgm:style>
+  </dgm:styleLbl>
+  <dgm:styleLbl name="bgShp">
+    <dgm:scene3d>
+      <a:camera prst="orthographicFront"/>
+      <a:lightRig rig="threePt" dir="t"/>
+    </dgm:scene3d>
+    <dgm:sp3d/>
+    <dgm:txPr/>
+    <dgm:style>
+      <a:lnRef idx="0">
+        <a:scrgbClr r="0" g="0" b="0"/>
+      </a:lnRef>
+      <a:fillRef idx="1">
+        <a:scrgbClr r="0" g="0" b="0"/>
+      </a:fillRef>
+      <a:effectRef idx="0">
+        <a:scrgbClr r="0" g="0" b="0"/>
+      </a:effectRef>
+      <a:fontRef idx="minor"/>
+    </dgm:style>
+  </dgm:styleLbl>
+  <dgm:styleLbl name="dkBgShp">
+    <dgm:scene3d>
+      <a:camera prst="orthographicFront"/>
+      <a:lightRig rig="threePt" dir="t"/>
+    </dgm:scene3d>
+    <dgm:sp3d/>
+    <dgm:txPr/>
+    <dgm:style>
+      <a:lnRef idx="0">
+        <a:scrgbClr r="0" g="0" b="0"/>
+      </a:lnRef>
+      <a:fillRef idx="1">
+        <a:scrgbClr r="0" g="0" b="0"/>
+      </a:fillRef>
+      <a:effectRef idx="0">
+        <a:scrgbClr r="0" g="0" b="0"/>
+      </a:effectRef>
+      <a:fontRef idx="minor"/>
+    </dgm:style>
+  </dgm:styleLbl>
+  <dgm:styleLbl name="trBgShp">
+    <dgm:scene3d>
+      <a:camera prst="orthographicFront"/>
+      <a:lightRig rig="threePt" dir="t"/>
+    </dgm:scene3d>
+    <dgm:sp3d/>
+    <dgm:txPr/>
+    <dgm:style>
+      <a:lnRef idx="0">
+        <a:scrgbClr r="0" g="0" b="0"/>
+      </a:lnRef>
+      <a:fillRef idx="1">
+        <a:scrgbClr r="0" g="0" b="0"/>
+      </a:fillRef>
+      <a:effectRef idx="0">
+        <a:scrgbClr r="0" g="0" b="0"/>
+      </a:effectRef>
+      <a:fontRef idx="minor"/>
+    </dgm:style>
+  </dgm:styleLbl>
+  <dgm:styleLbl name="fgShp">
+    <dgm:scene3d>
+      <a:camera prst="orthographicFront"/>
+      <a:lightRig rig="threePt" dir="t"/>
+    </dgm:scene3d>
+    <dgm:sp3d/>
+    <dgm:txPr/>
+    <dgm:style>
+      <a:lnRef idx="3">
+        <a:scrgbClr r="0" g="0" b="0"/>
+      </a:lnRef>
+      <a:fillRef idx="1">
+        <a:scrgbClr r="0" g="0" b="0"/>
+      </a:fillRef>
+      <a:effectRef idx="1">
+        <a:scrgbClr r="0" g="0" b="0"/>
+      </a:effectRef>
+      <a:fontRef idx="minor"/>
+    </dgm:style>
+  </dgm:styleLbl>
+  <dgm:styleLbl name="revTx">
+    <dgm:scene3d>
+      <a:camera prst="orthographicFront"/>
+      <a:lightRig rig="threePt" dir="t"/>
+    </dgm:scene3d>
+    <dgm:sp3d/>
+    <dgm:txPr/>
+    <dgm:style>
+      <a:lnRef idx="0">
+        <a:scrgbClr r="0" g="0" b="0"/>
+      </a:lnRef>
+      <a:fillRef idx="0">
+        <a:scrgbClr r="0" g="0" b="0"/>
+      </a:fillRef>
+      <a:effectRef idx="0">
+        <a:scrgbClr r="0" g="0" b="0"/>
+      </a:effectRef>
+      <a:fontRef idx="minor"/>
+    </dgm:style>
+  </dgm:styleLbl>
+</dgm:styleDef>
 </file>
 
 <file path=ppt/notesMasters/notesMaster1.xml><?xml version="1.0" encoding="utf-8"?>
@@ -4080,6 +10410,71 @@
           <a:chExt cx="0" cy="0"/>
         </a:xfrm>
       </p:grpSpPr>
+      <p:sp>
+        <p:nvSpPr>
+          <p:cNvPr id="13" name="Rectangle 9">
+            <a:extLst>
+              <a:ext uri="{FF2B5EF4-FFF2-40B4-BE49-F238E27FC236}">
+                <a16:creationId xmlns:a16="http://schemas.microsoft.com/office/drawing/2014/main" id="{7D821C50-E8C1-4972-A077-64A1F02FCA47}"/>
+              </a:ext>
+              <a:ext uri="{C183D7F6-B498-43B3-948B-1728B52AA6E4}">
+                <adec:decorative xmlns:adec="http://schemas.microsoft.com/office/drawing/2017/decorative" val="1"/>
+              </a:ext>
+            </a:extLst>
+          </p:cNvPr>
+          <p:cNvSpPr>
+            <a:spLocks noGrp="1" noRot="1" noChangeAspect="1" noMove="1" noResize="1" noEditPoints="1" noAdjustHandles="1" noChangeArrowheads="1" noChangeShapeType="1" noTextEdit="1"/>
+          </p:cNvSpPr>
+          <p:nvPr>
+            <p:extLst>
+              <p:ext uri="{386F3935-93C4-4BCD-93E2-E3B085C9AB24}">
+                <p16:designElem xmlns:p16="http://schemas.microsoft.com/office/powerpoint/2015/main" val="1"/>
+              </p:ext>
+            </p:extLst>
+          </p:nvPr>
+        </p:nvSpPr>
+        <p:spPr>
+          <a:xfrm>
+            <a:off x="1575405" y="950977"/>
+            <a:ext cx="9041190" cy="4956047"/>
+          </a:xfrm>
+          <a:prstGeom prst="rect">
+            <a:avLst/>
+          </a:prstGeom>
+          <a:solidFill>
+            <a:srgbClr val="FFFFFF"/>
+          </a:solidFill>
+          <a:ln w="31750">
+            <a:solidFill>
+              <a:srgbClr val="404040"/>
+            </a:solidFill>
+          </a:ln>
+        </p:spPr>
+        <p:style>
+          <a:lnRef idx="2">
+            <a:schemeClr val="accent1">
+              <a:shade val="50000"/>
+            </a:schemeClr>
+          </a:lnRef>
+          <a:fillRef idx="1">
+            <a:schemeClr val="accent1"/>
+          </a:fillRef>
+          <a:effectRef idx="0">
+            <a:schemeClr val="accent1"/>
+          </a:effectRef>
+          <a:fontRef idx="minor">
+            <a:schemeClr val="lt1"/>
+          </a:fontRef>
+        </p:style>
+        <p:txBody>
+          <a:bodyPr rtlCol="0" anchor="ctr"/>
+          <a:lstStyle/>
+          <a:p>
+            <a:pPr algn="ctr"/>
+            <a:endParaRPr lang="en-US"/>
+          </a:p>
+        </p:txBody>
+      </p:sp>
       <p:pic>
         <p:nvPicPr>
           <p:cNvPr id="5" name="Content Placeholder 4" descr="A screenshot of a cell phone&#10;&#10;Description automatically generated">
@@ -4103,14 +10498,77 @@
         </p:blipFill>
         <p:spPr>
           <a:xfrm>
-            <a:off x="20" y="10"/>
-            <a:ext cx="12191980" cy="4571990"/>
+            <a:off x="2366210" y="1944850"/>
+            <a:ext cx="7915425" cy="2968299"/>
           </a:xfrm>
           <a:prstGeom prst="rect">
             <a:avLst/>
           </a:prstGeom>
         </p:spPr>
       </p:pic>
+      <p:sp>
+        <p:nvSpPr>
+          <p:cNvPr id="12" name="Oval 11">
+            <a:extLst>
+              <a:ext uri="{FF2B5EF4-FFF2-40B4-BE49-F238E27FC236}">
+                <a16:creationId xmlns:a16="http://schemas.microsoft.com/office/drawing/2014/main" id="{4C25D72C-CBD6-4479-9043-6B4FB2A5B7D6}"/>
+              </a:ext>
+              <a:ext uri="{C183D7F6-B498-43B3-948B-1728B52AA6E4}">
+                <adec:decorative xmlns:adec="http://schemas.microsoft.com/office/drawing/2017/decorative" val="1"/>
+              </a:ext>
+            </a:extLst>
+          </p:cNvPr>
+          <p:cNvSpPr>
+            <a:spLocks noGrp="1" noRot="1" noChangeAspect="1" noMove="1" noResize="1" noEditPoints="1" noAdjustHandles="1" noChangeArrowheads="1" noChangeShapeType="1" noTextEdit="1"/>
+          </p:cNvSpPr>
+          <p:nvPr>
+            <p:extLst>
+              <p:ext uri="{386F3935-93C4-4BCD-93E2-E3B085C9AB24}">
+                <p16:designElem xmlns:p16="http://schemas.microsoft.com/office/powerpoint/2015/main" val="1"/>
+              </p:ext>
+            </p:extLst>
+          </p:nvPr>
+        </p:nvSpPr>
+        <p:spPr>
+          <a:xfrm>
+            <a:off x="632380" y="624518"/>
+            <a:ext cx="2157984" cy="2157984"/>
+          </a:xfrm>
+          <a:prstGeom prst="ellipse">
+            <a:avLst/>
+          </a:prstGeom>
+          <a:solidFill>
+            <a:srgbClr val="404040"/>
+          </a:solidFill>
+          <a:ln w="31750">
+            <a:noFill/>
+          </a:ln>
+        </p:spPr>
+        <p:style>
+          <a:lnRef idx="2">
+            <a:schemeClr val="accent1">
+              <a:shade val="50000"/>
+            </a:schemeClr>
+          </a:lnRef>
+          <a:fillRef idx="1">
+            <a:schemeClr val="accent1"/>
+          </a:fillRef>
+          <a:effectRef idx="0">
+            <a:schemeClr val="accent1"/>
+          </a:effectRef>
+          <a:fontRef idx="minor">
+            <a:schemeClr val="lt1"/>
+          </a:fontRef>
+        </p:style>
+        <p:txBody>
+          <a:bodyPr rtlCol="0" anchor="ctr"/>
+          <a:lstStyle/>
+          <a:p>
+            <a:pPr algn="ctr"/>
+            <a:endParaRPr lang="en-US"/>
+          </a:p>
+        </p:txBody>
+      </p:sp>
       <p:sp>
         <p:nvSpPr>
           <p:cNvPr id="2" name="Title 1">
@@ -4129,37 +10587,46 @@
         </p:nvSpPr>
         <p:spPr>
           <a:xfrm>
-            <a:off x="1600200" y="3753529"/>
-            <a:ext cx="8991600" cy="1645759"/>
+            <a:off x="796972" y="789110"/>
+            <a:ext cx="1828800" cy="1828800"/>
           </a:xfrm>
+          <a:prstGeom prst="ellipse">
+            <a:avLst/>
+          </a:prstGeom>
+          <a:noFill/>
+          <a:ln>
+            <a:solidFill>
+              <a:srgbClr val="FFFFFF"/>
+            </a:solidFill>
+          </a:ln>
         </p:spPr>
         <p:txBody>
-          <a:bodyPr vert="horz" lIns="274320" tIns="182880" rIns="274320" bIns="182880" rtlCol="0" anchor="ctr" anchorCtr="1">
+          <a:bodyPr vert="horz" lIns="182880" tIns="182880" rIns="182880" bIns="182880" rtlCol="0" anchor="ctr" anchorCtr="1">
             <a:normAutofit/>
           </a:bodyPr>
           <a:lstStyle/>
           <a:p>
             <a:r>
-              <a:rPr lang="en-US" sz="3800">
+              <a:rPr lang="en-US" sz="500">
                 <a:solidFill>
-                  <a:srgbClr val="262626"/>
+                  <a:srgbClr val="FFFFFF"/>
                 </a:solidFill>
               </a:rPr>
               <a:t>Docker Architecture [</a:t>
             </a:r>
             <a:r>
-              <a:rPr lang="en-US" sz="3800">
+              <a:rPr lang="en-US" sz="500">
                 <a:solidFill>
-                  <a:srgbClr val="262626"/>
+                  <a:srgbClr val="FFFFFF"/>
                 </a:solidFill>
                 <a:hlinkClick r:id="rId3"/>
               </a:rPr>
               <a:t>credit</a:t>
             </a:r>
             <a:r>
-              <a:rPr lang="en-US" sz="3800">
+              <a:rPr lang="en-US" sz="500">
                 <a:solidFill>
-                  <a:srgbClr val="262626"/>
+                  <a:srgbClr val="FFFFFF"/>
                 </a:solidFill>
               </a:rPr>
               <a:t>]</a:t>
@@ -4226,32 +10693,30 @@
             <a:off x="8787865" y="2921173"/>
             <a:ext cx="2745667" cy="1015663"/>
           </a:xfrm>
+          <a:prstGeom prst="ellipse">
+            <a:avLst/>
+          </a:prstGeom>
         </p:spPr>
         <p:txBody>
           <a:bodyPr vert="horz" lIns="182880" tIns="182880" rIns="182880" bIns="182880" rtlCol="0" anchor="ctr">
-            <a:normAutofit fontScale="90000"/>
+            <a:normAutofit/>
           </a:bodyPr>
           <a:lstStyle/>
           <a:p>
             <a:pPr fontAlgn="base"/>
             <a:br>
-              <a:rPr lang="en-US" sz="2000" dirty="0"/>
+              <a:rPr lang="en-US" sz="1000"/>
             </a:br>
             <a:r>
-              <a:rPr lang="en-US" sz="2000" dirty="0"/>
-              <a:t>Docker </a:t>
-            </a:r>
-            <a:r>
-              <a:rPr lang="en-US" sz="2000" dirty="0" err="1"/>
-              <a:t>LifeCycle</a:t>
-            </a:r>
-            <a:endParaRPr lang="en-US" sz="2000" dirty="0"/>
+              <a:rPr lang="en-US" sz="1000"/>
+              <a:t>Docker LifeCycle</a:t>
+            </a:r>
           </a:p>
         </p:txBody>
       </p:sp>
       <p:sp>
         <p:nvSpPr>
-          <p:cNvPr id="10" name="Rectangle 9">
+          <p:cNvPr id="24" name="Rectangle 23">
             <a:extLst>
               <a:ext uri="{FF2B5EF4-FFF2-40B4-BE49-F238E27FC236}">
                 <a16:creationId xmlns:a16="http://schemas.microsoft.com/office/drawing/2014/main" id="{43F30027-8F78-4D8F-9B43-E1C8B4D50E8D}"/>
@@ -7690,10 +14155,10 @@
       </p:grpSpPr>
       <p:sp>
         <p:nvSpPr>
-          <p:cNvPr id="8" name="Rectangle 7">
+          <p:cNvPr id="23" name="Rectangle 18">
             <a:extLst>
               <a:ext uri="{FF2B5EF4-FFF2-40B4-BE49-F238E27FC236}">
-                <a16:creationId xmlns:a16="http://schemas.microsoft.com/office/drawing/2014/main" id="{C33976D1-3430-450C-A978-87A9A6E8E71F}"/>
+                <a16:creationId xmlns:a16="http://schemas.microsoft.com/office/drawing/2014/main" id="{3836D221-E91F-4CA7-904A-D533B97F4396}"/>
               </a:ext>
               <a:ext uri="{C183D7F6-B498-43B3-948B-1728B52AA6E4}">
                 <adec:decorative xmlns:adec="http://schemas.microsoft.com/office/drawing/2017/decorative" val="1"/>
@@ -7714,13 +14179,16 @@
         <p:spPr>
           <a:xfrm>
             <a:off x="0" y="0"/>
-            <a:ext cx="12192000" cy="6858000"/>
+            <a:ext cx="4738255" cy="6858000"/>
           </a:xfrm>
           <a:prstGeom prst="rect">
             <a:avLst/>
           </a:prstGeom>
           <a:solidFill>
-            <a:schemeClr val="accent2"/>
+            <a:schemeClr val="accent6">
+              <a:lumMod val="60000"/>
+              <a:lumOff val="40000"/>
+            </a:schemeClr>
           </a:solidFill>
           <a:ln>
             <a:noFill/>
@@ -7753,10 +14221,74 @@
       </p:sp>
       <p:sp>
         <p:nvSpPr>
-          <p:cNvPr id="10" name="Rectangle 9">
+          <p:cNvPr id="2" name="Title 1">
             <a:extLst>
               <a:ext uri="{FF2B5EF4-FFF2-40B4-BE49-F238E27FC236}">
-                <a16:creationId xmlns:a16="http://schemas.microsoft.com/office/drawing/2014/main" id="{7D6AAC78-7D86-415A-ADC1-2B474807960C}"/>
+                <a16:creationId xmlns:a16="http://schemas.microsoft.com/office/drawing/2014/main" id="{0847A77B-B963-7044-8B96-46C17104DACF}"/>
+              </a:ext>
+            </a:extLst>
+          </p:cNvPr>
+          <p:cNvSpPr>
+            <a:spLocks noGrp="1"/>
+          </p:cNvSpPr>
+          <p:nvPr>
+            <p:ph type="title"/>
+          </p:nvPr>
+        </p:nvSpPr>
+        <p:spPr>
+          <a:xfrm>
+            <a:off x="640080" y="2681103"/>
+            <a:ext cx="3401568" cy="1495794"/>
+          </a:xfrm>
+          <a:solidFill>
+            <a:srgbClr val="FFFFFF"/>
+          </a:solidFill>
+          <a:ln>
+            <a:solidFill>
+              <a:srgbClr val="404040"/>
+            </a:solidFill>
+          </a:ln>
+        </p:spPr>
+        <p:txBody>
+          <a:bodyPr>
+            <a:normAutofit/>
+          </a:bodyPr>
+          <a:lstStyle/>
+          <a:p>
+            <a:r>
+              <a:rPr lang="en-US" sz="2600">
+                <a:solidFill>
+                  <a:srgbClr val="0D0D0D"/>
+                </a:solidFill>
+              </a:rPr>
+              <a:t>VM – Advantages   [</a:t>
+            </a:r>
+            <a:r>
+              <a:rPr lang="en-US" sz="2600">
+                <a:solidFill>
+                  <a:srgbClr val="0D0D0D"/>
+                </a:solidFill>
+                <a:hlinkClick r:id="rId2"/>
+              </a:rPr>
+              <a:t>credit</a:t>
+            </a:r>
+            <a:r>
+              <a:rPr lang="en-US" sz="2600">
+                <a:solidFill>
+                  <a:srgbClr val="0D0D0D"/>
+                </a:solidFill>
+              </a:rPr>
+              <a:t>]</a:t>
+            </a:r>
+          </a:p>
+        </p:txBody>
+      </p:sp>
+      <p:sp useBgFill="1">
+        <p:nvSpPr>
+          <p:cNvPr id="24" name="Rectangle 20">
+            <a:extLst>
+              <a:ext uri="{FF2B5EF4-FFF2-40B4-BE49-F238E27FC236}">
+                <a16:creationId xmlns:a16="http://schemas.microsoft.com/office/drawing/2014/main" id="{563906AD-57D2-40AD-A4A4-DEE56613DB09}"/>
               </a:ext>
               <a:ext uri="{C183D7F6-B498-43B3-948B-1728B52AA6E4}">
                 <adec:decorative xmlns:adec="http://schemas.microsoft.com/office/drawing/2017/decorative" val="1"/>
@@ -7776,15 +14308,12 @@
         </p:nvSpPr>
         <p:spPr>
           <a:xfrm>
-            <a:off x="1249680" y="1248156"/>
-            <a:ext cx="9692640" cy="4361688"/>
+            <a:off x="4753278" y="0"/>
+            <a:ext cx="7438722" cy="6857999"/>
           </a:xfrm>
           <a:prstGeom prst="rect">
             <a:avLst/>
           </a:prstGeom>
-          <a:solidFill>
-            <a:srgbClr val="FFFFFF"/>
-          </a:solidFill>
           <a:ln>
             <a:noFill/>
           </a:ln>
@@ -7814,215 +14343,37 @@
           </a:p>
         </p:txBody>
       </p:sp>
-      <p:sp>
-        <p:nvSpPr>
-          <p:cNvPr id="12" name="Rectangle 11">
+      <p:graphicFrame>
+        <p:nvGraphicFramePr>
+          <p:cNvPr id="25" name="Content Placeholder 2">
             <a:extLst>
               <a:ext uri="{FF2B5EF4-FFF2-40B4-BE49-F238E27FC236}">
-                <a16:creationId xmlns:a16="http://schemas.microsoft.com/office/drawing/2014/main" id="{F2A658D9-F185-44F1-BA33-D50320D1D078}"/>
-              </a:ext>
-              <a:ext uri="{C183D7F6-B498-43B3-948B-1728B52AA6E4}">
-                <adec:decorative xmlns:adec="http://schemas.microsoft.com/office/drawing/2017/decorative" val="1"/>
+                <a16:creationId xmlns:a16="http://schemas.microsoft.com/office/drawing/2014/main" id="{7C05F960-7D29-42CC-9BA9-DC78C98E53C5}"/>
               </a:ext>
             </a:extLst>
           </p:cNvPr>
-          <p:cNvSpPr>
-            <a:spLocks noGrp="1" noRot="1" noChangeAspect="1" noMove="1" noResize="1" noEditPoints="1" noAdjustHandles="1" noChangeArrowheads="1" noChangeShapeType="1" noTextEdit="1"/>
-          </p:cNvSpPr>
+          <p:cNvGraphicFramePr>
+            <a:graphicFrameLocks noGrp="1"/>
+          </p:cNvGraphicFramePr>
           <p:nvPr>
+            <p:ph idx="1"/>
             <p:extLst>
-              <p:ext uri="{386F3935-93C4-4BCD-93E2-E3B085C9AB24}">
-                <p16:designElem xmlns:p16="http://schemas.microsoft.com/office/powerpoint/2015/main" val="1"/>
+              <p:ext uri="{D42A27DB-BD31-4B8C-83A1-F6EECF244321}">
+                <p14:modId xmlns:p14="http://schemas.microsoft.com/office/powerpoint/2010/main" val="2568137763"/>
               </p:ext>
             </p:extLst>
           </p:nvPr>
-        </p:nvSpPr>
-        <p:spPr>
-          <a:xfrm>
-            <a:off x="1062228" y="1060704"/>
-            <a:ext cx="10067544" cy="4736592"/>
-          </a:xfrm>
-          <a:prstGeom prst="rect">
-            <a:avLst/>
-          </a:prstGeom>
-          <a:noFill/>
-          <a:ln w="31750" cap="sq">
-            <a:solidFill>
-              <a:srgbClr val="FFFFFF"/>
-            </a:solidFill>
-            <a:miter lim="800000"/>
-          </a:ln>
-        </p:spPr>
-        <p:style>
-          <a:lnRef idx="2">
-            <a:schemeClr val="accent1">
-              <a:shade val="50000"/>
-            </a:schemeClr>
-          </a:lnRef>
-          <a:fillRef idx="1">
-            <a:schemeClr val="accent1"/>
-          </a:fillRef>
-          <a:effectRef idx="0">
-            <a:schemeClr val="accent1"/>
-          </a:effectRef>
-          <a:fontRef idx="minor">
-            <a:schemeClr val="lt1"/>
-          </a:fontRef>
-        </p:style>
-        <p:txBody>
-          <a:bodyPr rtlCol="0" anchor="ctr"/>
-          <a:lstStyle/>
-          <a:p>
-            <a:pPr algn="ctr"/>
-            <a:endParaRPr lang="en-US"/>
-          </a:p>
-        </p:txBody>
-      </p:sp>
-      <p:sp>
-        <p:nvSpPr>
-          <p:cNvPr id="2" name="Title 1">
-            <a:extLst>
-              <a:ext uri="{FF2B5EF4-FFF2-40B4-BE49-F238E27FC236}">
-                <a16:creationId xmlns:a16="http://schemas.microsoft.com/office/drawing/2014/main" id="{0847A77B-B963-7044-8B96-46C17104DACF}"/>
-              </a:ext>
-            </a:extLst>
-          </p:cNvPr>
-          <p:cNvSpPr>
-            <a:spLocks noGrp="1"/>
-          </p:cNvSpPr>
-          <p:nvPr>
-            <p:ph type="title"/>
-          </p:nvPr>
-        </p:nvSpPr>
-        <p:spPr>
-          <a:xfrm>
-            <a:off x="2231136" y="467418"/>
-            <a:ext cx="7729728" cy="1188720"/>
-          </a:xfrm>
-        </p:spPr>
-        <p:txBody>
-          <a:bodyPr>
-            <a:normAutofit/>
-          </a:bodyPr>
-          <a:lstStyle/>
-          <a:p>
-            <a:r>
-              <a:rPr lang="en-US" dirty="0"/>
-              <a:t>VM – Advantages   </a:t>
-            </a:r>
-            <a:r>
-              <a:rPr lang="en-US"/>
-              <a:t>[</a:t>
-            </a:r>
-            <a:r>
-              <a:rPr lang="en-US">
-                <a:hlinkClick r:id="rId2"/>
-              </a:rPr>
-              <a:t>credit</a:t>
-            </a:r>
-            <a:r>
-              <a:rPr lang="en-US"/>
-              <a:t>]</a:t>
-            </a:r>
-          </a:p>
-        </p:txBody>
-      </p:sp>
-      <p:sp>
-        <p:nvSpPr>
-          <p:cNvPr id="3" name="Content Placeholder 2">
-            <a:extLst>
-              <a:ext uri="{FF2B5EF4-FFF2-40B4-BE49-F238E27FC236}">
-                <a16:creationId xmlns:a16="http://schemas.microsoft.com/office/drawing/2014/main" id="{25C6A6F3-36DC-9F4D-A47F-0A8F29F66F06}"/>
-              </a:ext>
-            </a:extLst>
-          </p:cNvPr>
-          <p:cNvSpPr>
-            <a:spLocks noGrp="1"/>
-          </p:cNvSpPr>
-          <p:nvPr>
-            <p:ph idx="1"/>
-          </p:nvPr>
-        </p:nvSpPr>
-        <p:spPr>
-          <a:xfrm>
-            <a:off x="1706062" y="2291262"/>
-            <a:ext cx="8779512" cy="2879256"/>
-          </a:xfrm>
-        </p:spPr>
-        <p:txBody>
-          <a:bodyPr>
-            <a:normAutofit/>
-          </a:bodyPr>
-          <a:lstStyle/>
-          <a:p>
-            <a:r>
-              <a:rPr lang="en-US">
-                <a:solidFill>
-                  <a:srgbClr val="404040"/>
-                </a:solidFill>
-              </a:rPr>
-              <a:t>Familiar Interface</a:t>
-            </a:r>
-          </a:p>
-          <a:p>
-            <a:r>
-              <a:rPr lang="en-US">
-                <a:solidFill>
-                  <a:srgbClr val="404040"/>
-                </a:solidFill>
-              </a:rPr>
-              <a:t>Isolation – each machine runs on its own resources</a:t>
-            </a:r>
-          </a:p>
-          <a:p>
-            <a:r>
-              <a:rPr lang="en-US">
-                <a:solidFill>
-                  <a:srgbClr val="404040"/>
-                </a:solidFill>
-              </a:rPr>
-              <a:t>High Availability – if one machine fails, spin up another</a:t>
-            </a:r>
-          </a:p>
-          <a:p>
-            <a:r>
-              <a:rPr lang="en-US">
-                <a:solidFill>
-                  <a:srgbClr val="404040"/>
-                </a:solidFill>
-              </a:rPr>
-              <a:t>Scalablity – add or remove machines as needed</a:t>
-            </a:r>
-          </a:p>
-          <a:p>
-            <a:r>
-              <a:rPr lang="en-US">
-                <a:solidFill>
-                  <a:srgbClr val="404040"/>
-                </a:solidFill>
-              </a:rPr>
-              <a:t>Backup and fast recovery</a:t>
-            </a:r>
-          </a:p>
-          <a:p>
-            <a:r>
-              <a:rPr lang="en-US">
-                <a:solidFill>
-                  <a:srgbClr val="404040"/>
-                </a:solidFill>
-              </a:rPr>
-              <a:t>Cost Reduction – share resources</a:t>
-            </a:r>
-          </a:p>
-          <a:p>
-            <a:endParaRPr lang="en-US">
-              <a:solidFill>
-                <a:srgbClr val="404040"/>
-              </a:solidFill>
-            </a:endParaRPr>
-          </a:p>
-        </p:txBody>
-      </p:sp>
+        </p:nvGraphicFramePr>
+        <p:xfrm>
+          <a:off x="5397500" y="639763"/>
+          <a:ext cx="6151563" cy="5276850"/>
+        </p:xfrm>
+        <a:graphic>
+          <a:graphicData uri="http://schemas.openxmlformats.org/drawingml/2006/diagram">
+            <dgm:relIds xmlns:dgm="http://schemas.openxmlformats.org/drawingml/2006/diagram" xmlns:r="http://schemas.openxmlformats.org/officeDocument/2006/relationships" r:dm="rId3" r:lo="rId4" r:qs="rId5" r:cs="rId6"/>
+          </a:graphicData>
+        </a:graphic>
+      </p:graphicFrame>
     </p:spTree>
     <p:extLst>
       <p:ext uri="{BB962C8B-B14F-4D97-AF65-F5344CB8AC3E}">
@@ -8063,10 +14414,10 @@
       </p:grpSpPr>
       <p:sp>
         <p:nvSpPr>
-          <p:cNvPr id="8" name="Rectangle 7">
+          <p:cNvPr id="19" name="Rectangle 18">
             <a:extLst>
               <a:ext uri="{FF2B5EF4-FFF2-40B4-BE49-F238E27FC236}">
-                <a16:creationId xmlns:a16="http://schemas.microsoft.com/office/drawing/2014/main" id="{C33976D1-3430-450C-A978-87A9A6E8E71F}"/>
+                <a16:creationId xmlns:a16="http://schemas.microsoft.com/office/drawing/2014/main" id="{3836D221-E91F-4CA7-904A-D533B97F4396}"/>
               </a:ext>
               <a:ext uri="{C183D7F6-B498-43B3-948B-1728B52AA6E4}">
                 <adec:decorative xmlns:adec="http://schemas.microsoft.com/office/drawing/2017/decorative" val="1"/>
@@ -8087,13 +14438,16 @@
         <p:spPr>
           <a:xfrm>
             <a:off x="0" y="0"/>
-            <a:ext cx="12192000" cy="6858000"/>
+            <a:ext cx="4738255" cy="6858000"/>
           </a:xfrm>
           <a:prstGeom prst="rect">
             <a:avLst/>
           </a:prstGeom>
           <a:solidFill>
-            <a:schemeClr val="accent2"/>
+            <a:schemeClr val="accent6">
+              <a:lumMod val="60000"/>
+              <a:lumOff val="40000"/>
+            </a:schemeClr>
           </a:solidFill>
           <a:ln>
             <a:noFill/>
@@ -8126,10 +14480,74 @@
       </p:sp>
       <p:sp>
         <p:nvSpPr>
-          <p:cNvPr id="10" name="Rectangle 9">
+          <p:cNvPr id="2" name="Title 1">
             <a:extLst>
               <a:ext uri="{FF2B5EF4-FFF2-40B4-BE49-F238E27FC236}">
-                <a16:creationId xmlns:a16="http://schemas.microsoft.com/office/drawing/2014/main" id="{7D6AAC78-7D86-415A-ADC1-2B474807960C}"/>
+                <a16:creationId xmlns:a16="http://schemas.microsoft.com/office/drawing/2014/main" id="{0847A77B-B963-7044-8B96-46C17104DACF}"/>
+              </a:ext>
+            </a:extLst>
+          </p:cNvPr>
+          <p:cNvSpPr>
+            <a:spLocks noGrp="1"/>
+          </p:cNvSpPr>
+          <p:nvPr>
+            <p:ph type="title"/>
+          </p:nvPr>
+        </p:nvSpPr>
+        <p:spPr>
+          <a:xfrm>
+            <a:off x="640080" y="2681103"/>
+            <a:ext cx="3401568" cy="1495794"/>
+          </a:xfrm>
+          <a:solidFill>
+            <a:srgbClr val="FFFFFF"/>
+          </a:solidFill>
+          <a:ln>
+            <a:solidFill>
+              <a:srgbClr val="404040"/>
+            </a:solidFill>
+          </a:ln>
+        </p:spPr>
+        <p:txBody>
+          <a:bodyPr>
+            <a:normAutofit/>
+          </a:bodyPr>
+          <a:lstStyle/>
+          <a:p>
+            <a:r>
+              <a:rPr lang="en-US" sz="2600">
+                <a:solidFill>
+                  <a:srgbClr val="0D0D0D"/>
+                </a:solidFill>
+              </a:rPr>
+              <a:t>VM – Disadvantages   [</a:t>
+            </a:r>
+            <a:r>
+              <a:rPr lang="en-US" sz="2600">
+                <a:solidFill>
+                  <a:srgbClr val="0D0D0D"/>
+                </a:solidFill>
+                <a:hlinkClick r:id="rId3"/>
+              </a:rPr>
+              <a:t>credit</a:t>
+            </a:r>
+            <a:r>
+              <a:rPr lang="en-US" sz="2600">
+                <a:solidFill>
+                  <a:srgbClr val="0D0D0D"/>
+                </a:solidFill>
+              </a:rPr>
+              <a:t>]</a:t>
+            </a:r>
+          </a:p>
+        </p:txBody>
+      </p:sp>
+      <p:sp useBgFill="1">
+        <p:nvSpPr>
+          <p:cNvPr id="21" name="Rectangle 20">
+            <a:extLst>
+              <a:ext uri="{FF2B5EF4-FFF2-40B4-BE49-F238E27FC236}">
+                <a16:creationId xmlns:a16="http://schemas.microsoft.com/office/drawing/2014/main" id="{563906AD-57D2-40AD-A4A4-DEE56613DB09}"/>
               </a:ext>
               <a:ext uri="{C183D7F6-B498-43B3-948B-1728B52AA6E4}">
                 <adec:decorative xmlns:adec="http://schemas.microsoft.com/office/drawing/2017/decorative" val="1"/>
@@ -8149,15 +14567,12 @@
         </p:nvSpPr>
         <p:spPr>
           <a:xfrm>
-            <a:off x="1249680" y="1248156"/>
-            <a:ext cx="9692640" cy="4361688"/>
+            <a:off x="4753278" y="0"/>
+            <a:ext cx="7438722" cy="6857999"/>
           </a:xfrm>
           <a:prstGeom prst="rect">
             <a:avLst/>
           </a:prstGeom>
-          <a:solidFill>
-            <a:srgbClr val="FFFFFF"/>
-          </a:solidFill>
           <a:ln>
             <a:noFill/>
           </a:ln>
@@ -8187,188 +14602,37 @@
           </a:p>
         </p:txBody>
       </p:sp>
-      <p:sp>
-        <p:nvSpPr>
-          <p:cNvPr id="12" name="Rectangle 11">
+      <p:graphicFrame>
+        <p:nvGraphicFramePr>
+          <p:cNvPr id="14" name="Content Placeholder 2">
             <a:extLst>
               <a:ext uri="{FF2B5EF4-FFF2-40B4-BE49-F238E27FC236}">
-                <a16:creationId xmlns:a16="http://schemas.microsoft.com/office/drawing/2014/main" id="{F2A658D9-F185-44F1-BA33-D50320D1D078}"/>
-              </a:ext>
-              <a:ext uri="{C183D7F6-B498-43B3-948B-1728B52AA6E4}">
-                <adec:decorative xmlns:adec="http://schemas.microsoft.com/office/drawing/2017/decorative" val="1"/>
+                <a16:creationId xmlns:a16="http://schemas.microsoft.com/office/drawing/2014/main" id="{BD5F78F0-F51E-427C-93A1-BF1141F52A79}"/>
               </a:ext>
             </a:extLst>
           </p:cNvPr>
-          <p:cNvSpPr>
-            <a:spLocks noGrp="1" noRot="1" noChangeAspect="1" noMove="1" noResize="1" noEditPoints="1" noAdjustHandles="1" noChangeArrowheads="1" noChangeShapeType="1" noTextEdit="1"/>
-          </p:cNvSpPr>
+          <p:cNvGraphicFramePr>
+            <a:graphicFrameLocks noGrp="1"/>
+          </p:cNvGraphicFramePr>
           <p:nvPr>
+            <p:ph idx="1"/>
             <p:extLst>
-              <p:ext uri="{386F3935-93C4-4BCD-93E2-E3B085C9AB24}">
-                <p16:designElem xmlns:p16="http://schemas.microsoft.com/office/powerpoint/2015/main" val="1"/>
+              <p:ext uri="{D42A27DB-BD31-4B8C-83A1-F6EECF244321}">
+                <p14:modId xmlns:p14="http://schemas.microsoft.com/office/powerpoint/2010/main" val="3704864938"/>
               </p:ext>
             </p:extLst>
           </p:nvPr>
-        </p:nvSpPr>
-        <p:spPr>
-          <a:xfrm>
-            <a:off x="1062228" y="1060704"/>
-            <a:ext cx="10067544" cy="4736592"/>
-          </a:xfrm>
-          <a:prstGeom prst="rect">
-            <a:avLst/>
-          </a:prstGeom>
-          <a:noFill/>
-          <a:ln w="31750" cap="sq">
-            <a:solidFill>
-              <a:srgbClr val="FFFFFF"/>
-            </a:solidFill>
-            <a:miter lim="800000"/>
-          </a:ln>
-        </p:spPr>
-        <p:style>
-          <a:lnRef idx="2">
-            <a:schemeClr val="accent1">
-              <a:shade val="50000"/>
-            </a:schemeClr>
-          </a:lnRef>
-          <a:fillRef idx="1">
-            <a:schemeClr val="accent1"/>
-          </a:fillRef>
-          <a:effectRef idx="0">
-            <a:schemeClr val="accent1"/>
-          </a:effectRef>
-          <a:fontRef idx="minor">
-            <a:schemeClr val="lt1"/>
-          </a:fontRef>
-        </p:style>
-        <p:txBody>
-          <a:bodyPr rtlCol="0" anchor="ctr"/>
-          <a:lstStyle/>
-          <a:p>
-            <a:pPr algn="ctr"/>
-            <a:endParaRPr lang="en-US"/>
-          </a:p>
-        </p:txBody>
-      </p:sp>
-      <p:sp>
-        <p:nvSpPr>
-          <p:cNvPr id="2" name="Title 1">
-            <a:extLst>
-              <a:ext uri="{FF2B5EF4-FFF2-40B4-BE49-F238E27FC236}">
-                <a16:creationId xmlns:a16="http://schemas.microsoft.com/office/drawing/2014/main" id="{0847A77B-B963-7044-8B96-46C17104DACF}"/>
-              </a:ext>
-            </a:extLst>
-          </p:cNvPr>
-          <p:cNvSpPr>
-            <a:spLocks noGrp="1"/>
-          </p:cNvSpPr>
-          <p:nvPr>
-            <p:ph type="title"/>
-          </p:nvPr>
-        </p:nvSpPr>
-        <p:spPr>
-          <a:xfrm>
-            <a:off x="2231136" y="467418"/>
-            <a:ext cx="7729728" cy="1188720"/>
-          </a:xfrm>
-        </p:spPr>
-        <p:txBody>
-          <a:bodyPr>
-            <a:normAutofit/>
-          </a:bodyPr>
-          <a:lstStyle/>
-          <a:p>
-            <a:r>
-              <a:rPr lang="en-US" dirty="0"/>
-              <a:t>VM – Disadvantages   </a:t>
-            </a:r>
-            <a:r>
-              <a:rPr lang="en-US"/>
-              <a:t>[</a:t>
-            </a:r>
-            <a:r>
-              <a:rPr lang="en-US">
-                <a:hlinkClick r:id="rId3"/>
-              </a:rPr>
-              <a:t>credit</a:t>
-            </a:r>
-            <a:r>
-              <a:rPr lang="en-US"/>
-              <a:t>]</a:t>
-            </a:r>
-          </a:p>
-        </p:txBody>
-      </p:sp>
-      <p:sp>
-        <p:nvSpPr>
-          <p:cNvPr id="3" name="Content Placeholder 2">
-            <a:extLst>
-              <a:ext uri="{FF2B5EF4-FFF2-40B4-BE49-F238E27FC236}">
-                <a16:creationId xmlns:a16="http://schemas.microsoft.com/office/drawing/2014/main" id="{25C6A6F3-36DC-9F4D-A47F-0A8F29F66F06}"/>
-              </a:ext>
-            </a:extLst>
-          </p:cNvPr>
-          <p:cNvSpPr>
-            <a:spLocks noGrp="1"/>
-          </p:cNvSpPr>
-          <p:nvPr>
-            <p:ph idx="1"/>
-          </p:nvPr>
-        </p:nvSpPr>
-        <p:spPr>
-          <a:xfrm>
-            <a:off x="1706062" y="2291262"/>
-            <a:ext cx="8779512" cy="2879256"/>
-          </a:xfrm>
-        </p:spPr>
-        <p:txBody>
-          <a:bodyPr>
-            <a:normAutofit/>
-          </a:bodyPr>
-          <a:lstStyle/>
-          <a:p>
-            <a:r>
-              <a:rPr lang="en-US">
-                <a:solidFill>
-                  <a:srgbClr val="404040"/>
-                </a:solidFill>
-              </a:rPr>
-              <a:t>Difficult to directly access hardware</a:t>
-            </a:r>
-          </a:p>
-          <a:p>
-            <a:r>
-              <a:rPr lang="en-US">
-                <a:solidFill>
-                  <a:srgbClr val="404040"/>
-                </a:solidFill>
-              </a:rPr>
-              <a:t>Uses a lot of RAM or memory – each machine allocated its own memory stack</a:t>
-            </a:r>
-          </a:p>
-          <a:p>
-            <a:r>
-              <a:rPr lang="en-US">
-                <a:solidFill>
-                  <a:srgbClr val="404040"/>
-                </a:solidFill>
-              </a:rPr>
-              <a:t>Uses a lot of disk space – again each machine allocated its own space</a:t>
-            </a:r>
-          </a:p>
-          <a:p>
-            <a:r>
-              <a:rPr lang="en-US">
-                <a:solidFill>
-                  <a:srgbClr val="404040"/>
-                </a:solidFill>
-              </a:rPr>
-              <a:t>Machine is less efficient than actual machine – has to go through the hypervisor</a:t>
-            </a:r>
-          </a:p>
-        </p:txBody>
-      </p:sp>
+        </p:nvGraphicFramePr>
+        <p:xfrm>
+          <a:off x="5397500" y="639763"/>
+          <a:ext cx="6151563" cy="5276850"/>
+        </p:xfrm>
+        <a:graphic>
+          <a:graphicData uri="http://schemas.openxmlformats.org/drawingml/2006/diagram">
+            <dgm:relIds xmlns:dgm="http://schemas.openxmlformats.org/drawingml/2006/diagram" xmlns:r="http://schemas.openxmlformats.org/officeDocument/2006/relationships" r:dm="rId4" r:lo="rId5" r:qs="rId6" r:cs="rId7"/>
+          </a:graphicData>
+        </a:graphic>
+      </p:graphicFrame>
     </p:spTree>
     <p:extLst>
       <p:ext uri="{BB962C8B-B14F-4D97-AF65-F5344CB8AC3E}">
